--- a/paper figure.pptx
+++ b/paper figure.pptx
@@ -7,6 +7,7 @@
   <p:sldIdLst>
     <p:sldId id="257" r:id="rId2"/>
     <p:sldId id="256" r:id="rId3"/>
+    <p:sldId id="258" r:id="rId4"/>
   </p:sldIdLst>
   <p:sldSz cx="12192000" cy="6858000"/>
   <p:notesSz cx="6858000" cy="9144000"/>
@@ -114,6 +115,11 @@
             <p14:sldId id="256"/>
           </p14:sldIdLst>
         </p14:section>
+        <p14:section name="others" id="{6353EE55-A00A-45E0-97B0-6390A8D368C8}">
+          <p14:sldIdLst>
+            <p14:sldId id="258"/>
+          </p14:sldIdLst>
+        </p14:section>
       </p14:sectionLst>
     </p:ext>
     <p:ext uri="{EFAFB233-063F-42B5-8137-9DF3F51BA10A}">
@@ -281,7 +287,7 @@
           <a:p>
             <a:fld id="{57BB4548-A917-4321-B6F0-C21F28AC35DC}" type="datetimeFigureOut">
               <a:rPr lang="zh-TW" altLang="en-US" smtClean="0"/>
-              <a:t>2024/5/22</a:t>
+              <a:t>2024/5/29</a:t>
             </a:fld>
             <a:endParaRPr lang="zh-TW" altLang="en-US"/>
           </a:p>
@@ -479,7 +485,7 @@
           <a:p>
             <a:fld id="{57BB4548-A917-4321-B6F0-C21F28AC35DC}" type="datetimeFigureOut">
               <a:rPr lang="zh-TW" altLang="en-US" smtClean="0"/>
-              <a:t>2024/5/22</a:t>
+              <a:t>2024/5/29</a:t>
             </a:fld>
             <a:endParaRPr lang="zh-TW" altLang="en-US"/>
           </a:p>
@@ -687,7 +693,7 @@
           <a:p>
             <a:fld id="{57BB4548-A917-4321-B6F0-C21F28AC35DC}" type="datetimeFigureOut">
               <a:rPr lang="zh-TW" altLang="en-US" smtClean="0"/>
-              <a:t>2024/5/22</a:t>
+              <a:t>2024/5/29</a:t>
             </a:fld>
             <a:endParaRPr lang="zh-TW" altLang="en-US"/>
           </a:p>
@@ -885,7 +891,7 @@
           <a:p>
             <a:fld id="{57BB4548-A917-4321-B6F0-C21F28AC35DC}" type="datetimeFigureOut">
               <a:rPr lang="zh-TW" altLang="en-US" smtClean="0"/>
-              <a:t>2024/5/22</a:t>
+              <a:t>2024/5/29</a:t>
             </a:fld>
             <a:endParaRPr lang="zh-TW" altLang="en-US"/>
           </a:p>
@@ -1160,7 +1166,7 @@
           <a:p>
             <a:fld id="{57BB4548-A917-4321-B6F0-C21F28AC35DC}" type="datetimeFigureOut">
               <a:rPr lang="zh-TW" altLang="en-US" smtClean="0"/>
-              <a:t>2024/5/22</a:t>
+              <a:t>2024/5/29</a:t>
             </a:fld>
             <a:endParaRPr lang="zh-TW" altLang="en-US"/>
           </a:p>
@@ -1425,7 +1431,7 @@
           <a:p>
             <a:fld id="{57BB4548-A917-4321-B6F0-C21F28AC35DC}" type="datetimeFigureOut">
               <a:rPr lang="zh-TW" altLang="en-US" smtClean="0"/>
-              <a:t>2024/5/22</a:t>
+              <a:t>2024/5/29</a:t>
             </a:fld>
             <a:endParaRPr lang="zh-TW" altLang="en-US"/>
           </a:p>
@@ -1837,7 +1843,7 @@
           <a:p>
             <a:fld id="{57BB4548-A917-4321-B6F0-C21F28AC35DC}" type="datetimeFigureOut">
               <a:rPr lang="zh-TW" altLang="en-US" smtClean="0"/>
-              <a:t>2024/5/22</a:t>
+              <a:t>2024/5/29</a:t>
             </a:fld>
             <a:endParaRPr lang="zh-TW" altLang="en-US"/>
           </a:p>
@@ -1978,7 +1984,7 @@
           <a:p>
             <a:fld id="{57BB4548-A917-4321-B6F0-C21F28AC35DC}" type="datetimeFigureOut">
               <a:rPr lang="zh-TW" altLang="en-US" smtClean="0"/>
-              <a:t>2024/5/22</a:t>
+              <a:t>2024/5/29</a:t>
             </a:fld>
             <a:endParaRPr lang="zh-TW" altLang="en-US"/>
           </a:p>
@@ -2091,7 +2097,7 @@
           <a:p>
             <a:fld id="{57BB4548-A917-4321-B6F0-C21F28AC35DC}" type="datetimeFigureOut">
               <a:rPr lang="zh-TW" altLang="en-US" smtClean="0"/>
-              <a:t>2024/5/22</a:t>
+              <a:t>2024/5/29</a:t>
             </a:fld>
             <a:endParaRPr lang="zh-TW" altLang="en-US"/>
           </a:p>
@@ -2402,7 +2408,7 @@
           <a:p>
             <a:fld id="{57BB4548-A917-4321-B6F0-C21F28AC35DC}" type="datetimeFigureOut">
               <a:rPr lang="zh-TW" altLang="en-US" smtClean="0"/>
-              <a:t>2024/5/22</a:t>
+              <a:t>2024/5/29</a:t>
             </a:fld>
             <a:endParaRPr lang="zh-TW" altLang="en-US"/>
           </a:p>
@@ -2690,7 +2696,7 @@
           <a:p>
             <a:fld id="{57BB4548-A917-4321-B6F0-C21F28AC35DC}" type="datetimeFigureOut">
               <a:rPr lang="zh-TW" altLang="en-US" smtClean="0"/>
-              <a:t>2024/5/22</a:t>
+              <a:t>2024/5/29</a:t>
             </a:fld>
             <a:endParaRPr lang="zh-TW" altLang="en-US"/>
           </a:p>
@@ -2931,7 +2937,7 @@
           <a:p>
             <a:fld id="{57BB4548-A917-4321-B6F0-C21F28AC35DC}" type="datetimeFigureOut">
               <a:rPr lang="zh-TW" altLang="en-US" smtClean="0"/>
-              <a:t>2024/5/22</a:t>
+              <a:t>2024/5/29</a:t>
             </a:fld>
             <a:endParaRPr lang="zh-TW" altLang="en-US"/>
           </a:p>
@@ -4429,6 +4435,66 @@
 </p:sld>
 </file>
 
+<file path=ppt/slides/slide3.xml><?xml version="1.0" encoding="utf-8"?>
+<p:sld xmlns:a="http://schemas.openxmlformats.org/drawingml/2006/main" xmlns:r="http://schemas.openxmlformats.org/officeDocument/2006/relationships" xmlns:p="http://schemas.openxmlformats.org/presentationml/2006/main">
+  <p:cSld>
+    <p:spTree>
+      <p:nvGrpSpPr>
+        <p:cNvPr id="1" name=""/>
+        <p:cNvGrpSpPr/>
+        <p:nvPr/>
+      </p:nvGrpSpPr>
+      <p:grpSpPr>
+        <a:xfrm>
+          <a:off x="0" y="0"/>
+          <a:ext cx="0" cy="0"/>
+          <a:chOff x="0" y="0"/>
+          <a:chExt cx="0" cy="0"/>
+        </a:xfrm>
+      </p:grpSpPr>
+      <p:pic>
+        <p:nvPicPr>
+          <p:cNvPr id="7" name="圖片 6">
+            <a:extLst>
+              <a:ext uri="{FF2B5EF4-FFF2-40B4-BE49-F238E27FC236}">
+                <a16:creationId xmlns:a16="http://schemas.microsoft.com/office/drawing/2014/main" id="{B46BD489-90F9-4B7B-84F0-0D655B9EF1C5}"/>
+              </a:ext>
+            </a:extLst>
+          </p:cNvPr>
+          <p:cNvPicPr>
+            <a:picLocks noChangeAspect="1"/>
+          </p:cNvPicPr>
+          <p:nvPr/>
+        </p:nvPicPr>
+        <p:blipFill>
+          <a:blip r:embed="rId2"/>
+          <a:stretch>
+            <a:fillRect/>
+          </a:stretch>
+        </p:blipFill>
+        <p:spPr>
+          <a:xfrm>
+            <a:off x="3657429" y="986324"/>
+            <a:ext cx="4877142" cy="4885352"/>
+          </a:xfrm>
+          <a:prstGeom prst="rect">
+            <a:avLst/>
+          </a:prstGeom>
+        </p:spPr>
+      </p:pic>
+    </p:spTree>
+    <p:extLst>
+      <p:ext uri="{BB962C8B-B14F-4D97-AF65-F5344CB8AC3E}">
+        <p14:creationId xmlns:p14="http://schemas.microsoft.com/office/powerpoint/2010/main" val="2291730552"/>
+      </p:ext>
+    </p:extLst>
+  </p:cSld>
+  <p:clrMapOvr>
+    <a:masterClrMapping/>
+  </p:clrMapOvr>
+</p:sld>
+</file>
+
 <file path=ppt/theme/theme1.xml><?xml version="1.0" encoding="utf-8"?>
 <a:theme xmlns:a="http://schemas.openxmlformats.org/drawingml/2006/main" name="Office 佈景主題">
   <a:themeElements>

--- a/paper figure.pptx
+++ b/paper figure.pptx
@@ -8,6 +8,7 @@
     <p:sldId id="257" r:id="rId2"/>
     <p:sldId id="256" r:id="rId3"/>
     <p:sldId id="258" r:id="rId4"/>
+    <p:sldId id="259" r:id="rId5"/>
   </p:sldIdLst>
   <p:sldSz cx="12192000" cy="6858000"/>
   <p:notesSz cx="6858000" cy="9144000"/>
@@ -118,6 +119,7 @@
         <p14:section name="others" id="{6353EE55-A00A-45E0-97B0-6390A8D368C8}">
           <p14:sldIdLst>
             <p14:sldId id="258"/>
+            <p14:sldId id="259"/>
           </p14:sldIdLst>
         </p14:section>
       </p14:sectionLst>
@@ -287,7 +289,7 @@
           <a:p>
             <a:fld id="{57BB4548-A917-4321-B6F0-C21F28AC35DC}" type="datetimeFigureOut">
               <a:rPr lang="zh-TW" altLang="en-US" smtClean="0"/>
-              <a:t>2024/5/29</a:t>
+              <a:t>2024/6/5</a:t>
             </a:fld>
             <a:endParaRPr lang="zh-TW" altLang="en-US"/>
           </a:p>
@@ -485,7 +487,7 @@
           <a:p>
             <a:fld id="{57BB4548-A917-4321-B6F0-C21F28AC35DC}" type="datetimeFigureOut">
               <a:rPr lang="zh-TW" altLang="en-US" smtClean="0"/>
-              <a:t>2024/5/29</a:t>
+              <a:t>2024/6/5</a:t>
             </a:fld>
             <a:endParaRPr lang="zh-TW" altLang="en-US"/>
           </a:p>
@@ -693,7 +695,7 @@
           <a:p>
             <a:fld id="{57BB4548-A917-4321-B6F0-C21F28AC35DC}" type="datetimeFigureOut">
               <a:rPr lang="zh-TW" altLang="en-US" smtClean="0"/>
-              <a:t>2024/5/29</a:t>
+              <a:t>2024/6/5</a:t>
             </a:fld>
             <a:endParaRPr lang="zh-TW" altLang="en-US"/>
           </a:p>
@@ -891,7 +893,7 @@
           <a:p>
             <a:fld id="{57BB4548-A917-4321-B6F0-C21F28AC35DC}" type="datetimeFigureOut">
               <a:rPr lang="zh-TW" altLang="en-US" smtClean="0"/>
-              <a:t>2024/5/29</a:t>
+              <a:t>2024/6/5</a:t>
             </a:fld>
             <a:endParaRPr lang="zh-TW" altLang="en-US"/>
           </a:p>
@@ -1166,7 +1168,7 @@
           <a:p>
             <a:fld id="{57BB4548-A917-4321-B6F0-C21F28AC35DC}" type="datetimeFigureOut">
               <a:rPr lang="zh-TW" altLang="en-US" smtClean="0"/>
-              <a:t>2024/5/29</a:t>
+              <a:t>2024/6/5</a:t>
             </a:fld>
             <a:endParaRPr lang="zh-TW" altLang="en-US"/>
           </a:p>
@@ -1431,7 +1433,7 @@
           <a:p>
             <a:fld id="{57BB4548-A917-4321-B6F0-C21F28AC35DC}" type="datetimeFigureOut">
               <a:rPr lang="zh-TW" altLang="en-US" smtClean="0"/>
-              <a:t>2024/5/29</a:t>
+              <a:t>2024/6/5</a:t>
             </a:fld>
             <a:endParaRPr lang="zh-TW" altLang="en-US"/>
           </a:p>
@@ -1843,7 +1845,7 @@
           <a:p>
             <a:fld id="{57BB4548-A917-4321-B6F0-C21F28AC35DC}" type="datetimeFigureOut">
               <a:rPr lang="zh-TW" altLang="en-US" smtClean="0"/>
-              <a:t>2024/5/29</a:t>
+              <a:t>2024/6/5</a:t>
             </a:fld>
             <a:endParaRPr lang="zh-TW" altLang="en-US"/>
           </a:p>
@@ -1984,7 +1986,7 @@
           <a:p>
             <a:fld id="{57BB4548-A917-4321-B6F0-C21F28AC35DC}" type="datetimeFigureOut">
               <a:rPr lang="zh-TW" altLang="en-US" smtClean="0"/>
-              <a:t>2024/5/29</a:t>
+              <a:t>2024/6/5</a:t>
             </a:fld>
             <a:endParaRPr lang="zh-TW" altLang="en-US"/>
           </a:p>
@@ -2097,7 +2099,7 @@
           <a:p>
             <a:fld id="{57BB4548-A917-4321-B6F0-C21F28AC35DC}" type="datetimeFigureOut">
               <a:rPr lang="zh-TW" altLang="en-US" smtClean="0"/>
-              <a:t>2024/5/29</a:t>
+              <a:t>2024/6/5</a:t>
             </a:fld>
             <a:endParaRPr lang="zh-TW" altLang="en-US"/>
           </a:p>
@@ -2408,7 +2410,7 @@
           <a:p>
             <a:fld id="{57BB4548-A917-4321-B6F0-C21F28AC35DC}" type="datetimeFigureOut">
               <a:rPr lang="zh-TW" altLang="en-US" smtClean="0"/>
-              <a:t>2024/5/29</a:t>
+              <a:t>2024/6/5</a:t>
             </a:fld>
             <a:endParaRPr lang="zh-TW" altLang="en-US"/>
           </a:p>
@@ -2696,7 +2698,7 @@
           <a:p>
             <a:fld id="{57BB4548-A917-4321-B6F0-C21F28AC35DC}" type="datetimeFigureOut">
               <a:rPr lang="zh-TW" altLang="en-US" smtClean="0"/>
-              <a:t>2024/5/29</a:t>
+              <a:t>2024/6/5</a:t>
             </a:fld>
             <a:endParaRPr lang="zh-TW" altLang="en-US"/>
           </a:p>
@@ -2937,7 +2939,7 @@
           <a:p>
             <a:fld id="{57BB4548-A917-4321-B6F0-C21F28AC35DC}" type="datetimeFigureOut">
               <a:rPr lang="zh-TW" altLang="en-US" smtClean="0"/>
-              <a:t>2024/5/29</a:t>
+              <a:t>2024/6/5</a:t>
             </a:fld>
             <a:endParaRPr lang="zh-TW" altLang="en-US"/>
           </a:p>
@@ -4495,6 +4497,1794 @@
 </p:sld>
 </file>
 
+<file path=ppt/slides/slide4.xml><?xml version="1.0" encoding="utf-8"?>
+<p:sld xmlns:a="http://schemas.openxmlformats.org/drawingml/2006/main" xmlns:r="http://schemas.openxmlformats.org/officeDocument/2006/relationships" xmlns:p="http://schemas.openxmlformats.org/presentationml/2006/main">
+  <p:cSld>
+    <p:spTree>
+      <p:nvGrpSpPr>
+        <p:cNvPr id="1" name=""/>
+        <p:cNvGrpSpPr/>
+        <p:nvPr/>
+      </p:nvGrpSpPr>
+      <p:grpSpPr>
+        <a:xfrm>
+          <a:off x="0" y="0"/>
+          <a:ext cx="0" cy="0"/>
+          <a:chOff x="0" y="0"/>
+          <a:chExt cx="0" cy="0"/>
+        </a:xfrm>
+      </p:grpSpPr>
+      <p:grpSp>
+        <p:nvGrpSpPr>
+          <p:cNvPr id="42" name="群組 41">
+            <a:extLst>
+              <a:ext uri="{FF2B5EF4-FFF2-40B4-BE49-F238E27FC236}">
+                <a16:creationId xmlns:a16="http://schemas.microsoft.com/office/drawing/2014/main" id="{DC0192A0-32C7-4188-A208-909C325008E9}"/>
+              </a:ext>
+            </a:extLst>
+          </p:cNvPr>
+          <p:cNvGrpSpPr/>
+          <p:nvPr/>
+        </p:nvGrpSpPr>
+        <p:grpSpPr>
+          <a:xfrm>
+            <a:off x="587366" y="410287"/>
+            <a:ext cx="10409606" cy="5953927"/>
+            <a:chOff x="587366" y="410287"/>
+            <a:chExt cx="10409606" cy="5953927"/>
+          </a:xfrm>
+        </p:grpSpPr>
+        <p:pic>
+          <p:nvPicPr>
+            <p:cNvPr id="5" name="圖形 4">
+              <a:extLst>
+                <a:ext uri="{FF2B5EF4-FFF2-40B4-BE49-F238E27FC236}">
+                  <a16:creationId xmlns:a16="http://schemas.microsoft.com/office/drawing/2014/main" id="{FC1CFFE7-7FEA-44AB-8477-B23C978734ED}"/>
+                </a:ext>
+              </a:extLst>
+            </p:cNvPr>
+            <p:cNvPicPr>
+              <a:picLocks noChangeAspect="1"/>
+            </p:cNvPicPr>
+            <p:nvPr/>
+          </p:nvPicPr>
+          <p:blipFill>
+            <a:blip r:embed="rId2">
+              <a:extLst>
+                <a:ext uri="{28A0092B-C50C-407E-A947-70E740481C1C}">
+                  <a14:useLocalDpi xmlns:a14="http://schemas.microsoft.com/office/drawing/2010/main" val="0"/>
+                </a:ext>
+                <a:ext uri="{96DAC541-7B7A-43D3-8B79-37D633B846F1}">
+                  <asvg:svgBlip xmlns:asvg="http://schemas.microsoft.com/office/drawing/2016/SVG/main" r:embed="rId3"/>
+                </a:ext>
+              </a:extLst>
+            </a:blip>
+            <a:stretch>
+              <a:fillRect/>
+            </a:stretch>
+          </p:blipFill>
+          <p:spPr>
+            <a:xfrm>
+              <a:off x="919882" y="734279"/>
+              <a:ext cx="2922445" cy="5389443"/>
+            </a:xfrm>
+            <a:prstGeom prst="rect">
+              <a:avLst/>
+            </a:prstGeom>
+          </p:spPr>
+        </p:pic>
+        <p:sp>
+          <p:nvSpPr>
+            <p:cNvPr id="7" name="文字方塊 6">
+              <a:extLst>
+                <a:ext uri="{FF2B5EF4-FFF2-40B4-BE49-F238E27FC236}">
+                  <a16:creationId xmlns:a16="http://schemas.microsoft.com/office/drawing/2014/main" id="{CE37A9EF-DDC1-4D94-BCBC-7A1D0A867243}"/>
+                </a:ext>
+              </a:extLst>
+            </p:cNvPr>
+            <p:cNvSpPr txBox="1"/>
+            <p:nvPr/>
+          </p:nvSpPr>
+          <p:spPr>
+            <a:xfrm>
+              <a:off x="5100381" y="982176"/>
+              <a:ext cx="2923200" cy="4893647"/>
+            </a:xfrm>
+            <a:prstGeom prst="rect">
+              <a:avLst/>
+            </a:prstGeom>
+            <a:noFill/>
+          </p:spPr>
+          <p:txBody>
+            <a:bodyPr wrap="square" rtlCol="0" anchor="ctr">
+              <a:spAutoFit/>
+            </a:bodyPr>
+            <a:lstStyle/>
+            <a:p>
+              <a:r>
+                <a:rPr lang="en-US" altLang="zh-TW" sz="2400" dirty="0">
+                  <a:solidFill>
+                    <a:schemeClr val="accent2">
+                      <a:lumMod val="75000"/>
+                    </a:schemeClr>
+                  </a:solidFill>
+                </a:rPr>
+                <a:t>1.</a:t>
+              </a:r>
+              <a:r>
+                <a:rPr lang="en-US" altLang="zh-TW" sz="2400" dirty="0"/>
+                <a:t>   Nose</a:t>
+              </a:r>
+            </a:p>
+            <a:p>
+              <a:r>
+                <a:rPr lang="en-US" altLang="zh-TW" sz="2400" dirty="0">
+                  <a:solidFill>
+                    <a:schemeClr val="accent2">
+                      <a:lumMod val="75000"/>
+                    </a:schemeClr>
+                  </a:solidFill>
+                </a:rPr>
+                <a:t>2.</a:t>
+              </a:r>
+              <a:r>
+                <a:rPr lang="zh-TW" altLang="en-US" sz="2400" dirty="0"/>
+                <a:t>   </a:t>
+              </a:r>
+              <a:r>
+                <a:rPr lang="en-US" altLang="zh-TW" sz="2400" dirty="0"/>
+                <a:t>Left Eye</a:t>
+              </a:r>
+            </a:p>
+            <a:p>
+              <a:r>
+                <a:rPr lang="en-US" altLang="zh-TW" sz="2400" dirty="0">
+                  <a:solidFill>
+                    <a:schemeClr val="accent2">
+                      <a:lumMod val="75000"/>
+                    </a:schemeClr>
+                  </a:solidFill>
+                </a:rPr>
+                <a:t>3.</a:t>
+              </a:r>
+              <a:r>
+                <a:rPr lang="zh-TW" altLang="en-US" sz="2400" dirty="0"/>
+                <a:t>   </a:t>
+              </a:r>
+              <a:r>
+                <a:rPr lang="en-US" altLang="zh-TW" sz="2400" dirty="0"/>
+                <a:t>Right Eye</a:t>
+              </a:r>
+            </a:p>
+            <a:p>
+              <a:r>
+                <a:rPr lang="en-US" altLang="zh-TW" sz="2400" dirty="0">
+                  <a:solidFill>
+                    <a:schemeClr val="accent2">
+                      <a:lumMod val="75000"/>
+                    </a:schemeClr>
+                  </a:solidFill>
+                </a:rPr>
+                <a:t>4.</a:t>
+              </a:r>
+              <a:r>
+                <a:rPr lang="zh-TW" altLang="en-US" sz="2400" dirty="0"/>
+                <a:t>   </a:t>
+              </a:r>
+              <a:r>
+                <a:rPr lang="en-US" altLang="zh-TW" sz="2400" dirty="0"/>
+                <a:t>Left Ear</a:t>
+              </a:r>
+            </a:p>
+            <a:p>
+              <a:r>
+                <a:rPr lang="en-US" altLang="zh-TW" sz="2400" dirty="0">
+                  <a:solidFill>
+                    <a:schemeClr val="accent2">
+                      <a:lumMod val="75000"/>
+                    </a:schemeClr>
+                  </a:solidFill>
+                </a:rPr>
+                <a:t>5.</a:t>
+              </a:r>
+              <a:r>
+                <a:rPr lang="zh-TW" altLang="en-US" sz="2400" dirty="0"/>
+                <a:t>   </a:t>
+              </a:r>
+              <a:r>
+                <a:rPr lang="en-US" altLang="zh-TW" sz="2400" dirty="0"/>
+                <a:t>Right Ear</a:t>
+              </a:r>
+            </a:p>
+            <a:p>
+              <a:r>
+                <a:rPr lang="en-US" altLang="zh-TW" sz="2400" dirty="0">
+                  <a:solidFill>
+                    <a:schemeClr val="accent2">
+                      <a:lumMod val="75000"/>
+                    </a:schemeClr>
+                  </a:solidFill>
+                </a:rPr>
+                <a:t>6.</a:t>
+              </a:r>
+              <a:r>
+                <a:rPr lang="zh-TW" altLang="en-US" sz="2400" dirty="0"/>
+                <a:t>   </a:t>
+              </a:r>
+              <a:r>
+                <a:rPr lang="en-US" altLang="zh-TW" sz="2400" dirty="0"/>
+                <a:t>Left Shoulder</a:t>
+              </a:r>
+            </a:p>
+            <a:p>
+              <a:r>
+                <a:rPr lang="en-US" altLang="zh-TW" sz="2400" dirty="0">
+                  <a:solidFill>
+                    <a:schemeClr val="accent2">
+                      <a:lumMod val="75000"/>
+                    </a:schemeClr>
+                  </a:solidFill>
+                </a:rPr>
+                <a:t>7.</a:t>
+              </a:r>
+              <a:r>
+                <a:rPr lang="zh-TW" altLang="en-US" sz="2400" dirty="0"/>
+                <a:t>   </a:t>
+              </a:r>
+              <a:r>
+                <a:rPr lang="en-US" altLang="zh-TW" sz="2400" dirty="0"/>
+                <a:t>Right Shoulder</a:t>
+              </a:r>
+            </a:p>
+            <a:p>
+              <a:r>
+                <a:rPr lang="en-US" altLang="zh-TW" sz="2400" dirty="0">
+                  <a:solidFill>
+                    <a:schemeClr val="accent2">
+                      <a:lumMod val="75000"/>
+                    </a:schemeClr>
+                  </a:solidFill>
+                </a:rPr>
+                <a:t>8.</a:t>
+              </a:r>
+              <a:r>
+                <a:rPr lang="zh-TW" altLang="en-US" sz="2400" dirty="0"/>
+                <a:t>   </a:t>
+              </a:r>
+              <a:r>
+                <a:rPr lang="en-US" altLang="zh-TW" sz="2400" dirty="0"/>
+                <a:t>Left Elbow</a:t>
+              </a:r>
+            </a:p>
+            <a:p>
+              <a:r>
+                <a:rPr lang="en-US" altLang="zh-TW" sz="2400" dirty="0">
+                  <a:solidFill>
+                    <a:schemeClr val="accent2">
+                      <a:lumMod val="75000"/>
+                    </a:schemeClr>
+                  </a:solidFill>
+                </a:rPr>
+                <a:t>9.</a:t>
+              </a:r>
+              <a:r>
+                <a:rPr lang="zh-TW" altLang="en-US" sz="2400" dirty="0"/>
+                <a:t>   </a:t>
+              </a:r>
+              <a:r>
+                <a:rPr lang="en-US" altLang="zh-TW" sz="2400" dirty="0"/>
+                <a:t>Right Elbow</a:t>
+              </a:r>
+            </a:p>
+            <a:p>
+              <a:r>
+                <a:rPr lang="en-US" altLang="zh-TW" sz="2400" dirty="0">
+                  <a:solidFill>
+                    <a:schemeClr val="accent2">
+                      <a:lumMod val="75000"/>
+                    </a:schemeClr>
+                  </a:solidFill>
+                </a:rPr>
+                <a:t>10.</a:t>
+              </a:r>
+              <a:r>
+                <a:rPr lang="zh-TW" altLang="en-US" sz="2400" dirty="0"/>
+                <a:t> </a:t>
+              </a:r>
+              <a:r>
+                <a:rPr lang="en-US" altLang="zh-TW" sz="2400" dirty="0"/>
+                <a:t>Left Wrist</a:t>
+              </a:r>
+            </a:p>
+            <a:p>
+              <a:r>
+                <a:rPr lang="en-US" altLang="zh-TW" sz="2400" dirty="0">
+                  <a:solidFill>
+                    <a:schemeClr val="accent2">
+                      <a:lumMod val="75000"/>
+                    </a:schemeClr>
+                  </a:solidFill>
+                </a:rPr>
+                <a:t>11.</a:t>
+              </a:r>
+              <a:r>
+                <a:rPr lang="zh-TW" altLang="en-US" sz="2400" dirty="0"/>
+                <a:t> </a:t>
+              </a:r>
+              <a:r>
+                <a:rPr lang="en-US" altLang="zh-TW" sz="2400" dirty="0"/>
+                <a:t>Right Wrist</a:t>
+              </a:r>
+            </a:p>
+            <a:p>
+              <a:r>
+                <a:rPr lang="en-US" altLang="zh-TW" sz="2400" dirty="0">
+                  <a:solidFill>
+                    <a:schemeClr val="accent2">
+                      <a:lumMod val="75000"/>
+                    </a:schemeClr>
+                  </a:solidFill>
+                </a:rPr>
+                <a:t>12.</a:t>
+              </a:r>
+              <a:r>
+                <a:rPr lang="en-US" altLang="zh-TW" sz="2400" dirty="0"/>
+                <a:t> Left Hip</a:t>
+              </a:r>
+            </a:p>
+            <a:p>
+              <a:r>
+                <a:rPr lang="en-US" altLang="zh-TW" sz="2400" dirty="0">
+                  <a:solidFill>
+                    <a:schemeClr val="accent2">
+                      <a:lumMod val="75000"/>
+                    </a:schemeClr>
+                  </a:solidFill>
+                </a:rPr>
+                <a:t>13.</a:t>
+              </a:r>
+              <a:r>
+                <a:rPr lang="en-US" altLang="zh-TW" sz="2400" dirty="0"/>
+                <a:t> Right Hip</a:t>
+              </a:r>
+            </a:p>
+          </p:txBody>
+        </p:sp>
+        <p:sp>
+          <p:nvSpPr>
+            <p:cNvPr id="8" name="文字方塊 7">
+              <a:extLst>
+                <a:ext uri="{FF2B5EF4-FFF2-40B4-BE49-F238E27FC236}">
+                  <a16:creationId xmlns:a16="http://schemas.microsoft.com/office/drawing/2014/main" id="{DA55C3B9-FBFB-40B2-9216-83D6C33E478F}"/>
+                </a:ext>
+              </a:extLst>
+            </p:cNvPr>
+            <p:cNvSpPr txBox="1"/>
+            <p:nvPr/>
+          </p:nvSpPr>
+          <p:spPr>
+            <a:xfrm>
+              <a:off x="8460508" y="1166842"/>
+              <a:ext cx="2536464" cy="4524315"/>
+            </a:xfrm>
+            <a:prstGeom prst="rect">
+              <a:avLst/>
+            </a:prstGeom>
+            <a:noFill/>
+          </p:spPr>
+          <p:txBody>
+            <a:bodyPr wrap="none" rtlCol="0" anchor="ctr">
+              <a:spAutoFit/>
+            </a:bodyPr>
+            <a:lstStyle/>
+            <a:p>
+              <a:r>
+                <a:rPr lang="en-US" altLang="zh-TW" sz="2400" dirty="0">
+                  <a:solidFill>
+                    <a:schemeClr val="accent2">
+                      <a:lumMod val="75000"/>
+                    </a:schemeClr>
+                  </a:solidFill>
+                </a:rPr>
+                <a:t>14.</a:t>
+              </a:r>
+              <a:r>
+                <a:rPr lang="en-US" altLang="zh-TW" sz="2400" dirty="0"/>
+                <a:t> Left Knee</a:t>
+              </a:r>
+            </a:p>
+            <a:p>
+              <a:r>
+                <a:rPr lang="en-US" altLang="zh-TW" sz="2400" dirty="0">
+                  <a:solidFill>
+                    <a:schemeClr val="accent2">
+                      <a:lumMod val="75000"/>
+                    </a:schemeClr>
+                  </a:solidFill>
+                </a:rPr>
+                <a:t>15.</a:t>
+              </a:r>
+              <a:r>
+                <a:rPr lang="en-US" altLang="zh-TW" sz="2400" dirty="0"/>
+                <a:t> Right Knee</a:t>
+              </a:r>
+            </a:p>
+            <a:p>
+              <a:r>
+                <a:rPr lang="en-US" altLang="zh-TW" sz="2400" dirty="0">
+                  <a:solidFill>
+                    <a:schemeClr val="accent2">
+                      <a:lumMod val="75000"/>
+                    </a:schemeClr>
+                  </a:solidFill>
+                </a:rPr>
+                <a:t>16.</a:t>
+              </a:r>
+              <a:r>
+                <a:rPr lang="en-US" altLang="zh-TW" sz="2400" dirty="0"/>
+                <a:t> Left Ankle</a:t>
+              </a:r>
+            </a:p>
+            <a:p>
+              <a:r>
+                <a:rPr lang="en-US" altLang="zh-TW" sz="2400" dirty="0">
+                  <a:solidFill>
+                    <a:schemeClr val="accent2">
+                      <a:lumMod val="75000"/>
+                    </a:schemeClr>
+                  </a:solidFill>
+                </a:rPr>
+                <a:t>17.</a:t>
+              </a:r>
+              <a:r>
+                <a:rPr lang="en-US" altLang="zh-TW" sz="2400" dirty="0"/>
+                <a:t> Right Ankle</a:t>
+              </a:r>
+            </a:p>
+            <a:p>
+              <a:r>
+                <a:rPr lang="en-US" altLang="zh-TW" sz="2400" dirty="0">
+                  <a:solidFill>
+                    <a:schemeClr val="accent2">
+                      <a:lumMod val="75000"/>
+                    </a:schemeClr>
+                  </a:solidFill>
+                </a:rPr>
+                <a:t>18.</a:t>
+              </a:r>
+              <a:r>
+                <a:rPr lang="en-US" altLang="zh-TW" sz="2400" dirty="0"/>
+                <a:t> Neck</a:t>
+              </a:r>
+            </a:p>
+            <a:p>
+              <a:r>
+                <a:rPr lang="en-US" altLang="zh-TW" sz="2400" dirty="0">
+                  <a:solidFill>
+                    <a:schemeClr val="accent2">
+                      <a:lumMod val="75000"/>
+                    </a:schemeClr>
+                  </a:solidFill>
+                </a:rPr>
+                <a:t>19.</a:t>
+              </a:r>
+              <a:r>
+                <a:rPr lang="en-US" altLang="zh-TW" sz="2400" dirty="0"/>
+                <a:t> Head</a:t>
+              </a:r>
+            </a:p>
+            <a:p>
+              <a:r>
+                <a:rPr lang="en-US" altLang="zh-TW" sz="2400" dirty="0">
+                  <a:solidFill>
+                    <a:schemeClr val="accent2">
+                      <a:lumMod val="75000"/>
+                    </a:schemeClr>
+                  </a:solidFill>
+                </a:rPr>
+                <a:t>20.</a:t>
+              </a:r>
+              <a:r>
+                <a:rPr lang="en-US" altLang="zh-TW" sz="2400" dirty="0"/>
+                <a:t> Left Big Toe</a:t>
+              </a:r>
+            </a:p>
+            <a:p>
+              <a:r>
+                <a:rPr lang="en-US" altLang="zh-TW" sz="2400" dirty="0">
+                  <a:solidFill>
+                    <a:schemeClr val="accent2">
+                      <a:lumMod val="75000"/>
+                    </a:schemeClr>
+                  </a:solidFill>
+                </a:rPr>
+                <a:t>21.</a:t>
+              </a:r>
+              <a:r>
+                <a:rPr lang="en-US" altLang="zh-TW" sz="2400" dirty="0"/>
+                <a:t> Left Small Toe</a:t>
+              </a:r>
+            </a:p>
+            <a:p>
+              <a:r>
+                <a:rPr lang="en-US" altLang="zh-TW" sz="2400" dirty="0">
+                  <a:solidFill>
+                    <a:schemeClr val="accent2">
+                      <a:lumMod val="75000"/>
+                    </a:schemeClr>
+                  </a:solidFill>
+                </a:rPr>
+                <a:t>22.</a:t>
+              </a:r>
+              <a:r>
+                <a:rPr lang="en-US" altLang="zh-TW" sz="2400" dirty="0"/>
+                <a:t> Left Heel</a:t>
+              </a:r>
+            </a:p>
+            <a:p>
+              <a:r>
+                <a:rPr lang="en-US" altLang="zh-TW" sz="2400" dirty="0">
+                  <a:solidFill>
+                    <a:schemeClr val="accent2">
+                      <a:lumMod val="75000"/>
+                    </a:schemeClr>
+                  </a:solidFill>
+                </a:rPr>
+                <a:t>23.</a:t>
+              </a:r>
+              <a:r>
+                <a:rPr lang="en-US" altLang="zh-TW" sz="2400" dirty="0"/>
+                <a:t> Right Big Toe</a:t>
+              </a:r>
+            </a:p>
+            <a:p>
+              <a:r>
+                <a:rPr lang="en-US" altLang="zh-TW" sz="2400" dirty="0">
+                  <a:solidFill>
+                    <a:schemeClr val="accent2">
+                      <a:lumMod val="75000"/>
+                    </a:schemeClr>
+                  </a:solidFill>
+                </a:rPr>
+                <a:t>24. </a:t>
+              </a:r>
+              <a:r>
+                <a:rPr lang="en-US" altLang="zh-TW" sz="2400" dirty="0"/>
+                <a:t>Right Small Toe</a:t>
+              </a:r>
+            </a:p>
+            <a:p>
+              <a:r>
+                <a:rPr lang="en-US" altLang="zh-TW" sz="2400" dirty="0">
+                  <a:solidFill>
+                    <a:schemeClr val="accent2">
+                      <a:lumMod val="75000"/>
+                    </a:schemeClr>
+                  </a:solidFill>
+                </a:rPr>
+                <a:t>25. </a:t>
+              </a:r>
+              <a:r>
+                <a:rPr lang="en-US" altLang="zh-TW" sz="2400" dirty="0"/>
+                <a:t>Right Heel</a:t>
+              </a:r>
+            </a:p>
+          </p:txBody>
+        </p:sp>
+        <p:sp>
+          <p:nvSpPr>
+            <p:cNvPr id="9" name="文字方塊 8">
+              <a:extLst>
+                <a:ext uri="{FF2B5EF4-FFF2-40B4-BE49-F238E27FC236}">
+                  <a16:creationId xmlns:a16="http://schemas.microsoft.com/office/drawing/2014/main" id="{7F75D1B0-18D0-4051-A7BA-1E9F142889E0}"/>
+                </a:ext>
+              </a:extLst>
+            </p:cNvPr>
+            <p:cNvSpPr txBox="1"/>
+            <p:nvPr/>
+          </p:nvSpPr>
+          <p:spPr>
+            <a:xfrm>
+              <a:off x="2381104" y="1080654"/>
+              <a:ext cx="301686" cy="369332"/>
+            </a:xfrm>
+            <a:prstGeom prst="rect">
+              <a:avLst/>
+            </a:prstGeom>
+            <a:noFill/>
+          </p:spPr>
+          <p:txBody>
+            <a:bodyPr wrap="none" rtlCol="0">
+              <a:spAutoFit/>
+            </a:bodyPr>
+            <a:lstStyle/>
+            <a:p>
+              <a:r>
+                <a:rPr lang="en-US" altLang="zh-TW" dirty="0">
+                  <a:solidFill>
+                    <a:schemeClr val="accent2">
+                      <a:lumMod val="75000"/>
+                    </a:schemeClr>
+                  </a:solidFill>
+                </a:rPr>
+                <a:t>1</a:t>
+              </a:r>
+              <a:endParaRPr lang="zh-TW" altLang="en-US" dirty="0">
+                <a:solidFill>
+                  <a:schemeClr val="accent2">
+                    <a:lumMod val="75000"/>
+                  </a:schemeClr>
+                </a:solidFill>
+              </a:endParaRPr>
+            </a:p>
+          </p:txBody>
+        </p:sp>
+        <p:sp>
+          <p:nvSpPr>
+            <p:cNvPr id="10" name="文字方塊 9">
+              <a:extLst>
+                <a:ext uri="{FF2B5EF4-FFF2-40B4-BE49-F238E27FC236}">
+                  <a16:creationId xmlns:a16="http://schemas.microsoft.com/office/drawing/2014/main" id="{4C5775B9-6901-4E31-A689-D81170E16B7B}"/>
+                </a:ext>
+              </a:extLst>
+            </p:cNvPr>
+            <p:cNvSpPr txBox="1"/>
+            <p:nvPr/>
+          </p:nvSpPr>
+          <p:spPr>
+            <a:xfrm>
+              <a:off x="2531947" y="612843"/>
+              <a:ext cx="301686" cy="369332"/>
+            </a:xfrm>
+            <a:prstGeom prst="rect">
+              <a:avLst/>
+            </a:prstGeom>
+            <a:noFill/>
+          </p:spPr>
+          <p:txBody>
+            <a:bodyPr wrap="none" rtlCol="0">
+              <a:spAutoFit/>
+            </a:bodyPr>
+            <a:lstStyle/>
+            <a:p>
+              <a:r>
+                <a:rPr lang="en-US" altLang="zh-TW" dirty="0">
+                  <a:solidFill>
+                    <a:schemeClr val="accent2">
+                      <a:lumMod val="75000"/>
+                    </a:schemeClr>
+                  </a:solidFill>
+                </a:rPr>
+                <a:t>2</a:t>
+              </a:r>
+              <a:endParaRPr lang="zh-TW" altLang="en-US" dirty="0">
+                <a:solidFill>
+                  <a:schemeClr val="accent2">
+                    <a:lumMod val="75000"/>
+                  </a:schemeClr>
+                </a:solidFill>
+              </a:endParaRPr>
+            </a:p>
+          </p:txBody>
+        </p:sp>
+        <p:sp>
+          <p:nvSpPr>
+            <p:cNvPr id="11" name="文字方塊 10">
+              <a:extLst>
+                <a:ext uri="{FF2B5EF4-FFF2-40B4-BE49-F238E27FC236}">
+                  <a16:creationId xmlns:a16="http://schemas.microsoft.com/office/drawing/2014/main" id="{4E0091D8-20C2-433A-9196-2345C202B9B1}"/>
+                </a:ext>
+              </a:extLst>
+            </p:cNvPr>
+            <p:cNvSpPr txBox="1"/>
+            <p:nvPr/>
+          </p:nvSpPr>
+          <p:spPr>
+            <a:xfrm>
+              <a:off x="1936865" y="688218"/>
+              <a:ext cx="301686" cy="369332"/>
+            </a:xfrm>
+            <a:prstGeom prst="rect">
+              <a:avLst/>
+            </a:prstGeom>
+            <a:noFill/>
+          </p:spPr>
+          <p:txBody>
+            <a:bodyPr wrap="none" rtlCol="0">
+              <a:spAutoFit/>
+            </a:bodyPr>
+            <a:lstStyle/>
+            <a:p>
+              <a:r>
+                <a:rPr lang="en-US" altLang="zh-TW" dirty="0">
+                  <a:solidFill>
+                    <a:schemeClr val="accent2">
+                      <a:lumMod val="75000"/>
+                    </a:schemeClr>
+                  </a:solidFill>
+                </a:rPr>
+                <a:t>3</a:t>
+              </a:r>
+              <a:endParaRPr lang="zh-TW" altLang="en-US" dirty="0">
+                <a:solidFill>
+                  <a:schemeClr val="accent2">
+                    <a:lumMod val="75000"/>
+                  </a:schemeClr>
+                </a:solidFill>
+              </a:endParaRPr>
+            </a:p>
+          </p:txBody>
+        </p:sp>
+        <p:sp>
+          <p:nvSpPr>
+            <p:cNvPr id="12" name="文字方塊 11">
+              <a:extLst>
+                <a:ext uri="{FF2B5EF4-FFF2-40B4-BE49-F238E27FC236}">
+                  <a16:creationId xmlns:a16="http://schemas.microsoft.com/office/drawing/2014/main" id="{F4ADB250-536C-4821-A357-DE171EA092F8}"/>
+                </a:ext>
+              </a:extLst>
+            </p:cNvPr>
+            <p:cNvSpPr txBox="1"/>
+            <p:nvPr/>
+          </p:nvSpPr>
+          <p:spPr>
+            <a:xfrm>
+              <a:off x="3006210" y="1052918"/>
+              <a:ext cx="301686" cy="369332"/>
+            </a:xfrm>
+            <a:prstGeom prst="rect">
+              <a:avLst/>
+            </a:prstGeom>
+            <a:noFill/>
+          </p:spPr>
+          <p:txBody>
+            <a:bodyPr wrap="none" rtlCol="0">
+              <a:spAutoFit/>
+            </a:bodyPr>
+            <a:lstStyle/>
+            <a:p>
+              <a:r>
+                <a:rPr lang="en-US" altLang="zh-TW" dirty="0">
+                  <a:solidFill>
+                    <a:schemeClr val="accent2">
+                      <a:lumMod val="75000"/>
+                    </a:schemeClr>
+                  </a:solidFill>
+                </a:rPr>
+                <a:t>4</a:t>
+              </a:r>
+              <a:endParaRPr lang="zh-TW" altLang="en-US" dirty="0">
+                <a:solidFill>
+                  <a:schemeClr val="accent2">
+                    <a:lumMod val="75000"/>
+                  </a:schemeClr>
+                </a:solidFill>
+              </a:endParaRPr>
+            </a:p>
+          </p:txBody>
+        </p:sp>
+        <p:sp>
+          <p:nvSpPr>
+            <p:cNvPr id="13" name="文字方塊 12">
+              <a:extLst>
+                <a:ext uri="{FF2B5EF4-FFF2-40B4-BE49-F238E27FC236}">
+                  <a16:creationId xmlns:a16="http://schemas.microsoft.com/office/drawing/2014/main" id="{C708D7E3-5CC4-46AE-8987-71290ADE36A1}"/>
+                </a:ext>
+              </a:extLst>
+            </p:cNvPr>
+            <p:cNvSpPr txBox="1"/>
+            <p:nvPr/>
+          </p:nvSpPr>
+          <p:spPr>
+            <a:xfrm>
+              <a:off x="1402193" y="1052918"/>
+              <a:ext cx="301686" cy="369332"/>
+            </a:xfrm>
+            <a:prstGeom prst="rect">
+              <a:avLst/>
+            </a:prstGeom>
+            <a:noFill/>
+          </p:spPr>
+          <p:txBody>
+            <a:bodyPr wrap="none" rtlCol="0">
+              <a:spAutoFit/>
+            </a:bodyPr>
+            <a:lstStyle/>
+            <a:p>
+              <a:r>
+                <a:rPr lang="en-US" altLang="zh-TW" dirty="0">
+                  <a:solidFill>
+                    <a:schemeClr val="accent2">
+                      <a:lumMod val="75000"/>
+                    </a:schemeClr>
+                  </a:solidFill>
+                </a:rPr>
+                <a:t>5</a:t>
+              </a:r>
+              <a:endParaRPr lang="zh-TW" altLang="en-US" dirty="0">
+                <a:solidFill>
+                  <a:schemeClr val="accent2">
+                    <a:lumMod val="75000"/>
+                  </a:schemeClr>
+                </a:solidFill>
+              </a:endParaRPr>
+            </a:p>
+          </p:txBody>
+        </p:sp>
+        <p:sp>
+          <p:nvSpPr>
+            <p:cNvPr id="14" name="文字方塊 13">
+              <a:extLst>
+                <a:ext uri="{FF2B5EF4-FFF2-40B4-BE49-F238E27FC236}">
+                  <a16:creationId xmlns:a16="http://schemas.microsoft.com/office/drawing/2014/main" id="{AE957031-C06C-4DED-8278-F7072B704105}"/>
+                </a:ext>
+              </a:extLst>
+            </p:cNvPr>
+            <p:cNvSpPr txBox="1"/>
+            <p:nvPr/>
+          </p:nvSpPr>
+          <p:spPr>
+            <a:xfrm>
+              <a:off x="3157053" y="1740890"/>
+              <a:ext cx="301686" cy="369332"/>
+            </a:xfrm>
+            <a:prstGeom prst="rect">
+              <a:avLst/>
+            </a:prstGeom>
+            <a:noFill/>
+          </p:spPr>
+          <p:txBody>
+            <a:bodyPr wrap="none" rtlCol="0">
+              <a:spAutoFit/>
+            </a:bodyPr>
+            <a:lstStyle/>
+            <a:p>
+              <a:r>
+                <a:rPr lang="en-US" altLang="zh-TW" dirty="0">
+                  <a:solidFill>
+                    <a:schemeClr val="accent2">
+                      <a:lumMod val="75000"/>
+                    </a:schemeClr>
+                  </a:solidFill>
+                </a:rPr>
+                <a:t>6</a:t>
+              </a:r>
+              <a:endParaRPr lang="zh-TW" altLang="en-US" dirty="0">
+                <a:solidFill>
+                  <a:schemeClr val="accent2">
+                    <a:lumMod val="75000"/>
+                  </a:schemeClr>
+                </a:solidFill>
+              </a:endParaRPr>
+            </a:p>
+          </p:txBody>
+        </p:sp>
+        <p:sp>
+          <p:nvSpPr>
+            <p:cNvPr id="20" name="文字方塊 19">
+              <a:extLst>
+                <a:ext uri="{FF2B5EF4-FFF2-40B4-BE49-F238E27FC236}">
+                  <a16:creationId xmlns:a16="http://schemas.microsoft.com/office/drawing/2014/main" id="{67689184-B01D-4FC6-9486-44BA3DF74EBD}"/>
+                </a:ext>
+              </a:extLst>
+            </p:cNvPr>
+            <p:cNvSpPr txBox="1"/>
+            <p:nvPr/>
+          </p:nvSpPr>
+          <p:spPr>
+            <a:xfrm>
+              <a:off x="1251350" y="1740890"/>
+              <a:ext cx="301686" cy="369332"/>
+            </a:xfrm>
+            <a:prstGeom prst="rect">
+              <a:avLst/>
+            </a:prstGeom>
+            <a:noFill/>
+          </p:spPr>
+          <p:txBody>
+            <a:bodyPr wrap="none" rtlCol="0">
+              <a:spAutoFit/>
+            </a:bodyPr>
+            <a:lstStyle/>
+            <a:p>
+              <a:r>
+                <a:rPr lang="en-US" altLang="zh-TW" dirty="0">
+                  <a:solidFill>
+                    <a:schemeClr val="accent2">
+                      <a:lumMod val="75000"/>
+                    </a:schemeClr>
+                  </a:solidFill>
+                </a:rPr>
+                <a:t>7</a:t>
+              </a:r>
+              <a:endParaRPr lang="zh-TW" altLang="en-US" dirty="0">
+                <a:solidFill>
+                  <a:schemeClr val="accent2">
+                    <a:lumMod val="75000"/>
+                  </a:schemeClr>
+                </a:solidFill>
+              </a:endParaRPr>
+            </a:p>
+          </p:txBody>
+        </p:sp>
+        <p:sp>
+          <p:nvSpPr>
+            <p:cNvPr id="23" name="文字方塊 22">
+              <a:extLst>
+                <a:ext uri="{FF2B5EF4-FFF2-40B4-BE49-F238E27FC236}">
+                  <a16:creationId xmlns:a16="http://schemas.microsoft.com/office/drawing/2014/main" id="{59E518EB-48F2-492F-B3E8-2DE85BCE6896}"/>
+                </a:ext>
+              </a:extLst>
+            </p:cNvPr>
+            <p:cNvSpPr txBox="1"/>
+            <p:nvPr/>
+          </p:nvSpPr>
+          <p:spPr>
+            <a:xfrm>
+              <a:off x="3540641" y="2479799"/>
+              <a:ext cx="301686" cy="369332"/>
+            </a:xfrm>
+            <a:prstGeom prst="rect">
+              <a:avLst/>
+            </a:prstGeom>
+            <a:noFill/>
+          </p:spPr>
+          <p:txBody>
+            <a:bodyPr wrap="none" rtlCol="0">
+              <a:spAutoFit/>
+            </a:bodyPr>
+            <a:lstStyle/>
+            <a:p>
+              <a:r>
+                <a:rPr lang="en-US" altLang="zh-TW" dirty="0">
+                  <a:solidFill>
+                    <a:schemeClr val="accent2">
+                      <a:lumMod val="75000"/>
+                    </a:schemeClr>
+                  </a:solidFill>
+                </a:rPr>
+                <a:t>8</a:t>
+              </a:r>
+              <a:endParaRPr lang="zh-TW" altLang="en-US" dirty="0">
+                <a:solidFill>
+                  <a:schemeClr val="accent2">
+                    <a:lumMod val="75000"/>
+                  </a:schemeClr>
+                </a:solidFill>
+              </a:endParaRPr>
+            </a:p>
+          </p:txBody>
+        </p:sp>
+        <p:sp>
+          <p:nvSpPr>
+            <p:cNvPr id="24" name="文字方塊 23">
+              <a:extLst>
+                <a:ext uri="{FF2B5EF4-FFF2-40B4-BE49-F238E27FC236}">
+                  <a16:creationId xmlns:a16="http://schemas.microsoft.com/office/drawing/2014/main" id="{4957AA91-334B-4E58-BC36-8EAED1E6D7F4}"/>
+                </a:ext>
+              </a:extLst>
+            </p:cNvPr>
+            <p:cNvSpPr txBox="1"/>
+            <p:nvPr/>
+          </p:nvSpPr>
+          <p:spPr>
+            <a:xfrm>
+              <a:off x="893342" y="2479799"/>
+              <a:ext cx="301686" cy="369332"/>
+            </a:xfrm>
+            <a:prstGeom prst="rect">
+              <a:avLst/>
+            </a:prstGeom>
+            <a:noFill/>
+          </p:spPr>
+          <p:txBody>
+            <a:bodyPr wrap="none" rtlCol="0">
+              <a:spAutoFit/>
+            </a:bodyPr>
+            <a:lstStyle/>
+            <a:p>
+              <a:r>
+                <a:rPr lang="en-US" altLang="zh-TW" dirty="0">
+                  <a:solidFill>
+                    <a:schemeClr val="accent2">
+                      <a:lumMod val="75000"/>
+                    </a:schemeClr>
+                  </a:solidFill>
+                </a:rPr>
+                <a:t>9</a:t>
+              </a:r>
+              <a:endParaRPr lang="zh-TW" altLang="en-US" dirty="0">
+                <a:solidFill>
+                  <a:schemeClr val="accent2">
+                    <a:lumMod val="75000"/>
+                  </a:schemeClr>
+                </a:solidFill>
+              </a:endParaRPr>
+            </a:p>
+          </p:txBody>
+        </p:sp>
+        <p:sp>
+          <p:nvSpPr>
+            <p:cNvPr id="25" name="文字方塊 24">
+              <a:extLst>
+                <a:ext uri="{FF2B5EF4-FFF2-40B4-BE49-F238E27FC236}">
+                  <a16:creationId xmlns:a16="http://schemas.microsoft.com/office/drawing/2014/main" id="{9692C600-C1B1-4860-89A2-8B751FDB3083}"/>
+                </a:ext>
+              </a:extLst>
+            </p:cNvPr>
+            <p:cNvSpPr txBox="1"/>
+            <p:nvPr/>
+          </p:nvSpPr>
+          <p:spPr>
+            <a:xfrm>
+              <a:off x="3718024" y="3304205"/>
+              <a:ext cx="418704" cy="369332"/>
+            </a:xfrm>
+            <a:prstGeom prst="rect">
+              <a:avLst/>
+            </a:prstGeom>
+            <a:noFill/>
+          </p:spPr>
+          <p:txBody>
+            <a:bodyPr wrap="none" rtlCol="0">
+              <a:spAutoFit/>
+            </a:bodyPr>
+            <a:lstStyle/>
+            <a:p>
+              <a:r>
+                <a:rPr lang="en-US" altLang="zh-TW" dirty="0">
+                  <a:solidFill>
+                    <a:schemeClr val="accent2">
+                      <a:lumMod val="75000"/>
+                    </a:schemeClr>
+                  </a:solidFill>
+                </a:rPr>
+                <a:t>10</a:t>
+              </a:r>
+              <a:endParaRPr lang="zh-TW" altLang="en-US" dirty="0">
+                <a:solidFill>
+                  <a:schemeClr val="accent2">
+                    <a:lumMod val="75000"/>
+                  </a:schemeClr>
+                </a:solidFill>
+              </a:endParaRPr>
+            </a:p>
+          </p:txBody>
+        </p:sp>
+        <p:sp>
+          <p:nvSpPr>
+            <p:cNvPr id="27" name="文字方塊 26">
+              <a:extLst>
+                <a:ext uri="{FF2B5EF4-FFF2-40B4-BE49-F238E27FC236}">
+                  <a16:creationId xmlns:a16="http://schemas.microsoft.com/office/drawing/2014/main" id="{E7059881-D0A5-4081-AEC8-116309A13016}"/>
+                </a:ext>
+              </a:extLst>
+            </p:cNvPr>
+            <p:cNvSpPr txBox="1"/>
+            <p:nvPr/>
+          </p:nvSpPr>
+          <p:spPr>
+            <a:xfrm>
+              <a:off x="587366" y="3304205"/>
+              <a:ext cx="418704" cy="369332"/>
+            </a:xfrm>
+            <a:prstGeom prst="rect">
+              <a:avLst/>
+            </a:prstGeom>
+            <a:noFill/>
+          </p:spPr>
+          <p:txBody>
+            <a:bodyPr wrap="none" rtlCol="0">
+              <a:spAutoFit/>
+            </a:bodyPr>
+            <a:lstStyle/>
+            <a:p>
+              <a:r>
+                <a:rPr lang="en-US" altLang="zh-TW" dirty="0">
+                  <a:solidFill>
+                    <a:schemeClr val="accent2">
+                      <a:lumMod val="75000"/>
+                    </a:schemeClr>
+                  </a:solidFill>
+                </a:rPr>
+                <a:t>11</a:t>
+              </a:r>
+              <a:endParaRPr lang="zh-TW" altLang="en-US" dirty="0">
+                <a:solidFill>
+                  <a:schemeClr val="accent2">
+                    <a:lumMod val="75000"/>
+                  </a:schemeClr>
+                </a:solidFill>
+              </a:endParaRPr>
+            </a:p>
+          </p:txBody>
+        </p:sp>
+        <p:sp>
+          <p:nvSpPr>
+            <p:cNvPr id="28" name="文字方塊 27">
+              <a:extLst>
+                <a:ext uri="{FF2B5EF4-FFF2-40B4-BE49-F238E27FC236}">
+                  <a16:creationId xmlns:a16="http://schemas.microsoft.com/office/drawing/2014/main" id="{2CFCC803-4245-4C0A-A45D-73EE3E9EB9E9}"/>
+                </a:ext>
+              </a:extLst>
+            </p:cNvPr>
+            <p:cNvSpPr txBox="1"/>
+            <p:nvPr/>
+          </p:nvSpPr>
+          <p:spPr>
+            <a:xfrm>
+              <a:off x="2776772" y="3491269"/>
+              <a:ext cx="418704" cy="369332"/>
+            </a:xfrm>
+            <a:prstGeom prst="rect">
+              <a:avLst/>
+            </a:prstGeom>
+            <a:noFill/>
+          </p:spPr>
+          <p:txBody>
+            <a:bodyPr wrap="none" rtlCol="0">
+              <a:spAutoFit/>
+            </a:bodyPr>
+            <a:lstStyle/>
+            <a:p>
+              <a:r>
+                <a:rPr lang="en-US" altLang="zh-TW" dirty="0">
+                  <a:solidFill>
+                    <a:schemeClr val="accent2">
+                      <a:lumMod val="75000"/>
+                    </a:schemeClr>
+                  </a:solidFill>
+                </a:rPr>
+                <a:t>12</a:t>
+              </a:r>
+              <a:endParaRPr lang="zh-TW" altLang="en-US" dirty="0">
+                <a:solidFill>
+                  <a:schemeClr val="accent2">
+                    <a:lumMod val="75000"/>
+                  </a:schemeClr>
+                </a:solidFill>
+              </a:endParaRPr>
+            </a:p>
+          </p:txBody>
+        </p:sp>
+        <p:sp>
+          <p:nvSpPr>
+            <p:cNvPr id="29" name="文字方塊 28">
+              <a:extLst>
+                <a:ext uri="{FF2B5EF4-FFF2-40B4-BE49-F238E27FC236}">
+                  <a16:creationId xmlns:a16="http://schemas.microsoft.com/office/drawing/2014/main" id="{A90726FB-182E-4DAD-9018-4A6E1B710BAD}"/>
+                </a:ext>
+              </a:extLst>
+            </p:cNvPr>
+            <p:cNvSpPr txBox="1"/>
+            <p:nvPr/>
+          </p:nvSpPr>
+          <p:spPr>
+            <a:xfrm>
+              <a:off x="1504080" y="3491269"/>
+              <a:ext cx="418704" cy="369332"/>
+            </a:xfrm>
+            <a:prstGeom prst="rect">
+              <a:avLst/>
+            </a:prstGeom>
+            <a:noFill/>
+          </p:spPr>
+          <p:txBody>
+            <a:bodyPr wrap="none" rtlCol="0">
+              <a:spAutoFit/>
+            </a:bodyPr>
+            <a:lstStyle/>
+            <a:p>
+              <a:r>
+                <a:rPr lang="en-US" altLang="zh-TW" dirty="0">
+                  <a:solidFill>
+                    <a:schemeClr val="accent2">
+                      <a:lumMod val="75000"/>
+                    </a:schemeClr>
+                  </a:solidFill>
+                </a:rPr>
+                <a:t>13</a:t>
+              </a:r>
+              <a:endParaRPr lang="zh-TW" altLang="en-US" dirty="0">
+                <a:solidFill>
+                  <a:schemeClr val="accent2">
+                    <a:lumMod val="75000"/>
+                  </a:schemeClr>
+                </a:solidFill>
+              </a:endParaRPr>
+            </a:p>
+          </p:txBody>
+        </p:sp>
+        <p:sp>
+          <p:nvSpPr>
+            <p:cNvPr id="30" name="文字方塊 29">
+              <a:extLst>
+                <a:ext uri="{FF2B5EF4-FFF2-40B4-BE49-F238E27FC236}">
+                  <a16:creationId xmlns:a16="http://schemas.microsoft.com/office/drawing/2014/main" id="{4FB87A2E-BC2A-4DFA-A03C-8AFFF1A5E65C}"/>
+                </a:ext>
+              </a:extLst>
+            </p:cNvPr>
+            <p:cNvSpPr txBox="1"/>
+            <p:nvPr/>
+          </p:nvSpPr>
+          <p:spPr>
+            <a:xfrm>
+              <a:off x="2977938" y="4682547"/>
+              <a:ext cx="418704" cy="369332"/>
+            </a:xfrm>
+            <a:prstGeom prst="rect">
+              <a:avLst/>
+            </a:prstGeom>
+            <a:noFill/>
+          </p:spPr>
+          <p:txBody>
+            <a:bodyPr wrap="none" rtlCol="0">
+              <a:spAutoFit/>
+            </a:bodyPr>
+            <a:lstStyle/>
+            <a:p>
+              <a:r>
+                <a:rPr lang="en-US" altLang="zh-TW" dirty="0">
+                  <a:solidFill>
+                    <a:schemeClr val="accent2">
+                      <a:lumMod val="75000"/>
+                    </a:schemeClr>
+                  </a:solidFill>
+                </a:rPr>
+                <a:t>14</a:t>
+              </a:r>
+              <a:endParaRPr lang="zh-TW" altLang="en-US" dirty="0">
+                <a:solidFill>
+                  <a:schemeClr val="accent2">
+                    <a:lumMod val="75000"/>
+                  </a:schemeClr>
+                </a:solidFill>
+              </a:endParaRPr>
+            </a:p>
+          </p:txBody>
+        </p:sp>
+        <p:sp>
+          <p:nvSpPr>
+            <p:cNvPr id="31" name="文字方塊 30">
+              <a:extLst>
+                <a:ext uri="{FF2B5EF4-FFF2-40B4-BE49-F238E27FC236}">
+                  <a16:creationId xmlns:a16="http://schemas.microsoft.com/office/drawing/2014/main" id="{D63C4A73-4E8E-4577-BA61-F656DF71F4BD}"/>
+                </a:ext>
+              </a:extLst>
+            </p:cNvPr>
+            <p:cNvSpPr txBox="1"/>
+            <p:nvPr/>
+          </p:nvSpPr>
+          <p:spPr>
+            <a:xfrm>
+              <a:off x="1343684" y="4682547"/>
+              <a:ext cx="418704" cy="369332"/>
+            </a:xfrm>
+            <a:prstGeom prst="rect">
+              <a:avLst/>
+            </a:prstGeom>
+            <a:noFill/>
+          </p:spPr>
+          <p:txBody>
+            <a:bodyPr wrap="none" rtlCol="0">
+              <a:spAutoFit/>
+            </a:bodyPr>
+            <a:lstStyle/>
+            <a:p>
+              <a:r>
+                <a:rPr lang="en-US" altLang="zh-TW" dirty="0">
+                  <a:solidFill>
+                    <a:schemeClr val="accent2">
+                      <a:lumMod val="75000"/>
+                    </a:schemeClr>
+                  </a:solidFill>
+                </a:rPr>
+                <a:t>15</a:t>
+              </a:r>
+              <a:endParaRPr lang="zh-TW" altLang="en-US" dirty="0">
+                <a:solidFill>
+                  <a:schemeClr val="accent2">
+                    <a:lumMod val="75000"/>
+                  </a:schemeClr>
+                </a:solidFill>
+              </a:endParaRPr>
+            </a:p>
+          </p:txBody>
+        </p:sp>
+        <p:sp>
+          <p:nvSpPr>
+            <p:cNvPr id="32" name="文字方塊 31">
+              <a:extLst>
+                <a:ext uri="{FF2B5EF4-FFF2-40B4-BE49-F238E27FC236}">
+                  <a16:creationId xmlns:a16="http://schemas.microsoft.com/office/drawing/2014/main" id="{ABF3EA14-E86F-474C-91BA-B6F2192D7613}"/>
+                </a:ext>
+              </a:extLst>
+            </p:cNvPr>
+            <p:cNvSpPr txBox="1"/>
+            <p:nvPr/>
+          </p:nvSpPr>
+          <p:spPr>
+            <a:xfrm>
+              <a:off x="2738349" y="5504493"/>
+              <a:ext cx="418704" cy="369332"/>
+            </a:xfrm>
+            <a:prstGeom prst="rect">
+              <a:avLst/>
+            </a:prstGeom>
+            <a:noFill/>
+          </p:spPr>
+          <p:txBody>
+            <a:bodyPr wrap="none" rtlCol="0">
+              <a:spAutoFit/>
+            </a:bodyPr>
+            <a:lstStyle/>
+            <a:p>
+              <a:r>
+                <a:rPr lang="en-US" altLang="zh-TW" dirty="0">
+                  <a:solidFill>
+                    <a:schemeClr val="accent2">
+                      <a:lumMod val="75000"/>
+                    </a:schemeClr>
+                  </a:solidFill>
+                </a:rPr>
+                <a:t>16</a:t>
+              </a:r>
+              <a:endParaRPr lang="zh-TW" altLang="en-US" dirty="0">
+                <a:solidFill>
+                  <a:schemeClr val="accent2">
+                    <a:lumMod val="75000"/>
+                  </a:schemeClr>
+                </a:solidFill>
+              </a:endParaRPr>
+            </a:p>
+          </p:txBody>
+        </p:sp>
+        <p:sp>
+          <p:nvSpPr>
+            <p:cNvPr id="33" name="文字方塊 32">
+              <a:extLst>
+                <a:ext uri="{FF2B5EF4-FFF2-40B4-BE49-F238E27FC236}">
+                  <a16:creationId xmlns:a16="http://schemas.microsoft.com/office/drawing/2014/main" id="{DF16A592-F6B0-46BC-AC31-8C3F797DD3EC}"/>
+                </a:ext>
+              </a:extLst>
+            </p:cNvPr>
+            <p:cNvSpPr txBox="1"/>
+            <p:nvPr/>
+          </p:nvSpPr>
+          <p:spPr>
+            <a:xfrm>
+              <a:off x="1962400" y="5504493"/>
+              <a:ext cx="418704" cy="369332"/>
+            </a:xfrm>
+            <a:prstGeom prst="rect">
+              <a:avLst/>
+            </a:prstGeom>
+            <a:noFill/>
+          </p:spPr>
+          <p:txBody>
+            <a:bodyPr wrap="none" rtlCol="0">
+              <a:spAutoFit/>
+            </a:bodyPr>
+            <a:lstStyle/>
+            <a:p>
+              <a:r>
+                <a:rPr lang="en-US" altLang="zh-TW" dirty="0">
+                  <a:solidFill>
+                    <a:schemeClr val="accent2">
+                      <a:lumMod val="75000"/>
+                    </a:schemeClr>
+                  </a:solidFill>
+                </a:rPr>
+                <a:t>17</a:t>
+              </a:r>
+              <a:endParaRPr lang="zh-TW" altLang="en-US" dirty="0">
+                <a:solidFill>
+                  <a:schemeClr val="accent2">
+                    <a:lumMod val="75000"/>
+                  </a:schemeClr>
+                </a:solidFill>
+              </a:endParaRPr>
+            </a:p>
+          </p:txBody>
+        </p:sp>
+        <p:sp>
+          <p:nvSpPr>
+            <p:cNvPr id="34" name="文字方塊 33">
+              <a:extLst>
+                <a:ext uri="{FF2B5EF4-FFF2-40B4-BE49-F238E27FC236}">
+                  <a16:creationId xmlns:a16="http://schemas.microsoft.com/office/drawing/2014/main" id="{0F4E068A-4A49-4683-893E-C10F3F800531}"/>
+                </a:ext>
+              </a:extLst>
+            </p:cNvPr>
+            <p:cNvSpPr txBox="1"/>
+            <p:nvPr/>
+          </p:nvSpPr>
+          <p:spPr>
+            <a:xfrm>
+              <a:off x="2163722" y="1682724"/>
+              <a:ext cx="418704" cy="369332"/>
+            </a:xfrm>
+            <a:prstGeom prst="rect">
+              <a:avLst/>
+            </a:prstGeom>
+            <a:noFill/>
+          </p:spPr>
+          <p:txBody>
+            <a:bodyPr wrap="none" rtlCol="0">
+              <a:spAutoFit/>
+            </a:bodyPr>
+            <a:lstStyle/>
+            <a:p>
+              <a:r>
+                <a:rPr lang="en-US" altLang="zh-TW" dirty="0">
+                  <a:solidFill>
+                    <a:schemeClr val="accent2">
+                      <a:lumMod val="75000"/>
+                    </a:schemeClr>
+                  </a:solidFill>
+                </a:rPr>
+                <a:t>18</a:t>
+              </a:r>
+              <a:endParaRPr lang="zh-TW" altLang="en-US" dirty="0">
+                <a:solidFill>
+                  <a:schemeClr val="accent2">
+                    <a:lumMod val="75000"/>
+                  </a:schemeClr>
+                </a:solidFill>
+              </a:endParaRPr>
+            </a:p>
+          </p:txBody>
+        </p:sp>
+        <p:sp>
+          <p:nvSpPr>
+            <p:cNvPr id="35" name="文字方塊 34">
+              <a:extLst>
+                <a:ext uri="{FF2B5EF4-FFF2-40B4-BE49-F238E27FC236}">
+                  <a16:creationId xmlns:a16="http://schemas.microsoft.com/office/drawing/2014/main" id="{9B1E4D10-5B06-48F4-A2C6-42C5359E4D89}"/>
+                </a:ext>
+              </a:extLst>
+            </p:cNvPr>
+            <p:cNvSpPr txBox="1"/>
+            <p:nvPr/>
+          </p:nvSpPr>
+          <p:spPr>
+            <a:xfrm>
+              <a:off x="2171752" y="410287"/>
+              <a:ext cx="418704" cy="369332"/>
+            </a:xfrm>
+            <a:prstGeom prst="rect">
+              <a:avLst/>
+            </a:prstGeom>
+            <a:noFill/>
+          </p:spPr>
+          <p:txBody>
+            <a:bodyPr wrap="none" rtlCol="0">
+              <a:spAutoFit/>
+            </a:bodyPr>
+            <a:lstStyle/>
+            <a:p>
+              <a:r>
+                <a:rPr lang="en-US" altLang="zh-TW" dirty="0">
+                  <a:solidFill>
+                    <a:schemeClr val="accent2">
+                      <a:lumMod val="75000"/>
+                    </a:schemeClr>
+                  </a:solidFill>
+                </a:rPr>
+                <a:t>19</a:t>
+              </a:r>
+              <a:endParaRPr lang="zh-TW" altLang="en-US" dirty="0">
+                <a:solidFill>
+                  <a:schemeClr val="accent2">
+                    <a:lumMod val="75000"/>
+                  </a:schemeClr>
+                </a:solidFill>
+              </a:endParaRPr>
+            </a:p>
+          </p:txBody>
+        </p:sp>
+        <p:sp>
+          <p:nvSpPr>
+            <p:cNvPr id="36" name="文字方塊 35">
+              <a:extLst>
+                <a:ext uri="{FF2B5EF4-FFF2-40B4-BE49-F238E27FC236}">
+                  <a16:creationId xmlns:a16="http://schemas.microsoft.com/office/drawing/2014/main" id="{8E18CB9D-B301-462B-8AF8-2E9734F6030F}"/>
+                </a:ext>
+              </a:extLst>
+            </p:cNvPr>
+            <p:cNvSpPr txBox="1"/>
+            <p:nvPr/>
+          </p:nvSpPr>
+          <p:spPr>
+            <a:xfrm>
+              <a:off x="2947701" y="5994882"/>
+              <a:ext cx="418704" cy="369332"/>
+            </a:xfrm>
+            <a:prstGeom prst="rect">
+              <a:avLst/>
+            </a:prstGeom>
+            <a:noFill/>
+          </p:spPr>
+          <p:txBody>
+            <a:bodyPr wrap="none" rtlCol="0">
+              <a:spAutoFit/>
+            </a:bodyPr>
+            <a:lstStyle/>
+            <a:p>
+              <a:r>
+                <a:rPr lang="en-US" altLang="zh-TW" dirty="0">
+                  <a:solidFill>
+                    <a:schemeClr val="accent2">
+                      <a:lumMod val="75000"/>
+                    </a:schemeClr>
+                  </a:solidFill>
+                </a:rPr>
+                <a:t>20</a:t>
+              </a:r>
+              <a:endParaRPr lang="zh-TW" altLang="en-US" dirty="0">
+                <a:solidFill>
+                  <a:schemeClr val="accent2">
+                    <a:lumMod val="75000"/>
+                  </a:schemeClr>
+                </a:solidFill>
+              </a:endParaRPr>
+            </a:p>
+          </p:txBody>
+        </p:sp>
+        <p:sp>
+          <p:nvSpPr>
+            <p:cNvPr id="37" name="文字方塊 36">
+              <a:extLst>
+                <a:ext uri="{FF2B5EF4-FFF2-40B4-BE49-F238E27FC236}">
+                  <a16:creationId xmlns:a16="http://schemas.microsoft.com/office/drawing/2014/main" id="{9922B343-9930-4EBE-AC26-941A2B1A18C4}"/>
+                </a:ext>
+              </a:extLst>
+            </p:cNvPr>
+            <p:cNvSpPr txBox="1"/>
+            <p:nvPr/>
+          </p:nvSpPr>
+          <p:spPr>
+            <a:xfrm>
+              <a:off x="3290338" y="5509111"/>
+              <a:ext cx="418704" cy="369332"/>
+            </a:xfrm>
+            <a:prstGeom prst="rect">
+              <a:avLst/>
+            </a:prstGeom>
+            <a:noFill/>
+          </p:spPr>
+          <p:txBody>
+            <a:bodyPr wrap="none" rtlCol="0">
+              <a:spAutoFit/>
+            </a:bodyPr>
+            <a:lstStyle/>
+            <a:p>
+              <a:r>
+                <a:rPr lang="en-US" altLang="zh-TW" dirty="0">
+                  <a:solidFill>
+                    <a:schemeClr val="accent2">
+                      <a:lumMod val="75000"/>
+                    </a:schemeClr>
+                  </a:solidFill>
+                </a:rPr>
+                <a:t>21</a:t>
+              </a:r>
+              <a:endParaRPr lang="zh-TW" altLang="en-US" dirty="0">
+                <a:solidFill>
+                  <a:schemeClr val="accent2">
+                    <a:lumMod val="75000"/>
+                  </a:schemeClr>
+                </a:solidFill>
+              </a:endParaRPr>
+            </a:p>
+          </p:txBody>
+        </p:sp>
+        <p:sp>
+          <p:nvSpPr>
+            <p:cNvPr id="38" name="文字方塊 37">
+              <a:extLst>
+                <a:ext uri="{FF2B5EF4-FFF2-40B4-BE49-F238E27FC236}">
+                  <a16:creationId xmlns:a16="http://schemas.microsoft.com/office/drawing/2014/main" id="{73AF53CD-9E0D-4A29-B417-8FD250EBB433}"/>
+                </a:ext>
+              </a:extLst>
+            </p:cNvPr>
+            <p:cNvSpPr txBox="1"/>
+            <p:nvPr/>
+          </p:nvSpPr>
+          <p:spPr>
+            <a:xfrm>
+              <a:off x="2383407" y="5972304"/>
+              <a:ext cx="418704" cy="369332"/>
+            </a:xfrm>
+            <a:prstGeom prst="rect">
+              <a:avLst/>
+            </a:prstGeom>
+            <a:noFill/>
+          </p:spPr>
+          <p:txBody>
+            <a:bodyPr wrap="none" rtlCol="0">
+              <a:spAutoFit/>
+            </a:bodyPr>
+            <a:lstStyle/>
+            <a:p>
+              <a:r>
+                <a:rPr lang="en-US" altLang="zh-TW" dirty="0">
+                  <a:solidFill>
+                    <a:schemeClr val="accent2">
+                      <a:lumMod val="75000"/>
+                    </a:schemeClr>
+                  </a:solidFill>
+                </a:rPr>
+                <a:t>22</a:t>
+              </a:r>
+              <a:endParaRPr lang="zh-TW" altLang="en-US" dirty="0">
+                <a:solidFill>
+                  <a:schemeClr val="accent2">
+                    <a:lumMod val="75000"/>
+                  </a:schemeClr>
+                </a:solidFill>
+              </a:endParaRPr>
+            </a:p>
+          </p:txBody>
+        </p:sp>
+        <p:sp>
+          <p:nvSpPr>
+            <p:cNvPr id="39" name="文字方塊 38">
+              <a:extLst>
+                <a:ext uri="{FF2B5EF4-FFF2-40B4-BE49-F238E27FC236}">
+                  <a16:creationId xmlns:a16="http://schemas.microsoft.com/office/drawing/2014/main" id="{1EEBD394-3A11-4A81-A103-AB9546F48BE1}"/>
+                </a:ext>
+              </a:extLst>
+            </p:cNvPr>
+            <p:cNvSpPr txBox="1"/>
+            <p:nvPr/>
+          </p:nvSpPr>
+          <p:spPr>
+            <a:xfrm>
+              <a:off x="1402193" y="5994882"/>
+              <a:ext cx="418704" cy="369332"/>
+            </a:xfrm>
+            <a:prstGeom prst="rect">
+              <a:avLst/>
+            </a:prstGeom>
+            <a:noFill/>
+          </p:spPr>
+          <p:txBody>
+            <a:bodyPr wrap="none" rtlCol="0">
+              <a:spAutoFit/>
+            </a:bodyPr>
+            <a:lstStyle/>
+            <a:p>
+              <a:r>
+                <a:rPr lang="en-US" altLang="zh-TW" dirty="0">
+                  <a:solidFill>
+                    <a:schemeClr val="accent2">
+                      <a:lumMod val="75000"/>
+                    </a:schemeClr>
+                  </a:solidFill>
+                </a:rPr>
+                <a:t>23</a:t>
+              </a:r>
+              <a:endParaRPr lang="zh-TW" altLang="en-US" dirty="0">
+                <a:solidFill>
+                  <a:schemeClr val="accent2">
+                    <a:lumMod val="75000"/>
+                  </a:schemeClr>
+                </a:solidFill>
+              </a:endParaRPr>
+            </a:p>
+          </p:txBody>
+        </p:sp>
+        <p:sp>
+          <p:nvSpPr>
+            <p:cNvPr id="40" name="文字方塊 39">
+              <a:extLst>
+                <a:ext uri="{FF2B5EF4-FFF2-40B4-BE49-F238E27FC236}">
+                  <a16:creationId xmlns:a16="http://schemas.microsoft.com/office/drawing/2014/main" id="{A8E9C1F1-57BC-45E6-97D9-C37C6619179C}"/>
+                </a:ext>
+              </a:extLst>
+            </p:cNvPr>
+            <p:cNvSpPr txBox="1"/>
+            <p:nvPr/>
+          </p:nvSpPr>
+          <p:spPr>
+            <a:xfrm>
+              <a:off x="1041943" y="5499875"/>
+              <a:ext cx="418704" cy="369332"/>
+            </a:xfrm>
+            <a:prstGeom prst="rect">
+              <a:avLst/>
+            </a:prstGeom>
+            <a:noFill/>
+          </p:spPr>
+          <p:txBody>
+            <a:bodyPr wrap="none" rtlCol="0">
+              <a:spAutoFit/>
+            </a:bodyPr>
+            <a:lstStyle/>
+            <a:p>
+              <a:r>
+                <a:rPr lang="en-US" altLang="zh-TW" dirty="0">
+                  <a:solidFill>
+                    <a:schemeClr val="accent2">
+                      <a:lumMod val="75000"/>
+                    </a:schemeClr>
+                  </a:solidFill>
+                </a:rPr>
+                <a:t>24</a:t>
+              </a:r>
+              <a:endParaRPr lang="zh-TW" altLang="en-US" dirty="0">
+                <a:solidFill>
+                  <a:schemeClr val="accent2">
+                    <a:lumMod val="75000"/>
+                  </a:schemeClr>
+                </a:solidFill>
+              </a:endParaRPr>
+            </a:p>
+          </p:txBody>
+        </p:sp>
+        <p:sp>
+          <p:nvSpPr>
+            <p:cNvPr id="41" name="文字方塊 40">
+              <a:extLst>
+                <a:ext uri="{FF2B5EF4-FFF2-40B4-BE49-F238E27FC236}">
+                  <a16:creationId xmlns:a16="http://schemas.microsoft.com/office/drawing/2014/main" id="{3466187F-79DE-4BBE-9BAD-3B58275B02EB}"/>
+                </a:ext>
+              </a:extLst>
+            </p:cNvPr>
+            <p:cNvSpPr txBox="1"/>
+            <p:nvPr/>
+          </p:nvSpPr>
+          <p:spPr>
+            <a:xfrm>
+              <a:off x="1962400" y="5972304"/>
+              <a:ext cx="418704" cy="369332"/>
+            </a:xfrm>
+            <a:prstGeom prst="rect">
+              <a:avLst/>
+            </a:prstGeom>
+            <a:noFill/>
+          </p:spPr>
+          <p:txBody>
+            <a:bodyPr wrap="none" rtlCol="0">
+              <a:spAutoFit/>
+            </a:bodyPr>
+            <a:lstStyle/>
+            <a:p>
+              <a:r>
+                <a:rPr lang="en-US" altLang="zh-TW" dirty="0">
+                  <a:solidFill>
+                    <a:schemeClr val="accent2">
+                      <a:lumMod val="75000"/>
+                    </a:schemeClr>
+                  </a:solidFill>
+                </a:rPr>
+                <a:t>25</a:t>
+              </a:r>
+              <a:endParaRPr lang="zh-TW" altLang="en-US" dirty="0">
+                <a:solidFill>
+                  <a:schemeClr val="accent2">
+                    <a:lumMod val="75000"/>
+                  </a:schemeClr>
+                </a:solidFill>
+              </a:endParaRPr>
+            </a:p>
+          </p:txBody>
+        </p:sp>
+      </p:grpSp>
+    </p:spTree>
+    <p:extLst>
+      <p:ext uri="{BB962C8B-B14F-4D97-AF65-F5344CB8AC3E}">
+        <p14:creationId xmlns:p14="http://schemas.microsoft.com/office/powerpoint/2010/main" val="1175437900"/>
+      </p:ext>
+    </p:extLst>
+  </p:cSld>
+  <p:clrMapOvr>
+    <a:masterClrMapping/>
+  </p:clrMapOvr>
+</p:sld>
+</file>
+
 <file path=ppt/theme/theme1.xml><?xml version="1.0" encoding="utf-8"?>
 <a:theme xmlns:a="http://schemas.openxmlformats.org/drawingml/2006/main" name="Office 佈景主題">
   <a:themeElements>

--- a/paper figure.pptx
+++ b/paper figure.pptx
@@ -9,6 +9,7 @@
     <p:sldId id="256" r:id="rId3"/>
     <p:sldId id="258" r:id="rId4"/>
     <p:sldId id="259" r:id="rId5"/>
+    <p:sldId id="260" r:id="rId6"/>
   </p:sldIdLst>
   <p:sldSz cx="12192000" cy="6858000"/>
   <p:notesSz cx="6858000" cy="9144000"/>
@@ -120,6 +121,7 @@
           <p14:sldIdLst>
             <p14:sldId id="258"/>
             <p14:sldId id="259"/>
+            <p14:sldId id="260"/>
           </p14:sldIdLst>
         </p14:section>
       </p14:sectionLst>
@@ -289,7 +291,7 @@
           <a:p>
             <a:fld id="{57BB4548-A917-4321-B6F0-C21F28AC35DC}" type="datetimeFigureOut">
               <a:rPr lang="zh-TW" altLang="en-US" smtClean="0"/>
-              <a:t>2024/6/5</a:t>
+              <a:t>2024/6/6</a:t>
             </a:fld>
             <a:endParaRPr lang="zh-TW" altLang="en-US"/>
           </a:p>
@@ -487,7 +489,7 @@
           <a:p>
             <a:fld id="{57BB4548-A917-4321-B6F0-C21F28AC35DC}" type="datetimeFigureOut">
               <a:rPr lang="zh-TW" altLang="en-US" smtClean="0"/>
-              <a:t>2024/6/5</a:t>
+              <a:t>2024/6/6</a:t>
             </a:fld>
             <a:endParaRPr lang="zh-TW" altLang="en-US"/>
           </a:p>
@@ -695,7 +697,7 @@
           <a:p>
             <a:fld id="{57BB4548-A917-4321-B6F0-C21F28AC35DC}" type="datetimeFigureOut">
               <a:rPr lang="zh-TW" altLang="en-US" smtClean="0"/>
-              <a:t>2024/6/5</a:t>
+              <a:t>2024/6/6</a:t>
             </a:fld>
             <a:endParaRPr lang="zh-TW" altLang="en-US"/>
           </a:p>
@@ -893,7 +895,7 @@
           <a:p>
             <a:fld id="{57BB4548-A917-4321-B6F0-C21F28AC35DC}" type="datetimeFigureOut">
               <a:rPr lang="zh-TW" altLang="en-US" smtClean="0"/>
-              <a:t>2024/6/5</a:t>
+              <a:t>2024/6/6</a:t>
             </a:fld>
             <a:endParaRPr lang="zh-TW" altLang="en-US"/>
           </a:p>
@@ -1168,7 +1170,7 @@
           <a:p>
             <a:fld id="{57BB4548-A917-4321-B6F0-C21F28AC35DC}" type="datetimeFigureOut">
               <a:rPr lang="zh-TW" altLang="en-US" smtClean="0"/>
-              <a:t>2024/6/5</a:t>
+              <a:t>2024/6/6</a:t>
             </a:fld>
             <a:endParaRPr lang="zh-TW" altLang="en-US"/>
           </a:p>
@@ -1433,7 +1435,7 @@
           <a:p>
             <a:fld id="{57BB4548-A917-4321-B6F0-C21F28AC35DC}" type="datetimeFigureOut">
               <a:rPr lang="zh-TW" altLang="en-US" smtClean="0"/>
-              <a:t>2024/6/5</a:t>
+              <a:t>2024/6/6</a:t>
             </a:fld>
             <a:endParaRPr lang="zh-TW" altLang="en-US"/>
           </a:p>
@@ -1845,7 +1847,7 @@
           <a:p>
             <a:fld id="{57BB4548-A917-4321-B6F0-C21F28AC35DC}" type="datetimeFigureOut">
               <a:rPr lang="zh-TW" altLang="en-US" smtClean="0"/>
-              <a:t>2024/6/5</a:t>
+              <a:t>2024/6/6</a:t>
             </a:fld>
             <a:endParaRPr lang="zh-TW" altLang="en-US"/>
           </a:p>
@@ -1986,7 +1988,7 @@
           <a:p>
             <a:fld id="{57BB4548-A917-4321-B6F0-C21F28AC35DC}" type="datetimeFigureOut">
               <a:rPr lang="zh-TW" altLang="en-US" smtClean="0"/>
-              <a:t>2024/6/5</a:t>
+              <a:t>2024/6/6</a:t>
             </a:fld>
             <a:endParaRPr lang="zh-TW" altLang="en-US"/>
           </a:p>
@@ -2099,7 +2101,7 @@
           <a:p>
             <a:fld id="{57BB4548-A917-4321-B6F0-C21F28AC35DC}" type="datetimeFigureOut">
               <a:rPr lang="zh-TW" altLang="en-US" smtClean="0"/>
-              <a:t>2024/6/5</a:t>
+              <a:t>2024/6/6</a:t>
             </a:fld>
             <a:endParaRPr lang="zh-TW" altLang="en-US"/>
           </a:p>
@@ -2410,7 +2412,7 @@
           <a:p>
             <a:fld id="{57BB4548-A917-4321-B6F0-C21F28AC35DC}" type="datetimeFigureOut">
               <a:rPr lang="zh-TW" altLang="en-US" smtClean="0"/>
-              <a:t>2024/6/5</a:t>
+              <a:t>2024/6/6</a:t>
             </a:fld>
             <a:endParaRPr lang="zh-TW" altLang="en-US"/>
           </a:p>
@@ -2698,7 +2700,7 @@
           <a:p>
             <a:fld id="{57BB4548-A917-4321-B6F0-C21F28AC35DC}" type="datetimeFigureOut">
               <a:rPr lang="zh-TW" altLang="en-US" smtClean="0"/>
-              <a:t>2024/6/5</a:t>
+              <a:t>2024/6/6</a:t>
             </a:fld>
             <a:endParaRPr lang="zh-TW" altLang="en-US"/>
           </a:p>
@@ -2939,7 +2941,7 @@
           <a:p>
             <a:fld id="{57BB4548-A917-4321-B6F0-C21F28AC35DC}" type="datetimeFigureOut">
               <a:rPr lang="zh-TW" altLang="en-US" smtClean="0"/>
-              <a:t>2024/6/5</a:t>
+              <a:t>2024/6/6</a:t>
             </a:fld>
             <a:endParaRPr lang="zh-TW" altLang="en-US"/>
           </a:p>
@@ -6285,6 +6287,277 @@
 </p:sld>
 </file>
 
+<file path=ppt/slides/slide5.xml><?xml version="1.0" encoding="utf-8"?>
+<p:sld xmlns:a="http://schemas.openxmlformats.org/drawingml/2006/main" xmlns:r="http://schemas.openxmlformats.org/officeDocument/2006/relationships" xmlns:p="http://schemas.openxmlformats.org/presentationml/2006/main">
+  <p:cSld>
+    <p:spTree>
+      <p:nvGrpSpPr>
+        <p:cNvPr id="1" name=""/>
+        <p:cNvGrpSpPr/>
+        <p:nvPr/>
+      </p:nvGrpSpPr>
+      <p:grpSpPr>
+        <a:xfrm>
+          <a:off x="0" y="0"/>
+          <a:ext cx="0" cy="0"/>
+          <a:chOff x="0" y="0"/>
+          <a:chExt cx="0" cy="0"/>
+        </a:xfrm>
+      </p:grpSpPr>
+      <p:pic>
+        <p:nvPicPr>
+          <p:cNvPr id="5" name="圖片 4">
+            <a:extLst>
+              <a:ext uri="{FF2B5EF4-FFF2-40B4-BE49-F238E27FC236}">
+                <a16:creationId xmlns:a16="http://schemas.microsoft.com/office/drawing/2014/main" id="{42122188-9CA4-4AF6-AAF5-5579772B2363}"/>
+              </a:ext>
+            </a:extLst>
+          </p:cNvPr>
+          <p:cNvPicPr>
+            <a:picLocks noChangeAspect="1"/>
+          </p:cNvPicPr>
+          <p:nvPr/>
+        </p:nvPicPr>
+        <p:blipFill>
+          <a:blip r:embed="rId2">
+            <a:extLst>
+              <a:ext uri="{28A0092B-C50C-407E-A947-70E740481C1C}">
+                <a14:useLocalDpi xmlns:a14="http://schemas.microsoft.com/office/drawing/2010/main" val="0"/>
+              </a:ext>
+            </a:extLst>
+          </a:blip>
+          <a:stretch>
+            <a:fillRect/>
+          </a:stretch>
+        </p:blipFill>
+        <p:spPr>
+          <a:xfrm>
+            <a:off x="0" y="853375"/>
+            <a:ext cx="12192000" cy="1161143"/>
+          </a:xfrm>
+          <a:prstGeom prst="rect">
+            <a:avLst/>
+          </a:prstGeom>
+        </p:spPr>
+      </p:pic>
+      <p:pic>
+        <p:nvPicPr>
+          <p:cNvPr id="7" name="圖片 6">
+            <a:extLst>
+              <a:ext uri="{FF2B5EF4-FFF2-40B4-BE49-F238E27FC236}">
+                <a16:creationId xmlns:a16="http://schemas.microsoft.com/office/drawing/2014/main" id="{99722405-11E3-4004-9B59-171B30EB4859}"/>
+              </a:ext>
+            </a:extLst>
+          </p:cNvPr>
+          <p:cNvPicPr>
+            <a:picLocks noChangeAspect="1"/>
+          </p:cNvPicPr>
+          <p:nvPr/>
+        </p:nvPicPr>
+        <p:blipFill>
+          <a:blip r:embed="rId3">
+            <a:extLst>
+              <a:ext uri="{28A0092B-C50C-407E-A947-70E740481C1C}">
+                <a14:useLocalDpi xmlns:a14="http://schemas.microsoft.com/office/drawing/2010/main" val="0"/>
+              </a:ext>
+            </a:extLst>
+          </a:blip>
+          <a:stretch>
+            <a:fillRect/>
+          </a:stretch>
+        </p:blipFill>
+        <p:spPr>
+          <a:xfrm>
+            <a:off x="0" y="2804061"/>
+            <a:ext cx="12192000" cy="1161143"/>
+          </a:xfrm>
+          <a:prstGeom prst="rect">
+            <a:avLst/>
+          </a:prstGeom>
+        </p:spPr>
+      </p:pic>
+      <p:pic>
+        <p:nvPicPr>
+          <p:cNvPr id="9" name="圖片 8">
+            <a:extLst>
+              <a:ext uri="{FF2B5EF4-FFF2-40B4-BE49-F238E27FC236}">
+                <a16:creationId xmlns:a16="http://schemas.microsoft.com/office/drawing/2014/main" id="{135F41D2-9561-40EC-8FC1-FEE56906E87E}"/>
+              </a:ext>
+            </a:extLst>
+          </p:cNvPr>
+          <p:cNvPicPr>
+            <a:picLocks noChangeAspect="1"/>
+          </p:cNvPicPr>
+          <p:nvPr/>
+        </p:nvPicPr>
+        <p:blipFill>
+          <a:blip r:embed="rId4">
+            <a:extLst>
+              <a:ext uri="{28A0092B-C50C-407E-A947-70E740481C1C}">
+                <a14:useLocalDpi xmlns:a14="http://schemas.microsoft.com/office/drawing/2010/main" val="0"/>
+              </a:ext>
+            </a:extLst>
+          </a:blip>
+          <a:stretch>
+            <a:fillRect/>
+          </a:stretch>
+        </p:blipFill>
+        <p:spPr>
+          <a:xfrm>
+            <a:off x="0" y="4754747"/>
+            <a:ext cx="12192000" cy="1161143"/>
+          </a:xfrm>
+          <a:prstGeom prst="rect">
+            <a:avLst/>
+          </a:prstGeom>
+        </p:spPr>
+      </p:pic>
+      <p:sp>
+        <p:nvSpPr>
+          <p:cNvPr id="10" name="文字方塊 9">
+            <a:extLst>
+              <a:ext uri="{FF2B5EF4-FFF2-40B4-BE49-F238E27FC236}">
+                <a16:creationId xmlns:a16="http://schemas.microsoft.com/office/drawing/2014/main" id="{32A7782D-D69A-4477-A8A0-EFECCF383712}"/>
+              </a:ext>
+            </a:extLst>
+          </p:cNvPr>
+          <p:cNvSpPr txBox="1"/>
+          <p:nvPr/>
+        </p:nvSpPr>
+        <p:spPr>
+          <a:xfrm>
+            <a:off x="166254" y="273938"/>
+            <a:ext cx="3591048" cy="369332"/>
+          </a:xfrm>
+          <a:prstGeom prst="rect">
+            <a:avLst/>
+          </a:prstGeom>
+          <a:noFill/>
+        </p:spPr>
+        <p:txBody>
+          <a:bodyPr wrap="none" rtlCol="0">
+            <a:spAutoFit/>
+          </a:bodyPr>
+          <a:lstStyle/>
+          <a:p>
+            <a:r>
+              <a:rPr lang="en-US" altLang="zh-TW" dirty="0"/>
+              <a:t>1.</a:t>
+            </a:r>
+            <a:r>
+              <a:rPr lang="zh-TW" altLang="en-US" dirty="0"/>
+              <a:t>直接從原始環境降低背景複雜度</a:t>
+            </a:r>
+          </a:p>
+        </p:txBody>
+      </p:sp>
+      <p:sp>
+        <p:nvSpPr>
+          <p:cNvPr id="11" name="文字方塊 10">
+            <a:extLst>
+              <a:ext uri="{FF2B5EF4-FFF2-40B4-BE49-F238E27FC236}">
+                <a16:creationId xmlns:a16="http://schemas.microsoft.com/office/drawing/2014/main" id="{6B8E70D8-B668-4368-9609-D34F07901D2C}"/>
+              </a:ext>
+            </a:extLst>
+          </p:cNvPr>
+          <p:cNvSpPr txBox="1"/>
+          <p:nvPr/>
+        </p:nvSpPr>
+        <p:spPr>
+          <a:xfrm>
+            <a:off x="166254" y="2224623"/>
+            <a:ext cx="5354351" cy="369332"/>
+          </a:xfrm>
+          <a:prstGeom prst="rect">
+            <a:avLst/>
+          </a:prstGeom>
+          <a:noFill/>
+        </p:spPr>
+        <p:txBody>
+          <a:bodyPr wrap="none" rtlCol="0">
+            <a:spAutoFit/>
+          </a:bodyPr>
+          <a:lstStyle/>
+          <a:p>
+            <a:r>
+              <a:rPr lang="en-US" altLang="zh-TW" dirty="0"/>
+              <a:t>2.</a:t>
+            </a:r>
+            <a:r>
+              <a:rPr lang="zh-TW" altLang="en-US" dirty="0"/>
+              <a:t>先用其他比較強的模型</a:t>
+            </a:r>
+            <a:r>
+              <a:rPr lang="en-US" altLang="zh-TW" dirty="0"/>
+              <a:t>(</a:t>
+            </a:r>
+            <a:r>
+              <a:rPr lang="en-US" altLang="zh-TW" dirty="0" err="1"/>
+              <a:t>openpose</a:t>
+            </a:r>
+            <a:r>
+              <a:rPr lang="en-US" altLang="zh-TW" dirty="0"/>
+              <a:t>)</a:t>
+            </a:r>
+            <a:r>
+              <a:rPr lang="zh-TW" altLang="en-US" dirty="0"/>
+              <a:t>做一次影像辨識</a:t>
+            </a:r>
+          </a:p>
+        </p:txBody>
+      </p:sp>
+      <p:sp>
+        <p:nvSpPr>
+          <p:cNvPr id="12" name="文字方塊 11">
+            <a:extLst>
+              <a:ext uri="{FF2B5EF4-FFF2-40B4-BE49-F238E27FC236}">
+                <a16:creationId xmlns:a16="http://schemas.microsoft.com/office/drawing/2014/main" id="{83827B30-D0B0-4806-851F-E4467487C01D}"/>
+              </a:ext>
+            </a:extLst>
+          </p:cNvPr>
+          <p:cNvSpPr txBox="1"/>
+          <p:nvPr/>
+        </p:nvSpPr>
+        <p:spPr>
+          <a:xfrm>
+            <a:off x="166254" y="4175309"/>
+            <a:ext cx="2898550" cy="369332"/>
+          </a:xfrm>
+          <a:prstGeom prst="rect">
+            <a:avLst/>
+          </a:prstGeom>
+          <a:noFill/>
+        </p:spPr>
+        <p:txBody>
+          <a:bodyPr wrap="none" rtlCol="0">
+            <a:spAutoFit/>
+          </a:bodyPr>
+          <a:lstStyle/>
+          <a:p>
+            <a:r>
+              <a:rPr lang="en-US" altLang="zh-TW" dirty="0"/>
+              <a:t>3.</a:t>
+            </a:r>
+            <a:r>
+              <a:rPr lang="zh-TW" altLang="en-US" dirty="0"/>
+              <a:t>圖片用前處理的方式去背</a:t>
+            </a:r>
+          </a:p>
+        </p:txBody>
+      </p:sp>
+    </p:spTree>
+    <p:extLst>
+      <p:ext uri="{BB962C8B-B14F-4D97-AF65-F5344CB8AC3E}">
+        <p14:creationId xmlns:p14="http://schemas.microsoft.com/office/powerpoint/2010/main" val="1242517346"/>
+      </p:ext>
+    </p:extLst>
+  </p:cSld>
+  <p:clrMapOvr>
+    <a:masterClrMapping/>
+  </p:clrMapOvr>
+</p:sld>
+</file>
+
 <file path=ppt/theme/theme1.xml><?xml version="1.0" encoding="utf-8"?>
 <a:theme xmlns:a="http://schemas.openxmlformats.org/drawingml/2006/main" name="Office 佈景主題">
   <a:themeElements>

--- a/paper figure.pptx
+++ b/paper figure.pptx
@@ -291,7 +291,7 @@
           <a:p>
             <a:fld id="{57BB4548-A917-4321-B6F0-C21F28AC35DC}" type="datetimeFigureOut">
               <a:rPr lang="zh-TW" altLang="en-US" smtClean="0"/>
-              <a:t>2024/6/6</a:t>
+              <a:t>2024/6/7</a:t>
             </a:fld>
             <a:endParaRPr lang="zh-TW" altLang="en-US"/>
           </a:p>
@@ -489,7 +489,7 @@
           <a:p>
             <a:fld id="{57BB4548-A917-4321-B6F0-C21F28AC35DC}" type="datetimeFigureOut">
               <a:rPr lang="zh-TW" altLang="en-US" smtClean="0"/>
-              <a:t>2024/6/6</a:t>
+              <a:t>2024/6/7</a:t>
             </a:fld>
             <a:endParaRPr lang="zh-TW" altLang="en-US"/>
           </a:p>
@@ -697,7 +697,7 @@
           <a:p>
             <a:fld id="{57BB4548-A917-4321-B6F0-C21F28AC35DC}" type="datetimeFigureOut">
               <a:rPr lang="zh-TW" altLang="en-US" smtClean="0"/>
-              <a:t>2024/6/6</a:t>
+              <a:t>2024/6/7</a:t>
             </a:fld>
             <a:endParaRPr lang="zh-TW" altLang="en-US"/>
           </a:p>
@@ -895,7 +895,7 @@
           <a:p>
             <a:fld id="{57BB4548-A917-4321-B6F0-C21F28AC35DC}" type="datetimeFigureOut">
               <a:rPr lang="zh-TW" altLang="en-US" smtClean="0"/>
-              <a:t>2024/6/6</a:t>
+              <a:t>2024/6/7</a:t>
             </a:fld>
             <a:endParaRPr lang="zh-TW" altLang="en-US"/>
           </a:p>
@@ -1170,7 +1170,7 @@
           <a:p>
             <a:fld id="{57BB4548-A917-4321-B6F0-C21F28AC35DC}" type="datetimeFigureOut">
               <a:rPr lang="zh-TW" altLang="en-US" smtClean="0"/>
-              <a:t>2024/6/6</a:t>
+              <a:t>2024/6/7</a:t>
             </a:fld>
             <a:endParaRPr lang="zh-TW" altLang="en-US"/>
           </a:p>
@@ -1435,7 +1435,7 @@
           <a:p>
             <a:fld id="{57BB4548-A917-4321-B6F0-C21F28AC35DC}" type="datetimeFigureOut">
               <a:rPr lang="zh-TW" altLang="en-US" smtClean="0"/>
-              <a:t>2024/6/6</a:t>
+              <a:t>2024/6/7</a:t>
             </a:fld>
             <a:endParaRPr lang="zh-TW" altLang="en-US"/>
           </a:p>
@@ -1847,7 +1847,7 @@
           <a:p>
             <a:fld id="{57BB4548-A917-4321-B6F0-C21F28AC35DC}" type="datetimeFigureOut">
               <a:rPr lang="zh-TW" altLang="en-US" smtClean="0"/>
-              <a:t>2024/6/6</a:t>
+              <a:t>2024/6/7</a:t>
             </a:fld>
             <a:endParaRPr lang="zh-TW" altLang="en-US"/>
           </a:p>
@@ -1988,7 +1988,7 @@
           <a:p>
             <a:fld id="{57BB4548-A917-4321-B6F0-C21F28AC35DC}" type="datetimeFigureOut">
               <a:rPr lang="zh-TW" altLang="en-US" smtClean="0"/>
-              <a:t>2024/6/6</a:t>
+              <a:t>2024/6/7</a:t>
             </a:fld>
             <a:endParaRPr lang="zh-TW" altLang="en-US"/>
           </a:p>
@@ -2101,7 +2101,7 @@
           <a:p>
             <a:fld id="{57BB4548-A917-4321-B6F0-C21F28AC35DC}" type="datetimeFigureOut">
               <a:rPr lang="zh-TW" altLang="en-US" smtClean="0"/>
-              <a:t>2024/6/6</a:t>
+              <a:t>2024/6/7</a:t>
             </a:fld>
             <a:endParaRPr lang="zh-TW" altLang="en-US"/>
           </a:p>
@@ -2412,7 +2412,7 @@
           <a:p>
             <a:fld id="{57BB4548-A917-4321-B6F0-C21F28AC35DC}" type="datetimeFigureOut">
               <a:rPr lang="zh-TW" altLang="en-US" smtClean="0"/>
-              <a:t>2024/6/6</a:t>
+              <a:t>2024/6/7</a:t>
             </a:fld>
             <a:endParaRPr lang="zh-TW" altLang="en-US"/>
           </a:p>
@@ -2700,7 +2700,7 @@
           <a:p>
             <a:fld id="{57BB4548-A917-4321-B6F0-C21F28AC35DC}" type="datetimeFigureOut">
               <a:rPr lang="zh-TW" altLang="en-US" smtClean="0"/>
-              <a:t>2024/6/6</a:t>
+              <a:t>2024/6/7</a:t>
             </a:fld>
             <a:endParaRPr lang="zh-TW" altLang="en-US"/>
           </a:p>
@@ -2941,7 +2941,7 @@
           <a:p>
             <a:fld id="{57BB4548-A917-4321-B6F0-C21F28AC35DC}" type="datetimeFigureOut">
               <a:rPr lang="zh-TW" altLang="en-US" smtClean="0"/>
-              <a:t>2024/6/6</a:t>
+              <a:t>2024/6/7</a:t>
             </a:fld>
             <a:endParaRPr lang="zh-TW" altLang="en-US"/>
           </a:p>
@@ -4023,10 +4023,10 @@
       </p:sp>
       <p:grpSp>
         <p:nvGrpSpPr>
-          <p:cNvPr id="22" name="群組 21">
-            <a:extLst>
-              <a:ext uri="{FF2B5EF4-FFF2-40B4-BE49-F238E27FC236}">
-                <a16:creationId xmlns:a16="http://schemas.microsoft.com/office/drawing/2014/main" id="{3D6B1869-227F-4E8E-97C5-ADFECC4F1638}"/>
+          <p:cNvPr id="30" name="群組 29">
+            <a:extLst>
+              <a:ext uri="{FF2B5EF4-FFF2-40B4-BE49-F238E27FC236}">
+                <a16:creationId xmlns:a16="http://schemas.microsoft.com/office/drawing/2014/main" id="{BAF19B38-B221-4C0C-94E7-BFD234BA7B82}"/>
               </a:ext>
             </a:extLst>
           </p:cNvPr>
@@ -4035,66 +4035,731 @@
         </p:nvGrpSpPr>
         <p:grpSpPr>
           <a:xfrm>
-            <a:off x="3342000" y="1369291"/>
-            <a:ext cx="5508000" cy="4119418"/>
-            <a:chOff x="3342000" y="1369291"/>
-            <a:chExt cx="5508000" cy="4119418"/>
+            <a:off x="2856000" y="546874"/>
+            <a:ext cx="7253314" cy="5042125"/>
+            <a:chOff x="2856000" y="546874"/>
+            <a:chExt cx="7253314" cy="5042125"/>
           </a:xfrm>
         </p:grpSpPr>
-        <p:sp>
-          <p:nvSpPr>
-            <p:cNvPr id="5" name="矩形 4">
+        <p:grpSp>
+          <p:nvGrpSpPr>
+            <p:cNvPr id="2" name="群組 1">
               <a:extLst>
                 <a:ext uri="{FF2B5EF4-FFF2-40B4-BE49-F238E27FC236}">
-                  <a16:creationId xmlns:a16="http://schemas.microsoft.com/office/drawing/2014/main" id="{2CDA8655-B19C-4482-890A-45D78FF08B21}"/>
+                  <a16:creationId xmlns:a16="http://schemas.microsoft.com/office/drawing/2014/main" id="{20D9F317-1986-496C-B41C-3BBDB4D73BD0}"/>
                 </a:ext>
               </a:extLst>
             </p:cNvPr>
-            <p:cNvSpPr/>
+            <p:cNvGrpSpPr/>
             <p:nvPr/>
-          </p:nvSpPr>
-          <p:spPr>
+          </p:nvGrpSpPr>
+          <p:grpSpPr>
             <a:xfrm>
-              <a:off x="3342000" y="1369291"/>
-              <a:ext cx="5508000" cy="4119418"/>
+              <a:off x="2856000" y="1268999"/>
+              <a:ext cx="6480000" cy="4320000"/>
+              <a:chOff x="2856000" y="1268999"/>
+              <a:chExt cx="6480000" cy="4320000"/>
             </a:xfrm>
-            <a:prstGeom prst="rect">
-              <a:avLst/>
-            </a:prstGeom>
-            <a:noFill/>
-            <a:ln w="57150"/>
-          </p:spPr>
-          <p:style>
-            <a:lnRef idx="2">
-              <a:schemeClr val="accent1">
-                <a:shade val="50000"/>
-              </a:schemeClr>
-            </a:lnRef>
-            <a:fillRef idx="1">
-              <a:schemeClr val="accent1"/>
-            </a:fillRef>
-            <a:effectRef idx="0">
-              <a:schemeClr val="accent1"/>
-            </a:effectRef>
-            <a:fontRef idx="minor">
-              <a:schemeClr val="lt1"/>
-            </a:fontRef>
-          </p:style>
-          <p:txBody>
-            <a:bodyPr rtlCol="0" anchor="ctr"/>
-            <a:lstStyle/>
-            <a:p>
-              <a:pPr algn="ctr"/>
-              <a:endParaRPr lang="zh-TW" altLang="en-US" dirty="0"/>
-            </a:p>
-          </p:txBody>
-        </p:sp>
+          </p:grpSpPr>
+          <p:sp>
+            <p:nvSpPr>
+              <p:cNvPr id="5" name="矩形 4">
+                <a:extLst>
+                  <a:ext uri="{FF2B5EF4-FFF2-40B4-BE49-F238E27FC236}">
+                    <a16:creationId xmlns:a16="http://schemas.microsoft.com/office/drawing/2014/main" id="{2CDA8655-B19C-4482-890A-45D78FF08B21}"/>
+                  </a:ext>
+                </a:extLst>
+              </p:cNvPr>
+              <p:cNvSpPr/>
+              <p:nvPr/>
+            </p:nvSpPr>
+            <p:spPr>
+              <a:xfrm>
+                <a:off x="2856000" y="1268999"/>
+                <a:ext cx="6480000" cy="4320000"/>
+              </a:xfrm>
+              <a:prstGeom prst="rect">
+                <a:avLst/>
+              </a:prstGeom>
+              <a:noFill/>
+              <a:ln w="57150"/>
+            </p:spPr>
+            <p:style>
+              <a:lnRef idx="2">
+                <a:schemeClr val="accent1">
+                  <a:shade val="50000"/>
+                </a:schemeClr>
+              </a:lnRef>
+              <a:fillRef idx="1">
+                <a:schemeClr val="accent1"/>
+              </a:fillRef>
+              <a:effectRef idx="0">
+                <a:schemeClr val="accent1"/>
+              </a:effectRef>
+              <a:fontRef idx="minor">
+                <a:schemeClr val="lt1"/>
+              </a:fontRef>
+            </p:style>
+            <p:txBody>
+              <a:bodyPr rtlCol="0" anchor="ctr"/>
+              <a:lstStyle/>
+              <a:p>
+                <a:pPr algn="ctr"/>
+                <a:endParaRPr lang="zh-TW" altLang="en-US" dirty="0"/>
+              </a:p>
+            </p:txBody>
+          </p:sp>
+          <p:sp>
+            <p:nvSpPr>
+              <p:cNvPr id="6" name="文字方塊 5">
+                <a:extLst>
+                  <a:ext uri="{FF2B5EF4-FFF2-40B4-BE49-F238E27FC236}">
+                    <a16:creationId xmlns:a16="http://schemas.microsoft.com/office/drawing/2014/main" id="{821372EA-6A4F-405A-9FBE-224086C8DF1D}"/>
+                  </a:ext>
+                </a:extLst>
+              </p:cNvPr>
+              <p:cNvSpPr txBox="1"/>
+              <p:nvPr/>
+            </p:nvSpPr>
+            <p:spPr>
+              <a:xfrm>
+                <a:off x="6893995" y="5182569"/>
+                <a:ext cx="772968" cy="369332"/>
+              </a:xfrm>
+              <a:prstGeom prst="rect">
+                <a:avLst/>
+              </a:prstGeom>
+              <a:noFill/>
+              <a:ln w="19050">
+                <a:solidFill>
+                  <a:schemeClr val="tx1"/>
+                </a:solidFill>
+                <a:prstDash val="dash"/>
+              </a:ln>
+            </p:spPr>
+            <p:txBody>
+              <a:bodyPr wrap="none" rtlCol="0">
+                <a:spAutoFit/>
+              </a:bodyPr>
+              <a:lstStyle/>
+              <a:p>
+                <a:pPr algn="ctr"/>
+                <a:r>
+                  <a:rPr lang="en-US" altLang="zh-TW" dirty="0"/>
+                  <a:t>Cam 4</a:t>
+                </a:r>
+                <a:endParaRPr lang="zh-TW" altLang="en-US" dirty="0"/>
+              </a:p>
+            </p:txBody>
+          </p:sp>
+          <p:sp>
+            <p:nvSpPr>
+              <p:cNvPr id="7" name="文字方塊 6">
+                <a:extLst>
+                  <a:ext uri="{FF2B5EF4-FFF2-40B4-BE49-F238E27FC236}">
+                    <a16:creationId xmlns:a16="http://schemas.microsoft.com/office/drawing/2014/main" id="{2A49969F-C1BB-44CD-903A-FC1BE547F095}"/>
+                  </a:ext>
+                </a:extLst>
+              </p:cNvPr>
+              <p:cNvSpPr txBox="1"/>
+              <p:nvPr/>
+            </p:nvSpPr>
+            <p:spPr>
+              <a:xfrm>
+                <a:off x="4525037" y="5182569"/>
+                <a:ext cx="772968" cy="369332"/>
+              </a:xfrm>
+              <a:prstGeom prst="rect">
+                <a:avLst/>
+              </a:prstGeom>
+              <a:noFill/>
+              <a:ln w="19050">
+                <a:solidFill>
+                  <a:schemeClr val="tx1"/>
+                </a:solidFill>
+                <a:prstDash val="dash"/>
+              </a:ln>
+            </p:spPr>
+            <p:txBody>
+              <a:bodyPr wrap="none" rtlCol="0">
+                <a:spAutoFit/>
+              </a:bodyPr>
+              <a:lstStyle/>
+              <a:p>
+                <a:pPr algn="ctr"/>
+                <a:r>
+                  <a:rPr lang="en-US" altLang="zh-TW" dirty="0"/>
+                  <a:t>Cam 5</a:t>
+                </a:r>
+                <a:endParaRPr lang="zh-TW" altLang="en-US" dirty="0"/>
+              </a:p>
+            </p:txBody>
+          </p:sp>
+          <p:sp>
+            <p:nvSpPr>
+              <p:cNvPr id="8" name="文字方塊 7">
+                <a:extLst>
+                  <a:ext uri="{FF2B5EF4-FFF2-40B4-BE49-F238E27FC236}">
+                    <a16:creationId xmlns:a16="http://schemas.microsoft.com/office/drawing/2014/main" id="{2CB63C69-8CDE-4493-A986-3A9712A7E493}"/>
+                  </a:ext>
+                </a:extLst>
+              </p:cNvPr>
+              <p:cNvSpPr txBox="1"/>
+              <p:nvPr/>
+            </p:nvSpPr>
+            <p:spPr>
+              <a:xfrm>
+                <a:off x="6893995" y="1278558"/>
+                <a:ext cx="772968" cy="369332"/>
+              </a:xfrm>
+              <a:prstGeom prst="rect">
+                <a:avLst/>
+              </a:prstGeom>
+              <a:noFill/>
+              <a:ln w="19050">
+                <a:solidFill>
+                  <a:schemeClr val="tx1"/>
+                </a:solidFill>
+                <a:prstDash val="dash"/>
+              </a:ln>
+            </p:spPr>
+            <p:txBody>
+              <a:bodyPr wrap="none" rtlCol="0">
+                <a:spAutoFit/>
+              </a:bodyPr>
+              <a:lstStyle/>
+              <a:p>
+                <a:pPr algn="ctr"/>
+                <a:r>
+                  <a:rPr lang="en-US" altLang="zh-TW" dirty="0"/>
+                  <a:t>Cam 1</a:t>
+                </a:r>
+                <a:endParaRPr lang="zh-TW" altLang="en-US" dirty="0"/>
+              </a:p>
+            </p:txBody>
+          </p:sp>
+          <p:sp>
+            <p:nvSpPr>
+              <p:cNvPr id="9" name="文字方塊 8">
+                <a:extLst>
+                  <a:ext uri="{FF2B5EF4-FFF2-40B4-BE49-F238E27FC236}">
+                    <a16:creationId xmlns:a16="http://schemas.microsoft.com/office/drawing/2014/main" id="{EFA2F1C9-CD76-482F-9B76-1CF5F88CDFF9}"/>
+                  </a:ext>
+                </a:extLst>
+              </p:cNvPr>
+              <p:cNvSpPr txBox="1"/>
+              <p:nvPr/>
+            </p:nvSpPr>
+            <p:spPr>
+              <a:xfrm>
+                <a:off x="4525037" y="1269000"/>
+                <a:ext cx="772968" cy="369332"/>
+              </a:xfrm>
+              <a:prstGeom prst="rect">
+                <a:avLst/>
+              </a:prstGeom>
+              <a:noFill/>
+              <a:ln w="19050">
+                <a:solidFill>
+                  <a:schemeClr val="tx1"/>
+                </a:solidFill>
+                <a:prstDash val="dash"/>
+              </a:ln>
+            </p:spPr>
+            <p:txBody>
+              <a:bodyPr wrap="none" rtlCol="0">
+                <a:spAutoFit/>
+              </a:bodyPr>
+              <a:lstStyle/>
+              <a:p>
+                <a:pPr algn="ctr"/>
+                <a:r>
+                  <a:rPr lang="en-US" altLang="zh-TW" dirty="0"/>
+                  <a:t>Cam 8</a:t>
+                </a:r>
+                <a:endParaRPr lang="zh-TW" altLang="en-US" dirty="0"/>
+              </a:p>
+            </p:txBody>
+          </p:sp>
+          <p:sp>
+            <p:nvSpPr>
+              <p:cNvPr id="10" name="文字方塊 9">
+                <a:extLst>
+                  <a:ext uri="{FF2B5EF4-FFF2-40B4-BE49-F238E27FC236}">
+                    <a16:creationId xmlns:a16="http://schemas.microsoft.com/office/drawing/2014/main" id="{D20467EE-5F96-4B24-81C2-5026CD7C9FCB}"/>
+                  </a:ext>
+                </a:extLst>
+              </p:cNvPr>
+              <p:cNvSpPr txBox="1"/>
+              <p:nvPr/>
+            </p:nvSpPr>
+            <p:spPr>
+              <a:xfrm rot="5400000">
+                <a:off x="8732260" y="2554074"/>
+                <a:ext cx="772969" cy="369332"/>
+              </a:xfrm>
+              <a:prstGeom prst="rect">
+                <a:avLst/>
+              </a:prstGeom>
+              <a:noFill/>
+              <a:ln w="19050">
+                <a:solidFill>
+                  <a:schemeClr val="tx1"/>
+                </a:solidFill>
+                <a:prstDash val="dash"/>
+              </a:ln>
+            </p:spPr>
+            <p:txBody>
+              <a:bodyPr wrap="none" rtlCol="0">
+                <a:spAutoFit/>
+              </a:bodyPr>
+              <a:lstStyle/>
+              <a:p>
+                <a:pPr algn="ctr"/>
+                <a:r>
+                  <a:rPr lang="en-US" altLang="zh-TW" dirty="0"/>
+                  <a:t>Cam 2</a:t>
+                </a:r>
+                <a:endParaRPr lang="zh-TW" altLang="en-US" dirty="0"/>
+              </a:p>
+            </p:txBody>
+          </p:sp>
+          <p:sp>
+            <p:nvSpPr>
+              <p:cNvPr id="13" name="文字方塊 12">
+                <a:extLst>
+                  <a:ext uri="{FF2B5EF4-FFF2-40B4-BE49-F238E27FC236}">
+                    <a16:creationId xmlns:a16="http://schemas.microsoft.com/office/drawing/2014/main" id="{6DC3B236-142F-4D02-BC49-F2C340B64E40}"/>
+                  </a:ext>
+                </a:extLst>
+              </p:cNvPr>
+              <p:cNvSpPr txBox="1"/>
+              <p:nvPr/>
+            </p:nvSpPr>
+            <p:spPr>
+              <a:xfrm rot="5400000">
+                <a:off x="8732260" y="3934594"/>
+                <a:ext cx="772969" cy="369332"/>
+              </a:xfrm>
+              <a:prstGeom prst="rect">
+                <a:avLst/>
+              </a:prstGeom>
+              <a:noFill/>
+              <a:ln w="19050">
+                <a:solidFill>
+                  <a:schemeClr val="tx1"/>
+                </a:solidFill>
+                <a:prstDash val="dash"/>
+              </a:ln>
+            </p:spPr>
+            <p:txBody>
+              <a:bodyPr wrap="none" rtlCol="0">
+                <a:spAutoFit/>
+              </a:bodyPr>
+              <a:lstStyle/>
+              <a:p>
+                <a:pPr algn="ctr"/>
+                <a:r>
+                  <a:rPr lang="en-US" altLang="zh-TW" dirty="0"/>
+                  <a:t>Cam 3</a:t>
+                </a:r>
+                <a:endParaRPr lang="zh-TW" altLang="en-US" dirty="0"/>
+              </a:p>
+            </p:txBody>
+          </p:sp>
+          <p:sp>
+            <p:nvSpPr>
+              <p:cNvPr id="20" name="文字方塊 19">
+                <a:extLst>
+                  <a:ext uri="{FF2B5EF4-FFF2-40B4-BE49-F238E27FC236}">
+                    <a16:creationId xmlns:a16="http://schemas.microsoft.com/office/drawing/2014/main" id="{29AA0ED3-BAB2-47F7-BB34-63618C606553}"/>
+                  </a:ext>
+                </a:extLst>
+              </p:cNvPr>
+              <p:cNvSpPr txBox="1"/>
+              <p:nvPr/>
+            </p:nvSpPr>
+            <p:spPr>
+              <a:xfrm rot="5400000">
+                <a:off x="2686771" y="2554075"/>
+                <a:ext cx="772969" cy="369332"/>
+              </a:xfrm>
+              <a:prstGeom prst="rect">
+                <a:avLst/>
+              </a:prstGeom>
+              <a:noFill/>
+              <a:ln w="19050">
+                <a:solidFill>
+                  <a:schemeClr val="tx1"/>
+                </a:solidFill>
+                <a:prstDash val="dash"/>
+              </a:ln>
+            </p:spPr>
+            <p:txBody>
+              <a:bodyPr wrap="none" rtlCol="0">
+                <a:spAutoFit/>
+              </a:bodyPr>
+              <a:lstStyle/>
+              <a:p>
+                <a:pPr algn="ctr"/>
+                <a:r>
+                  <a:rPr lang="en-US" altLang="zh-TW" dirty="0"/>
+                  <a:t>Cam 7</a:t>
+                </a:r>
+                <a:endParaRPr lang="zh-TW" altLang="en-US" dirty="0"/>
+              </a:p>
+            </p:txBody>
+          </p:sp>
+          <p:sp>
+            <p:nvSpPr>
+              <p:cNvPr id="21" name="文字方塊 20">
+                <a:extLst>
+                  <a:ext uri="{FF2B5EF4-FFF2-40B4-BE49-F238E27FC236}">
+                    <a16:creationId xmlns:a16="http://schemas.microsoft.com/office/drawing/2014/main" id="{B9F17BFB-52DD-499F-84DD-2AADF4E87494}"/>
+                  </a:ext>
+                </a:extLst>
+              </p:cNvPr>
+              <p:cNvSpPr txBox="1"/>
+              <p:nvPr/>
+            </p:nvSpPr>
+            <p:spPr>
+              <a:xfrm rot="5400000">
+                <a:off x="2686771" y="3934595"/>
+                <a:ext cx="772969" cy="369332"/>
+              </a:xfrm>
+              <a:prstGeom prst="rect">
+                <a:avLst/>
+              </a:prstGeom>
+              <a:noFill/>
+              <a:ln w="19050">
+                <a:solidFill>
+                  <a:schemeClr val="tx1"/>
+                </a:solidFill>
+                <a:prstDash val="dash"/>
+              </a:ln>
+            </p:spPr>
+            <p:txBody>
+              <a:bodyPr wrap="none" rtlCol="0">
+                <a:spAutoFit/>
+              </a:bodyPr>
+              <a:lstStyle/>
+              <a:p>
+                <a:pPr algn="ctr"/>
+                <a:r>
+                  <a:rPr lang="en-US" altLang="zh-TW" dirty="0"/>
+                  <a:t>Cam 6</a:t>
+                </a:r>
+                <a:endParaRPr lang="zh-TW" altLang="en-US" dirty="0"/>
+              </a:p>
+            </p:txBody>
+          </p:sp>
+        </p:grpSp>
+        <p:grpSp>
+          <p:nvGrpSpPr>
+            <p:cNvPr id="23" name="群組 22">
+              <a:extLst>
+                <a:ext uri="{FF2B5EF4-FFF2-40B4-BE49-F238E27FC236}">
+                  <a16:creationId xmlns:a16="http://schemas.microsoft.com/office/drawing/2014/main" id="{6CB141C0-82F0-483F-9D30-93341F7F57AE}"/>
+                </a:ext>
+              </a:extLst>
+            </p:cNvPr>
+            <p:cNvGrpSpPr/>
+            <p:nvPr/>
+          </p:nvGrpSpPr>
+          <p:grpSpPr>
+            <a:xfrm>
+              <a:off x="2856000" y="777708"/>
+              <a:ext cx="6480000" cy="410340"/>
+              <a:chOff x="2856000" y="868218"/>
+              <a:chExt cx="6480000" cy="410340"/>
+            </a:xfrm>
+          </p:grpSpPr>
+          <p:cxnSp>
+            <p:nvCxnSpPr>
+              <p:cNvPr id="11" name="直線接點 10">
+                <a:extLst>
+                  <a:ext uri="{FF2B5EF4-FFF2-40B4-BE49-F238E27FC236}">
+                    <a16:creationId xmlns:a16="http://schemas.microsoft.com/office/drawing/2014/main" id="{55FC0032-E60E-44C5-9FA9-715C1FC9F6B1}"/>
+                  </a:ext>
+                </a:extLst>
+              </p:cNvPr>
+              <p:cNvCxnSpPr>
+                <a:cxnSpLocks/>
+              </p:cNvCxnSpPr>
+              <p:nvPr/>
+            </p:nvCxnSpPr>
+            <p:spPr>
+              <a:xfrm flipV="1">
+                <a:off x="2856000" y="868218"/>
+                <a:ext cx="0" cy="410340"/>
+              </a:xfrm>
+              <a:prstGeom prst="line">
+                <a:avLst/>
+              </a:prstGeom>
+              <a:ln w="19050">
+                <a:solidFill>
+                  <a:srgbClr val="2F528F"/>
+                </a:solidFill>
+              </a:ln>
+            </p:spPr>
+            <p:style>
+              <a:lnRef idx="1">
+                <a:schemeClr val="accent1"/>
+              </a:lnRef>
+              <a:fillRef idx="0">
+                <a:schemeClr val="accent1"/>
+              </a:fillRef>
+              <a:effectRef idx="0">
+                <a:schemeClr val="accent1"/>
+              </a:effectRef>
+              <a:fontRef idx="minor">
+                <a:schemeClr val="tx1"/>
+              </a:fontRef>
+            </p:style>
+          </p:cxnSp>
+          <p:cxnSp>
+            <p:nvCxnSpPr>
+              <p:cNvPr id="19" name="直線接點 18">
+                <a:extLst>
+                  <a:ext uri="{FF2B5EF4-FFF2-40B4-BE49-F238E27FC236}">
+                    <a16:creationId xmlns:a16="http://schemas.microsoft.com/office/drawing/2014/main" id="{F9178AA3-954C-4F90-9047-6CD150A241AF}"/>
+                  </a:ext>
+                </a:extLst>
+              </p:cNvPr>
+              <p:cNvCxnSpPr>
+                <a:cxnSpLocks/>
+              </p:cNvCxnSpPr>
+              <p:nvPr/>
+            </p:nvCxnSpPr>
+            <p:spPr>
+              <a:xfrm flipV="1">
+                <a:off x="9336000" y="868218"/>
+                <a:ext cx="0" cy="410340"/>
+              </a:xfrm>
+              <a:prstGeom prst="line">
+                <a:avLst/>
+              </a:prstGeom>
+              <a:ln w="19050">
+                <a:solidFill>
+                  <a:srgbClr val="2F528F"/>
+                </a:solidFill>
+              </a:ln>
+            </p:spPr>
+            <p:style>
+              <a:lnRef idx="1">
+                <a:schemeClr val="accent1"/>
+              </a:lnRef>
+              <a:fillRef idx="0">
+                <a:schemeClr val="accent1"/>
+              </a:fillRef>
+              <a:effectRef idx="0">
+                <a:schemeClr val="accent1"/>
+              </a:effectRef>
+              <a:fontRef idx="minor">
+                <a:schemeClr val="tx1"/>
+              </a:fontRef>
+            </p:style>
+          </p:cxnSp>
+          <p:cxnSp>
+            <p:nvCxnSpPr>
+              <p:cNvPr id="16" name="直線接點 15">
+                <a:extLst>
+                  <a:ext uri="{FF2B5EF4-FFF2-40B4-BE49-F238E27FC236}">
+                    <a16:creationId xmlns:a16="http://schemas.microsoft.com/office/drawing/2014/main" id="{87E7A626-C967-4C2E-8415-D1740F9F446A}"/>
+                  </a:ext>
+                </a:extLst>
+              </p:cNvPr>
+              <p:cNvCxnSpPr>
+                <a:cxnSpLocks/>
+              </p:cNvCxnSpPr>
+              <p:nvPr/>
+            </p:nvCxnSpPr>
+            <p:spPr>
+              <a:xfrm>
+                <a:off x="2856000" y="1073388"/>
+                <a:ext cx="6479999" cy="0"/>
+              </a:xfrm>
+              <a:prstGeom prst="line">
+                <a:avLst/>
+              </a:prstGeom>
+              <a:ln w="19050">
+                <a:solidFill>
+                  <a:srgbClr val="2F528F"/>
+                </a:solidFill>
+              </a:ln>
+            </p:spPr>
+            <p:style>
+              <a:lnRef idx="1">
+                <a:schemeClr val="accent1"/>
+              </a:lnRef>
+              <a:fillRef idx="0">
+                <a:schemeClr val="accent1"/>
+              </a:fillRef>
+              <a:effectRef idx="0">
+                <a:schemeClr val="accent1"/>
+              </a:effectRef>
+              <a:fontRef idx="minor">
+                <a:schemeClr val="tx1"/>
+              </a:fontRef>
+            </p:style>
+          </p:cxnSp>
+        </p:grpSp>
+        <p:grpSp>
+          <p:nvGrpSpPr>
+            <p:cNvPr id="24" name="群組 23">
+              <a:extLst>
+                <a:ext uri="{FF2B5EF4-FFF2-40B4-BE49-F238E27FC236}">
+                  <a16:creationId xmlns:a16="http://schemas.microsoft.com/office/drawing/2014/main" id="{EBC77ED6-B5D4-408B-B970-07AAE835C5D6}"/>
+                </a:ext>
+              </a:extLst>
+            </p:cNvPr>
+            <p:cNvGrpSpPr/>
+            <p:nvPr/>
+          </p:nvGrpSpPr>
+          <p:grpSpPr>
+            <a:xfrm rot="5400000">
+              <a:off x="7487650" y="3223829"/>
+              <a:ext cx="4320000" cy="410340"/>
+              <a:chOff x="2856000" y="868218"/>
+              <a:chExt cx="6480000" cy="410340"/>
+            </a:xfrm>
+          </p:grpSpPr>
+          <p:cxnSp>
+            <p:nvCxnSpPr>
+              <p:cNvPr id="25" name="直線接點 24">
+                <a:extLst>
+                  <a:ext uri="{FF2B5EF4-FFF2-40B4-BE49-F238E27FC236}">
+                    <a16:creationId xmlns:a16="http://schemas.microsoft.com/office/drawing/2014/main" id="{F67D92EB-19C7-44E1-9DE2-D1DC05B9B92C}"/>
+                  </a:ext>
+                </a:extLst>
+              </p:cNvPr>
+              <p:cNvCxnSpPr>
+                <a:cxnSpLocks/>
+              </p:cNvCxnSpPr>
+              <p:nvPr/>
+            </p:nvCxnSpPr>
+            <p:spPr>
+              <a:xfrm flipV="1">
+                <a:off x="2856000" y="868218"/>
+                <a:ext cx="0" cy="410340"/>
+              </a:xfrm>
+              <a:prstGeom prst="line">
+                <a:avLst/>
+              </a:prstGeom>
+              <a:ln w="19050">
+                <a:solidFill>
+                  <a:srgbClr val="2F528F"/>
+                </a:solidFill>
+              </a:ln>
+            </p:spPr>
+            <p:style>
+              <a:lnRef idx="1">
+                <a:schemeClr val="accent1"/>
+              </a:lnRef>
+              <a:fillRef idx="0">
+                <a:schemeClr val="accent1"/>
+              </a:fillRef>
+              <a:effectRef idx="0">
+                <a:schemeClr val="accent1"/>
+              </a:effectRef>
+              <a:fontRef idx="minor">
+                <a:schemeClr val="tx1"/>
+              </a:fontRef>
+            </p:style>
+          </p:cxnSp>
+          <p:cxnSp>
+            <p:nvCxnSpPr>
+              <p:cNvPr id="26" name="直線接點 25">
+                <a:extLst>
+                  <a:ext uri="{FF2B5EF4-FFF2-40B4-BE49-F238E27FC236}">
+                    <a16:creationId xmlns:a16="http://schemas.microsoft.com/office/drawing/2014/main" id="{56708C5D-401C-4D66-B88E-E91BC12FE717}"/>
+                  </a:ext>
+                </a:extLst>
+              </p:cNvPr>
+              <p:cNvCxnSpPr>
+                <a:cxnSpLocks/>
+              </p:cNvCxnSpPr>
+              <p:nvPr/>
+            </p:nvCxnSpPr>
+            <p:spPr>
+              <a:xfrm flipV="1">
+                <a:off x="9336000" y="868218"/>
+                <a:ext cx="0" cy="410340"/>
+              </a:xfrm>
+              <a:prstGeom prst="line">
+                <a:avLst/>
+              </a:prstGeom>
+              <a:ln w="19050">
+                <a:solidFill>
+                  <a:srgbClr val="2F528F"/>
+                </a:solidFill>
+              </a:ln>
+            </p:spPr>
+            <p:style>
+              <a:lnRef idx="1">
+                <a:schemeClr val="accent1"/>
+              </a:lnRef>
+              <a:fillRef idx="0">
+                <a:schemeClr val="accent1"/>
+              </a:fillRef>
+              <a:effectRef idx="0">
+                <a:schemeClr val="accent1"/>
+              </a:effectRef>
+              <a:fontRef idx="minor">
+                <a:schemeClr val="tx1"/>
+              </a:fontRef>
+            </p:style>
+          </p:cxnSp>
+          <p:cxnSp>
+            <p:nvCxnSpPr>
+              <p:cNvPr id="27" name="直線接點 26">
+                <a:extLst>
+                  <a:ext uri="{FF2B5EF4-FFF2-40B4-BE49-F238E27FC236}">
+                    <a16:creationId xmlns:a16="http://schemas.microsoft.com/office/drawing/2014/main" id="{39D72BCB-A700-4948-BC21-AD66C19422ED}"/>
+                  </a:ext>
+                </a:extLst>
+              </p:cNvPr>
+              <p:cNvCxnSpPr>
+                <a:cxnSpLocks/>
+              </p:cNvCxnSpPr>
+              <p:nvPr/>
+            </p:nvCxnSpPr>
+            <p:spPr>
+              <a:xfrm>
+                <a:off x="2856000" y="1073388"/>
+                <a:ext cx="6479999" cy="0"/>
+              </a:xfrm>
+              <a:prstGeom prst="line">
+                <a:avLst/>
+              </a:prstGeom>
+              <a:ln w="19050">
+                <a:solidFill>
+                  <a:srgbClr val="2F528F"/>
+                </a:solidFill>
+              </a:ln>
+            </p:spPr>
+            <p:style>
+              <a:lnRef idx="1">
+                <a:schemeClr val="accent1"/>
+              </a:lnRef>
+              <a:fillRef idx="0">
+                <a:schemeClr val="accent1"/>
+              </a:fillRef>
+              <a:effectRef idx="0">
+                <a:schemeClr val="accent1"/>
+              </a:effectRef>
+              <a:fontRef idx="minor">
+                <a:schemeClr val="tx1"/>
+              </a:fontRef>
+            </p:style>
+          </p:cxnSp>
+        </p:grpSp>
         <p:sp>
           <p:nvSpPr>
-            <p:cNvPr id="6" name="文字方塊 5">
+            <p:cNvPr id="28" name="文字方塊 27">
               <a:extLst>
                 <a:ext uri="{FF2B5EF4-FFF2-40B4-BE49-F238E27FC236}">
-                  <a16:creationId xmlns:a16="http://schemas.microsoft.com/office/drawing/2014/main" id="{821372EA-6A4F-405A-9FBE-224086C8DF1D}"/>
+                  <a16:creationId xmlns:a16="http://schemas.microsoft.com/office/drawing/2014/main" id="{6F75B9AB-FA59-49AA-8FFF-C7845F7AB754}"/>
                 </a:ext>
               </a:extLst>
             </p:cNvPr>
@@ -4103,29 +4768,23 @@
           </p:nvSpPr>
           <p:spPr>
             <a:xfrm>
-              <a:off x="6836388" y="5110263"/>
-              <a:ext cx="772969" cy="369332"/>
+              <a:off x="9647649" y="3232150"/>
+              <a:ext cx="461665" cy="393698"/>
             </a:xfrm>
             <a:prstGeom prst="rect">
               <a:avLst/>
             </a:prstGeom>
             <a:noFill/>
-            <a:ln w="19050">
-              <a:solidFill>
-                <a:schemeClr val="tx1"/>
-              </a:solidFill>
-              <a:prstDash val="dash"/>
-            </a:ln>
           </p:spPr>
           <p:txBody>
-            <a:bodyPr wrap="none" rtlCol="0">
+            <a:bodyPr vert="eaVert" wrap="none" rtlCol="0">
               <a:spAutoFit/>
             </a:bodyPr>
             <a:lstStyle/>
             <a:p>
               <a:r>
                 <a:rPr lang="en-US" altLang="zh-TW" dirty="0"/>
-                <a:t>Cam 4</a:t>
+                <a:t>4m</a:t>
               </a:r>
               <a:endParaRPr lang="zh-TW" altLang="en-US" dirty="0"/>
             </a:p>
@@ -4133,10 +4792,10 @@
         </p:sp>
         <p:sp>
           <p:nvSpPr>
-            <p:cNvPr id="7" name="文字方塊 6">
+            <p:cNvPr id="29" name="文字方塊 28">
               <a:extLst>
                 <a:ext uri="{FF2B5EF4-FFF2-40B4-BE49-F238E27FC236}">
-                  <a16:creationId xmlns:a16="http://schemas.microsoft.com/office/drawing/2014/main" id="{2A49969F-C1BB-44CD-903A-FC1BE547F095}"/>
+                  <a16:creationId xmlns:a16="http://schemas.microsoft.com/office/drawing/2014/main" id="{00342123-DFCB-48A6-9FFE-A6ECC949E715}"/>
                 </a:ext>
               </a:extLst>
             </p:cNvPr>
@@ -4144,282 +4803,24 @@
             <p:nvPr/>
           </p:nvSpPr>
           <p:spPr>
-            <a:xfrm>
-              <a:off x="4702710" y="5101149"/>
-              <a:ext cx="772969" cy="369332"/>
+            <a:xfrm rot="16200000">
+              <a:off x="5865167" y="580858"/>
+              <a:ext cx="461665" cy="393698"/>
             </a:xfrm>
             <a:prstGeom prst="rect">
               <a:avLst/>
             </a:prstGeom>
             <a:noFill/>
-            <a:ln w="19050">
-              <a:solidFill>
-                <a:schemeClr val="tx1"/>
-              </a:solidFill>
-              <a:prstDash val="dash"/>
-            </a:ln>
           </p:spPr>
           <p:txBody>
-            <a:bodyPr wrap="none" rtlCol="0">
+            <a:bodyPr vert="eaVert" wrap="none" rtlCol="0">
               <a:spAutoFit/>
             </a:bodyPr>
             <a:lstStyle/>
             <a:p>
               <a:r>
                 <a:rPr lang="en-US" altLang="zh-TW" dirty="0"/>
-                <a:t>Cam 5</a:t>
-              </a:r>
-              <a:endParaRPr lang="zh-TW" altLang="en-US" dirty="0"/>
-            </a:p>
-          </p:txBody>
-        </p:sp>
-        <p:sp>
-          <p:nvSpPr>
-            <p:cNvPr id="8" name="文字方塊 7">
-              <a:extLst>
-                <a:ext uri="{FF2B5EF4-FFF2-40B4-BE49-F238E27FC236}">
-                  <a16:creationId xmlns:a16="http://schemas.microsoft.com/office/drawing/2014/main" id="{2CB63C69-8CDE-4493-A986-3A9712A7E493}"/>
-                </a:ext>
-              </a:extLst>
-            </p:cNvPr>
-            <p:cNvSpPr txBox="1"/>
-            <p:nvPr/>
-          </p:nvSpPr>
-          <p:spPr>
-            <a:xfrm>
-              <a:off x="6836388" y="1378405"/>
-              <a:ext cx="772969" cy="369332"/>
-            </a:xfrm>
-            <a:prstGeom prst="rect">
-              <a:avLst/>
-            </a:prstGeom>
-            <a:noFill/>
-            <a:ln w="19050">
-              <a:solidFill>
-                <a:schemeClr val="tx1"/>
-              </a:solidFill>
-              <a:prstDash val="dash"/>
-            </a:ln>
-          </p:spPr>
-          <p:txBody>
-            <a:bodyPr wrap="none" rtlCol="0">
-              <a:spAutoFit/>
-            </a:bodyPr>
-            <a:lstStyle/>
-            <a:p>
-              <a:r>
-                <a:rPr lang="en-US" altLang="zh-TW" dirty="0"/>
-                <a:t>Cam 1</a:t>
-              </a:r>
-              <a:endParaRPr lang="zh-TW" altLang="en-US" dirty="0"/>
-            </a:p>
-          </p:txBody>
-        </p:sp>
-        <p:sp>
-          <p:nvSpPr>
-            <p:cNvPr id="9" name="文字方塊 8">
-              <a:extLst>
-                <a:ext uri="{FF2B5EF4-FFF2-40B4-BE49-F238E27FC236}">
-                  <a16:creationId xmlns:a16="http://schemas.microsoft.com/office/drawing/2014/main" id="{EFA2F1C9-CD76-482F-9B76-1CF5F88CDFF9}"/>
-                </a:ext>
-              </a:extLst>
-            </p:cNvPr>
-            <p:cNvSpPr txBox="1"/>
-            <p:nvPr/>
-          </p:nvSpPr>
-          <p:spPr>
-            <a:xfrm>
-              <a:off x="4702710" y="1369291"/>
-              <a:ext cx="772969" cy="369332"/>
-            </a:xfrm>
-            <a:prstGeom prst="rect">
-              <a:avLst/>
-            </a:prstGeom>
-            <a:noFill/>
-            <a:ln w="19050">
-              <a:solidFill>
-                <a:schemeClr val="tx1"/>
-              </a:solidFill>
-              <a:prstDash val="dash"/>
-            </a:ln>
-          </p:spPr>
-          <p:txBody>
-            <a:bodyPr wrap="none" rtlCol="0">
-              <a:spAutoFit/>
-            </a:bodyPr>
-            <a:lstStyle/>
-            <a:p>
-              <a:r>
-                <a:rPr lang="en-US" altLang="zh-TW" dirty="0"/>
-                <a:t>Cam 8</a:t>
-              </a:r>
-              <a:endParaRPr lang="zh-TW" altLang="en-US" dirty="0"/>
-            </a:p>
-          </p:txBody>
-        </p:sp>
-        <p:sp>
-          <p:nvSpPr>
-            <p:cNvPr id="10" name="文字方塊 9">
-              <a:extLst>
-                <a:ext uri="{FF2B5EF4-FFF2-40B4-BE49-F238E27FC236}">
-                  <a16:creationId xmlns:a16="http://schemas.microsoft.com/office/drawing/2014/main" id="{D20467EE-5F96-4B24-81C2-5026CD7C9FCB}"/>
-                </a:ext>
-              </a:extLst>
-            </p:cNvPr>
-            <p:cNvSpPr txBox="1"/>
-            <p:nvPr/>
-          </p:nvSpPr>
-          <p:spPr>
-            <a:xfrm rot="5400000">
-              <a:off x="8278849" y="2586124"/>
-              <a:ext cx="772969" cy="369332"/>
-            </a:xfrm>
-            <a:prstGeom prst="rect">
-              <a:avLst/>
-            </a:prstGeom>
-            <a:noFill/>
-            <a:ln w="19050">
-              <a:solidFill>
-                <a:schemeClr val="tx1"/>
-              </a:solidFill>
-              <a:prstDash val="dash"/>
-            </a:ln>
-          </p:spPr>
-          <p:txBody>
-            <a:bodyPr wrap="none" rtlCol="0">
-              <a:spAutoFit/>
-            </a:bodyPr>
-            <a:lstStyle/>
-            <a:p>
-              <a:r>
-                <a:rPr lang="en-US" altLang="zh-TW" dirty="0"/>
-                <a:t>Cam 2</a:t>
-              </a:r>
-              <a:endParaRPr lang="zh-TW" altLang="en-US" dirty="0"/>
-            </a:p>
-          </p:txBody>
-        </p:sp>
-        <p:sp>
-          <p:nvSpPr>
-            <p:cNvPr id="13" name="文字方塊 12">
-              <a:extLst>
-                <a:ext uri="{FF2B5EF4-FFF2-40B4-BE49-F238E27FC236}">
-                  <a16:creationId xmlns:a16="http://schemas.microsoft.com/office/drawing/2014/main" id="{6DC3B236-142F-4D02-BC49-F2C340B64E40}"/>
-                </a:ext>
-              </a:extLst>
-            </p:cNvPr>
-            <p:cNvSpPr txBox="1"/>
-            <p:nvPr/>
-          </p:nvSpPr>
-          <p:spPr>
-            <a:xfrm rot="5400000">
-              <a:off x="8278849" y="3902545"/>
-              <a:ext cx="772969" cy="369332"/>
-            </a:xfrm>
-            <a:prstGeom prst="rect">
-              <a:avLst/>
-            </a:prstGeom>
-            <a:noFill/>
-            <a:ln w="19050">
-              <a:solidFill>
-                <a:schemeClr val="tx1"/>
-              </a:solidFill>
-              <a:prstDash val="dash"/>
-            </a:ln>
-          </p:spPr>
-          <p:txBody>
-            <a:bodyPr wrap="none" rtlCol="0">
-              <a:spAutoFit/>
-            </a:bodyPr>
-            <a:lstStyle/>
-            <a:p>
-              <a:r>
-                <a:rPr lang="en-US" altLang="zh-TW" dirty="0"/>
-                <a:t>Cam 3</a:t>
-              </a:r>
-              <a:endParaRPr lang="zh-TW" altLang="en-US" dirty="0"/>
-            </a:p>
-          </p:txBody>
-        </p:sp>
-        <p:sp>
-          <p:nvSpPr>
-            <p:cNvPr id="20" name="文字方塊 19">
-              <a:extLst>
-                <a:ext uri="{FF2B5EF4-FFF2-40B4-BE49-F238E27FC236}">
-                  <a16:creationId xmlns:a16="http://schemas.microsoft.com/office/drawing/2014/main" id="{29AA0ED3-BAB2-47F7-BB34-63618C606553}"/>
-                </a:ext>
-              </a:extLst>
-            </p:cNvPr>
-            <p:cNvSpPr txBox="1"/>
-            <p:nvPr/>
-          </p:nvSpPr>
-          <p:spPr>
-            <a:xfrm rot="5400000">
-              <a:off x="3140183" y="2586125"/>
-              <a:ext cx="772969" cy="369332"/>
-            </a:xfrm>
-            <a:prstGeom prst="rect">
-              <a:avLst/>
-            </a:prstGeom>
-            <a:noFill/>
-            <a:ln w="19050">
-              <a:solidFill>
-                <a:schemeClr val="tx1"/>
-              </a:solidFill>
-              <a:prstDash val="dash"/>
-            </a:ln>
-          </p:spPr>
-          <p:txBody>
-            <a:bodyPr wrap="none" rtlCol="0">
-              <a:spAutoFit/>
-            </a:bodyPr>
-            <a:lstStyle/>
-            <a:p>
-              <a:r>
-                <a:rPr lang="en-US" altLang="zh-TW" dirty="0"/>
-                <a:t>Cam 7</a:t>
-              </a:r>
-              <a:endParaRPr lang="zh-TW" altLang="en-US" dirty="0"/>
-            </a:p>
-          </p:txBody>
-        </p:sp>
-        <p:sp>
-          <p:nvSpPr>
-            <p:cNvPr id="21" name="文字方塊 20">
-              <a:extLst>
-                <a:ext uri="{FF2B5EF4-FFF2-40B4-BE49-F238E27FC236}">
-                  <a16:creationId xmlns:a16="http://schemas.microsoft.com/office/drawing/2014/main" id="{B9F17BFB-52DD-499F-84DD-2AADF4E87494}"/>
-                </a:ext>
-              </a:extLst>
-            </p:cNvPr>
-            <p:cNvSpPr txBox="1"/>
-            <p:nvPr/>
-          </p:nvSpPr>
-          <p:spPr>
-            <a:xfrm rot="5400000">
-              <a:off x="3140183" y="3902546"/>
-              <a:ext cx="772969" cy="369332"/>
-            </a:xfrm>
-            <a:prstGeom prst="rect">
-              <a:avLst/>
-            </a:prstGeom>
-            <a:noFill/>
-            <a:ln w="19050">
-              <a:solidFill>
-                <a:schemeClr val="tx1"/>
-              </a:solidFill>
-              <a:prstDash val="dash"/>
-            </a:ln>
-          </p:spPr>
-          <p:txBody>
-            <a:bodyPr wrap="none" rtlCol="0">
-              <a:spAutoFit/>
-            </a:bodyPr>
-            <a:lstStyle/>
-            <a:p>
-              <a:r>
-                <a:rPr lang="en-US" altLang="zh-TW" dirty="0"/>
-                <a:t>Cam 6</a:t>
+                <a:t>6m</a:t>
               </a:r>
               <a:endParaRPr lang="zh-TW" altLang="en-US" dirty="0"/>
             </a:p>

--- a/paper figure.pptx
+++ b/paper figure.pptx
@@ -4,12 +4,16 @@
   <p:sldMasterIdLst>
     <p:sldMasterId id="2147483648" r:id="rId1"/>
   </p:sldMasterIdLst>
+  <p:notesMasterIdLst>
+    <p:notesMasterId r:id="rId8"/>
+  </p:notesMasterIdLst>
   <p:sldIdLst>
-    <p:sldId id="257" r:id="rId2"/>
-    <p:sldId id="256" r:id="rId3"/>
-    <p:sldId id="258" r:id="rId4"/>
-    <p:sldId id="259" r:id="rId5"/>
-    <p:sldId id="260" r:id="rId6"/>
+    <p:sldId id="259" r:id="rId2"/>
+    <p:sldId id="261" r:id="rId3"/>
+    <p:sldId id="257" r:id="rId4"/>
+    <p:sldId id="256" r:id="rId5"/>
+    <p:sldId id="258" r:id="rId6"/>
+    <p:sldId id="260" r:id="rId7"/>
   </p:sldIdLst>
   <p:sldSz cx="12192000" cy="6858000"/>
   <p:notesSz cx="6858000" cy="9144000"/>
@@ -113,6 +117,8 @@
       <p14:sectionLst xmlns:p14="http://schemas.microsoft.com/office/powerpoint/2010/main">
         <p14:section name="chapter3" id="{90EAC41A-C23F-4F22-96D1-238A054444AF}">
           <p14:sldIdLst>
+            <p14:sldId id="259"/>
+            <p14:sldId id="261"/>
             <p14:sldId id="257"/>
             <p14:sldId id="256"/>
           </p14:sldIdLst>
@@ -120,7 +126,6 @@
         <p14:section name="others" id="{6353EE55-A00A-45E0-97B0-6390A8D368C8}">
           <p14:sldIdLst>
             <p14:sldId id="258"/>
-            <p14:sldId id="259"/>
             <p14:sldId id="260"/>
           </p14:sldIdLst>
         </p14:section>
@@ -142,6 +147,355 @@
     </p:ext>
   </p:extLst>
 </p:presentation>
+</file>
+
+<file path=ppt/notesMasters/notesMaster1.xml><?xml version="1.0" encoding="utf-8"?>
+<p:notesMaster xmlns:a="http://schemas.openxmlformats.org/drawingml/2006/main" xmlns:r="http://schemas.openxmlformats.org/officeDocument/2006/relationships" xmlns:p="http://schemas.openxmlformats.org/presentationml/2006/main">
+  <p:cSld>
+    <p:bg>
+      <p:bgRef idx="1001">
+        <a:schemeClr val="bg1"/>
+      </p:bgRef>
+    </p:bg>
+    <p:spTree>
+      <p:nvGrpSpPr>
+        <p:cNvPr id="1" name=""/>
+        <p:cNvGrpSpPr/>
+        <p:nvPr/>
+      </p:nvGrpSpPr>
+      <p:grpSpPr>
+        <a:xfrm>
+          <a:off x="0" y="0"/>
+          <a:ext cx="0" cy="0"/>
+          <a:chOff x="0" y="0"/>
+          <a:chExt cx="0" cy="0"/>
+        </a:xfrm>
+      </p:grpSpPr>
+      <p:sp>
+        <p:nvSpPr>
+          <p:cNvPr id="2" name="頁首版面配置區 1"/>
+          <p:cNvSpPr>
+            <a:spLocks noGrp="1"/>
+          </p:cNvSpPr>
+          <p:nvPr>
+            <p:ph type="hdr" sz="quarter"/>
+          </p:nvPr>
+        </p:nvSpPr>
+        <p:spPr>
+          <a:xfrm>
+            <a:off x="0" y="0"/>
+            <a:ext cx="2971800" cy="458788"/>
+          </a:xfrm>
+          <a:prstGeom prst="rect">
+            <a:avLst/>
+          </a:prstGeom>
+        </p:spPr>
+        <p:txBody>
+          <a:bodyPr vert="horz" lIns="91440" tIns="45720" rIns="91440" bIns="45720" rtlCol="0"/>
+          <a:lstStyle>
+            <a:lvl1pPr algn="l">
+              <a:defRPr sz="1200"/>
+            </a:lvl1pPr>
+          </a:lstStyle>
+          <a:p>
+            <a:endParaRPr lang="zh-TW" altLang="en-US"/>
+          </a:p>
+        </p:txBody>
+      </p:sp>
+      <p:sp>
+        <p:nvSpPr>
+          <p:cNvPr id="3" name="日期版面配置區 2"/>
+          <p:cNvSpPr>
+            <a:spLocks noGrp="1"/>
+          </p:cNvSpPr>
+          <p:nvPr>
+            <p:ph type="dt" idx="1"/>
+          </p:nvPr>
+        </p:nvSpPr>
+        <p:spPr>
+          <a:xfrm>
+            <a:off x="3884613" y="0"/>
+            <a:ext cx="2971800" cy="458788"/>
+          </a:xfrm>
+          <a:prstGeom prst="rect">
+            <a:avLst/>
+          </a:prstGeom>
+        </p:spPr>
+        <p:txBody>
+          <a:bodyPr vert="horz" lIns="91440" tIns="45720" rIns="91440" bIns="45720" rtlCol="0"/>
+          <a:lstStyle>
+            <a:lvl1pPr algn="r">
+              <a:defRPr sz="1200"/>
+            </a:lvl1pPr>
+          </a:lstStyle>
+          <a:p>
+            <a:fld id="{8CC38BA0-9EC6-4A69-A2A0-3AE01518C071}" type="datetimeFigureOut">
+              <a:rPr lang="zh-TW" altLang="en-US" smtClean="0"/>
+              <a:t>2024/6/13</a:t>
+            </a:fld>
+            <a:endParaRPr lang="zh-TW" altLang="en-US"/>
+          </a:p>
+        </p:txBody>
+      </p:sp>
+      <p:sp>
+        <p:nvSpPr>
+          <p:cNvPr id="4" name="投影片影像版面配置區 3"/>
+          <p:cNvSpPr>
+            <a:spLocks noGrp="1" noRot="1" noChangeAspect="1"/>
+          </p:cNvSpPr>
+          <p:nvPr>
+            <p:ph type="sldImg" idx="2"/>
+          </p:nvPr>
+        </p:nvSpPr>
+        <p:spPr>
+          <a:xfrm>
+            <a:off x="685800" y="1143000"/>
+            <a:ext cx="5486400" cy="3086100"/>
+          </a:xfrm>
+          <a:prstGeom prst="rect">
+            <a:avLst/>
+          </a:prstGeom>
+          <a:noFill/>
+          <a:ln w="12700">
+            <a:solidFill>
+              <a:prstClr val="black"/>
+            </a:solidFill>
+          </a:ln>
+        </p:spPr>
+        <p:txBody>
+          <a:bodyPr vert="horz" lIns="91440" tIns="45720" rIns="91440" bIns="45720" rtlCol="0" anchor="ctr"/>
+          <a:lstStyle/>
+          <a:p>
+            <a:endParaRPr lang="zh-TW" altLang="en-US"/>
+          </a:p>
+        </p:txBody>
+      </p:sp>
+      <p:sp>
+        <p:nvSpPr>
+          <p:cNvPr id="5" name="備忘稿版面配置區 4"/>
+          <p:cNvSpPr>
+            <a:spLocks noGrp="1"/>
+          </p:cNvSpPr>
+          <p:nvPr>
+            <p:ph type="body" sz="quarter" idx="3"/>
+          </p:nvPr>
+        </p:nvSpPr>
+        <p:spPr>
+          <a:xfrm>
+            <a:off x="685800" y="4400550"/>
+            <a:ext cx="5486400" cy="3600450"/>
+          </a:xfrm>
+          <a:prstGeom prst="rect">
+            <a:avLst/>
+          </a:prstGeom>
+        </p:spPr>
+        <p:txBody>
+          <a:bodyPr vert="horz" lIns="91440" tIns="45720" rIns="91440" bIns="45720" rtlCol="0"/>
+          <a:lstStyle/>
+          <a:p>
+            <a:pPr lvl="0"/>
+            <a:r>
+              <a:rPr lang="zh-TW" altLang="en-US"/>
+              <a:t>編輯母片文字樣式</a:t>
+            </a:r>
+          </a:p>
+          <a:p>
+            <a:pPr lvl="1"/>
+            <a:r>
+              <a:rPr lang="zh-TW" altLang="en-US"/>
+              <a:t>第二層</a:t>
+            </a:r>
+          </a:p>
+          <a:p>
+            <a:pPr lvl="2"/>
+            <a:r>
+              <a:rPr lang="zh-TW" altLang="en-US"/>
+              <a:t>第三層</a:t>
+            </a:r>
+          </a:p>
+          <a:p>
+            <a:pPr lvl="3"/>
+            <a:r>
+              <a:rPr lang="zh-TW" altLang="en-US"/>
+              <a:t>第四層</a:t>
+            </a:r>
+          </a:p>
+          <a:p>
+            <a:pPr lvl="4"/>
+            <a:r>
+              <a:rPr lang="zh-TW" altLang="en-US"/>
+              <a:t>第五層</a:t>
+            </a:r>
+          </a:p>
+        </p:txBody>
+      </p:sp>
+      <p:sp>
+        <p:nvSpPr>
+          <p:cNvPr id="6" name="頁尾版面配置區 5"/>
+          <p:cNvSpPr>
+            <a:spLocks noGrp="1"/>
+          </p:cNvSpPr>
+          <p:nvPr>
+            <p:ph type="ftr" sz="quarter" idx="4"/>
+          </p:nvPr>
+        </p:nvSpPr>
+        <p:spPr>
+          <a:xfrm>
+            <a:off x="0" y="8685213"/>
+            <a:ext cx="2971800" cy="458787"/>
+          </a:xfrm>
+          <a:prstGeom prst="rect">
+            <a:avLst/>
+          </a:prstGeom>
+        </p:spPr>
+        <p:txBody>
+          <a:bodyPr vert="horz" lIns="91440" tIns="45720" rIns="91440" bIns="45720" rtlCol="0" anchor="b"/>
+          <a:lstStyle>
+            <a:lvl1pPr algn="l">
+              <a:defRPr sz="1200"/>
+            </a:lvl1pPr>
+          </a:lstStyle>
+          <a:p>
+            <a:endParaRPr lang="zh-TW" altLang="en-US"/>
+          </a:p>
+        </p:txBody>
+      </p:sp>
+      <p:sp>
+        <p:nvSpPr>
+          <p:cNvPr id="7" name="投影片編號版面配置區 6"/>
+          <p:cNvSpPr>
+            <a:spLocks noGrp="1"/>
+          </p:cNvSpPr>
+          <p:nvPr>
+            <p:ph type="sldNum" sz="quarter" idx="5"/>
+          </p:nvPr>
+        </p:nvSpPr>
+        <p:spPr>
+          <a:xfrm>
+            <a:off x="3884613" y="8685213"/>
+            <a:ext cx="2971800" cy="458787"/>
+          </a:xfrm>
+          <a:prstGeom prst="rect">
+            <a:avLst/>
+          </a:prstGeom>
+        </p:spPr>
+        <p:txBody>
+          <a:bodyPr vert="horz" lIns="91440" tIns="45720" rIns="91440" bIns="45720" rtlCol="0" anchor="b"/>
+          <a:lstStyle>
+            <a:lvl1pPr algn="r">
+              <a:defRPr sz="1200"/>
+            </a:lvl1pPr>
+          </a:lstStyle>
+          <a:p>
+            <a:fld id="{C6B5E9BB-084C-4476-97EA-9B1EC3F951E5}" type="slidenum">
+              <a:rPr lang="zh-TW" altLang="en-US" smtClean="0"/>
+              <a:t>‹#›</a:t>
+            </a:fld>
+            <a:endParaRPr lang="zh-TW" altLang="en-US"/>
+          </a:p>
+        </p:txBody>
+      </p:sp>
+    </p:spTree>
+    <p:extLst>
+      <p:ext uri="{BB962C8B-B14F-4D97-AF65-F5344CB8AC3E}">
+        <p14:creationId xmlns:p14="http://schemas.microsoft.com/office/powerpoint/2010/main" val="4058946196"/>
+      </p:ext>
+    </p:extLst>
+  </p:cSld>
+  <p:clrMap bg1="lt1" tx1="dk1" bg2="lt2" tx2="dk2" accent1="accent1" accent2="accent2" accent3="accent3" accent4="accent4" accent5="accent5" accent6="accent6" hlink="hlink" folHlink="folHlink"/>
+  <p:notesStyle>
+    <a:lvl1pPr marL="0" algn="l" defTabSz="914400" rtl="0" eaLnBrk="1" latinLnBrk="0" hangingPunct="1">
+      <a:defRPr sz="1200" kern="1200">
+        <a:solidFill>
+          <a:schemeClr val="tx1"/>
+        </a:solidFill>
+        <a:latin typeface="+mn-lt"/>
+        <a:ea typeface="+mn-ea"/>
+        <a:cs typeface="+mn-cs"/>
+      </a:defRPr>
+    </a:lvl1pPr>
+    <a:lvl2pPr marL="457200" algn="l" defTabSz="914400" rtl="0" eaLnBrk="1" latinLnBrk="0" hangingPunct="1">
+      <a:defRPr sz="1200" kern="1200">
+        <a:solidFill>
+          <a:schemeClr val="tx1"/>
+        </a:solidFill>
+        <a:latin typeface="+mn-lt"/>
+        <a:ea typeface="+mn-ea"/>
+        <a:cs typeface="+mn-cs"/>
+      </a:defRPr>
+    </a:lvl2pPr>
+    <a:lvl3pPr marL="914400" algn="l" defTabSz="914400" rtl="0" eaLnBrk="1" latinLnBrk="0" hangingPunct="1">
+      <a:defRPr sz="1200" kern="1200">
+        <a:solidFill>
+          <a:schemeClr val="tx1"/>
+        </a:solidFill>
+        <a:latin typeface="+mn-lt"/>
+        <a:ea typeface="+mn-ea"/>
+        <a:cs typeface="+mn-cs"/>
+      </a:defRPr>
+    </a:lvl3pPr>
+    <a:lvl4pPr marL="1371600" algn="l" defTabSz="914400" rtl="0" eaLnBrk="1" latinLnBrk="0" hangingPunct="1">
+      <a:defRPr sz="1200" kern="1200">
+        <a:solidFill>
+          <a:schemeClr val="tx1"/>
+        </a:solidFill>
+        <a:latin typeface="+mn-lt"/>
+        <a:ea typeface="+mn-ea"/>
+        <a:cs typeface="+mn-cs"/>
+      </a:defRPr>
+    </a:lvl4pPr>
+    <a:lvl5pPr marL="1828800" algn="l" defTabSz="914400" rtl="0" eaLnBrk="1" latinLnBrk="0" hangingPunct="1">
+      <a:defRPr sz="1200" kern="1200">
+        <a:solidFill>
+          <a:schemeClr val="tx1"/>
+        </a:solidFill>
+        <a:latin typeface="+mn-lt"/>
+        <a:ea typeface="+mn-ea"/>
+        <a:cs typeface="+mn-cs"/>
+      </a:defRPr>
+    </a:lvl5pPr>
+    <a:lvl6pPr marL="2286000" algn="l" defTabSz="914400" rtl="0" eaLnBrk="1" latinLnBrk="0" hangingPunct="1">
+      <a:defRPr sz="1200" kern="1200">
+        <a:solidFill>
+          <a:schemeClr val="tx1"/>
+        </a:solidFill>
+        <a:latin typeface="+mn-lt"/>
+        <a:ea typeface="+mn-ea"/>
+        <a:cs typeface="+mn-cs"/>
+      </a:defRPr>
+    </a:lvl6pPr>
+    <a:lvl7pPr marL="2743200" algn="l" defTabSz="914400" rtl="0" eaLnBrk="1" latinLnBrk="0" hangingPunct="1">
+      <a:defRPr sz="1200" kern="1200">
+        <a:solidFill>
+          <a:schemeClr val="tx1"/>
+        </a:solidFill>
+        <a:latin typeface="+mn-lt"/>
+        <a:ea typeface="+mn-ea"/>
+        <a:cs typeface="+mn-cs"/>
+      </a:defRPr>
+    </a:lvl7pPr>
+    <a:lvl8pPr marL="3200400" algn="l" defTabSz="914400" rtl="0" eaLnBrk="1" latinLnBrk="0" hangingPunct="1">
+      <a:defRPr sz="1200" kern="1200">
+        <a:solidFill>
+          <a:schemeClr val="tx1"/>
+        </a:solidFill>
+        <a:latin typeface="+mn-lt"/>
+        <a:ea typeface="+mn-ea"/>
+        <a:cs typeface="+mn-cs"/>
+      </a:defRPr>
+    </a:lvl8pPr>
+    <a:lvl9pPr marL="3657600" algn="l" defTabSz="914400" rtl="0" eaLnBrk="1" latinLnBrk="0" hangingPunct="1">
+      <a:defRPr sz="1200" kern="1200">
+        <a:solidFill>
+          <a:schemeClr val="tx1"/>
+        </a:solidFill>
+        <a:latin typeface="+mn-lt"/>
+        <a:ea typeface="+mn-ea"/>
+        <a:cs typeface="+mn-cs"/>
+      </a:defRPr>
+    </a:lvl9pPr>
+  </p:notesStyle>
+</p:notesMaster>
 </file>
 
 <file path=ppt/slideLayouts/slideLayout1.xml><?xml version="1.0" encoding="utf-8"?>
@@ -182,6 +536,9 @@
             <a:off x="1524000" y="1122363"/>
             <a:ext cx="9144000" cy="2387600"/>
           </a:xfrm>
+          <a:prstGeom prst="rect">
+            <a:avLst/>
+          </a:prstGeom>
         </p:spPr>
         <p:txBody>
           <a:bodyPr anchor="b"/>
@@ -219,6 +576,9 @@
             <a:off x="1524000" y="3602038"/>
             <a:ext cx="9144000" cy="1655762"/>
           </a:xfrm>
+          <a:prstGeom prst="rect">
+            <a:avLst/>
+          </a:prstGeom>
         </p:spPr>
         <p:txBody>
           <a:bodyPr/>
@@ -291,7 +651,7 @@
           <a:p>
             <a:fld id="{57BB4548-A917-4321-B6F0-C21F28AC35DC}" type="datetimeFigureOut">
               <a:rPr lang="zh-TW" altLang="en-US" smtClean="0"/>
-              <a:t>2024/6/7</a:t>
+              <a:t>2024/6/13</a:t>
             </a:fld>
             <a:endParaRPr lang="zh-TW" altLang="en-US"/>
           </a:p>
@@ -397,7 +757,15 @@
             <p:ph type="title"/>
           </p:nvPr>
         </p:nvSpPr>
-        <p:spPr/>
+        <p:spPr>
+          <a:xfrm>
+            <a:off x="838200" y="365125"/>
+            <a:ext cx="10515600" cy="1325563"/>
+          </a:xfrm>
+          <a:prstGeom prst="rect">
+            <a:avLst/>
+          </a:prstGeom>
+        </p:spPr>
         <p:txBody>
           <a:bodyPr/>
           <a:lstStyle/>
@@ -425,7 +793,15 @@
             <p:ph type="body" orient="vert" idx="1"/>
           </p:nvPr>
         </p:nvSpPr>
-        <p:spPr/>
+        <p:spPr>
+          <a:xfrm>
+            <a:off x="838200" y="1825625"/>
+            <a:ext cx="10515600" cy="4351338"/>
+          </a:xfrm>
+          <a:prstGeom prst="rect">
+            <a:avLst/>
+          </a:prstGeom>
+        </p:spPr>
         <p:txBody>
           <a:bodyPr vert="eaVert"/>
           <a:lstStyle/>
@@ -489,7 +865,7 @@
           <a:p>
             <a:fld id="{57BB4548-A917-4321-B6F0-C21F28AC35DC}" type="datetimeFigureOut">
               <a:rPr lang="zh-TW" altLang="en-US" smtClean="0"/>
-              <a:t>2024/6/7</a:t>
+              <a:t>2024/6/13</a:t>
             </a:fld>
             <a:endParaRPr lang="zh-TW" altLang="en-US"/>
           </a:p>
@@ -600,6 +976,9 @@
             <a:off x="8724900" y="365125"/>
             <a:ext cx="2628900" cy="5811838"/>
           </a:xfrm>
+          <a:prstGeom prst="rect">
+            <a:avLst/>
+          </a:prstGeom>
         </p:spPr>
         <p:txBody>
           <a:bodyPr vert="eaVert"/>
@@ -633,6 +1012,9 @@
             <a:off x="838200" y="365125"/>
             <a:ext cx="7734300" cy="5811838"/>
           </a:xfrm>
+          <a:prstGeom prst="rect">
+            <a:avLst/>
+          </a:prstGeom>
         </p:spPr>
         <p:txBody>
           <a:bodyPr vert="eaVert"/>
@@ -697,7 +1079,7 @@
           <a:p>
             <a:fld id="{57BB4548-A917-4321-B6F0-C21F28AC35DC}" type="datetimeFigureOut">
               <a:rPr lang="zh-TW" altLang="en-US" smtClean="0"/>
-              <a:t>2024/6/7</a:t>
+              <a:t>2024/6/13</a:t>
             </a:fld>
             <a:endParaRPr lang="zh-TW" altLang="en-US"/>
           </a:p>
@@ -771,7 +1153,7 @@
 </file>
 
 <file path=ppt/slideLayouts/slideLayout2.xml><?xml version="1.0" encoding="utf-8"?>
-<p:sldLayout xmlns:a="http://schemas.openxmlformats.org/drawingml/2006/main" xmlns:r="http://schemas.openxmlformats.org/officeDocument/2006/relationships" xmlns:p="http://schemas.openxmlformats.org/presentationml/2006/main" type="obj" preserve="1">
+<p:sldLayout xmlns:a="http://schemas.openxmlformats.org/drawingml/2006/main" xmlns:r="http://schemas.openxmlformats.org/officeDocument/2006/relationships" xmlns:p="http://schemas.openxmlformats.org/presentationml/2006/main" preserve="1" userDrawn="1">
   <p:cSld name="標題及內容">
     <p:spTree>
       <p:nvGrpSpPr>
@@ -787,91 +1169,6 @@
           <a:chExt cx="0" cy="0"/>
         </a:xfrm>
       </p:grpSpPr>
-      <p:sp>
-        <p:nvSpPr>
-          <p:cNvPr id="2" name="標題 1">
-            <a:extLst>
-              <a:ext uri="{FF2B5EF4-FFF2-40B4-BE49-F238E27FC236}">
-                <a16:creationId xmlns:a16="http://schemas.microsoft.com/office/drawing/2014/main" id="{5B9FB00F-ABA9-4149-92EF-9C9F6690073E}"/>
-              </a:ext>
-            </a:extLst>
-          </p:cNvPr>
-          <p:cNvSpPr>
-            <a:spLocks noGrp="1"/>
-          </p:cNvSpPr>
-          <p:nvPr>
-            <p:ph type="title"/>
-          </p:nvPr>
-        </p:nvSpPr>
-        <p:spPr/>
-        <p:txBody>
-          <a:bodyPr/>
-          <a:lstStyle/>
-          <a:p>
-            <a:r>
-              <a:rPr lang="zh-TW" altLang="en-US"/>
-              <a:t>按一下以編輯母片標題樣式</a:t>
-            </a:r>
-          </a:p>
-        </p:txBody>
-      </p:sp>
-      <p:sp>
-        <p:nvSpPr>
-          <p:cNvPr id="3" name="內容版面配置區 2">
-            <a:extLst>
-              <a:ext uri="{FF2B5EF4-FFF2-40B4-BE49-F238E27FC236}">
-                <a16:creationId xmlns:a16="http://schemas.microsoft.com/office/drawing/2014/main" id="{45AA4B16-1110-45A5-AE3D-2D489AE07706}"/>
-              </a:ext>
-            </a:extLst>
-          </p:cNvPr>
-          <p:cNvSpPr>
-            <a:spLocks noGrp="1"/>
-          </p:cNvSpPr>
-          <p:nvPr>
-            <p:ph idx="1"/>
-          </p:nvPr>
-        </p:nvSpPr>
-        <p:spPr/>
-        <p:txBody>
-          <a:bodyPr/>
-          <a:lstStyle/>
-          <a:p>
-            <a:pPr lvl="0"/>
-            <a:r>
-              <a:rPr lang="zh-TW" altLang="en-US"/>
-              <a:t>編輯母片文字樣式</a:t>
-            </a:r>
-          </a:p>
-          <a:p>
-            <a:pPr lvl="1"/>
-            <a:r>
-              <a:rPr lang="zh-TW" altLang="en-US"/>
-              <a:t>第二層</a:t>
-            </a:r>
-          </a:p>
-          <a:p>
-            <a:pPr lvl="2"/>
-            <a:r>
-              <a:rPr lang="zh-TW" altLang="en-US"/>
-              <a:t>第三層</a:t>
-            </a:r>
-          </a:p>
-          <a:p>
-            <a:pPr lvl="3"/>
-            <a:r>
-              <a:rPr lang="zh-TW" altLang="en-US"/>
-              <a:t>第四層</a:t>
-            </a:r>
-          </a:p>
-          <a:p>
-            <a:pPr lvl="4"/>
-            <a:r>
-              <a:rPr lang="zh-TW" altLang="en-US"/>
-              <a:t>第五層</a:t>
-            </a:r>
-          </a:p>
-        </p:txBody>
-      </p:sp>
       <p:sp>
         <p:nvSpPr>
           <p:cNvPr id="4" name="日期版面配置區 3">
@@ -895,7 +1192,7 @@
           <a:p>
             <a:fld id="{57BB4548-A917-4321-B6F0-C21F28AC35DC}" type="datetimeFigureOut">
               <a:rPr lang="zh-TW" altLang="en-US" smtClean="0"/>
-              <a:t>2024/6/7</a:t>
+              <a:t>2024/6/13</a:t>
             </a:fld>
             <a:endParaRPr lang="zh-TW" altLang="en-US"/>
           </a:p>
@@ -1006,6 +1303,9 @@
             <a:off x="831850" y="1709738"/>
             <a:ext cx="10515600" cy="2852737"/>
           </a:xfrm>
+          <a:prstGeom prst="rect">
+            <a:avLst/>
+          </a:prstGeom>
         </p:spPr>
         <p:txBody>
           <a:bodyPr anchor="b"/>
@@ -1043,6 +1343,9 @@
             <a:off x="831850" y="4589463"/>
             <a:ext cx="10515600" cy="1500187"/>
           </a:xfrm>
+          <a:prstGeom prst="rect">
+            <a:avLst/>
+          </a:prstGeom>
         </p:spPr>
         <p:txBody>
           <a:bodyPr/>
@@ -1170,7 +1473,7 @@
           <a:p>
             <a:fld id="{57BB4548-A917-4321-B6F0-C21F28AC35DC}" type="datetimeFigureOut">
               <a:rPr lang="zh-TW" altLang="en-US" smtClean="0"/>
-              <a:t>2024/6/7</a:t>
+              <a:t>2024/6/13</a:t>
             </a:fld>
             <a:endParaRPr lang="zh-TW" altLang="en-US"/>
           </a:p>
@@ -1276,7 +1579,15 @@
             <p:ph type="title"/>
           </p:nvPr>
         </p:nvSpPr>
-        <p:spPr/>
+        <p:spPr>
+          <a:xfrm>
+            <a:off x="838200" y="365125"/>
+            <a:ext cx="10515600" cy="1325563"/>
+          </a:xfrm>
+          <a:prstGeom prst="rect">
+            <a:avLst/>
+          </a:prstGeom>
+        </p:spPr>
         <p:txBody>
           <a:bodyPr/>
           <a:lstStyle/>
@@ -1309,6 +1620,9 @@
             <a:off x="838200" y="1825625"/>
             <a:ext cx="5181600" cy="4351338"/>
           </a:xfrm>
+          <a:prstGeom prst="rect">
+            <a:avLst/>
+          </a:prstGeom>
         </p:spPr>
         <p:txBody>
           <a:bodyPr/>
@@ -1371,6 +1685,9 @@
             <a:off x="6172200" y="1825625"/>
             <a:ext cx="5181600" cy="4351338"/>
           </a:xfrm>
+          <a:prstGeom prst="rect">
+            <a:avLst/>
+          </a:prstGeom>
         </p:spPr>
         <p:txBody>
           <a:bodyPr/>
@@ -1435,7 +1752,7 @@
           <a:p>
             <a:fld id="{57BB4548-A917-4321-B6F0-C21F28AC35DC}" type="datetimeFigureOut">
               <a:rPr lang="zh-TW" altLang="en-US" smtClean="0"/>
-              <a:t>2024/6/7</a:t>
+              <a:t>2024/6/13</a:t>
             </a:fld>
             <a:endParaRPr lang="zh-TW" altLang="en-US"/>
           </a:p>
@@ -1546,6 +1863,9 @@
             <a:off x="839788" y="365125"/>
             <a:ext cx="10515600" cy="1325563"/>
           </a:xfrm>
+          <a:prstGeom prst="rect">
+            <a:avLst/>
+          </a:prstGeom>
         </p:spPr>
         <p:txBody>
           <a:bodyPr/>
@@ -1579,6 +1899,9 @@
             <a:off x="839788" y="1681163"/>
             <a:ext cx="5157787" cy="823912"/>
           </a:xfrm>
+          <a:prstGeom prst="rect">
+            <a:avLst/>
+          </a:prstGeom>
         </p:spPr>
         <p:txBody>
           <a:bodyPr anchor="b"/>
@@ -1650,6 +1973,9 @@
             <a:off x="839788" y="2505075"/>
             <a:ext cx="5157787" cy="3684588"/>
           </a:xfrm>
+          <a:prstGeom prst="rect">
+            <a:avLst/>
+          </a:prstGeom>
         </p:spPr>
         <p:txBody>
           <a:bodyPr/>
@@ -1712,6 +2038,9 @@
             <a:off x="6172200" y="1681163"/>
             <a:ext cx="5183188" cy="823912"/>
           </a:xfrm>
+          <a:prstGeom prst="rect">
+            <a:avLst/>
+          </a:prstGeom>
         </p:spPr>
         <p:txBody>
           <a:bodyPr anchor="b"/>
@@ -1783,6 +2112,9 @@
             <a:off x="6172200" y="2505075"/>
             <a:ext cx="5183188" cy="3684588"/>
           </a:xfrm>
+          <a:prstGeom prst="rect">
+            <a:avLst/>
+          </a:prstGeom>
         </p:spPr>
         <p:txBody>
           <a:bodyPr/>
@@ -1847,7 +2179,7 @@
           <a:p>
             <a:fld id="{57BB4548-A917-4321-B6F0-C21F28AC35DC}" type="datetimeFigureOut">
               <a:rPr lang="zh-TW" altLang="en-US" smtClean="0"/>
-              <a:t>2024/6/7</a:t>
+              <a:t>2024/6/13</a:t>
             </a:fld>
             <a:endParaRPr lang="zh-TW" altLang="en-US"/>
           </a:p>
@@ -1953,7 +2285,15 @@
             <p:ph type="title"/>
           </p:nvPr>
         </p:nvSpPr>
-        <p:spPr/>
+        <p:spPr>
+          <a:xfrm>
+            <a:off x="838200" y="365125"/>
+            <a:ext cx="10515600" cy="1325563"/>
+          </a:xfrm>
+          <a:prstGeom prst="rect">
+            <a:avLst/>
+          </a:prstGeom>
+        </p:spPr>
         <p:txBody>
           <a:bodyPr/>
           <a:lstStyle/>
@@ -1988,7 +2328,7 @@
           <a:p>
             <a:fld id="{57BB4548-A917-4321-B6F0-C21F28AC35DC}" type="datetimeFigureOut">
               <a:rPr lang="zh-TW" altLang="en-US" smtClean="0"/>
-              <a:t>2024/6/7</a:t>
+              <a:t>2024/6/13</a:t>
             </a:fld>
             <a:endParaRPr lang="zh-TW" altLang="en-US"/>
           </a:p>
@@ -2101,7 +2441,7 @@
           <a:p>
             <a:fld id="{57BB4548-A917-4321-B6F0-C21F28AC35DC}" type="datetimeFigureOut">
               <a:rPr lang="zh-TW" altLang="en-US" smtClean="0"/>
-              <a:t>2024/6/7</a:t>
+              <a:t>2024/6/13</a:t>
             </a:fld>
             <a:endParaRPr lang="zh-TW" altLang="en-US"/>
           </a:p>
@@ -2212,6 +2552,9 @@
             <a:off x="839788" y="457200"/>
             <a:ext cx="3932237" cy="1600200"/>
           </a:xfrm>
+          <a:prstGeom prst="rect">
+            <a:avLst/>
+          </a:prstGeom>
         </p:spPr>
         <p:txBody>
           <a:bodyPr anchor="b"/>
@@ -2249,6 +2592,9 @@
             <a:off x="5183188" y="987425"/>
             <a:ext cx="6172200" cy="4873625"/>
           </a:xfrm>
+          <a:prstGeom prst="rect">
+            <a:avLst/>
+          </a:prstGeom>
         </p:spPr>
         <p:txBody>
           <a:bodyPr/>
@@ -2339,6 +2685,9 @@
             <a:off x="839788" y="2057400"/>
             <a:ext cx="3932237" cy="3811588"/>
           </a:xfrm>
+          <a:prstGeom prst="rect">
+            <a:avLst/>
+          </a:prstGeom>
         </p:spPr>
         <p:txBody>
           <a:bodyPr/>
@@ -2412,7 +2761,7 @@
           <a:p>
             <a:fld id="{57BB4548-A917-4321-B6F0-C21F28AC35DC}" type="datetimeFigureOut">
               <a:rPr lang="zh-TW" altLang="en-US" smtClean="0"/>
-              <a:t>2024/6/7</a:t>
+              <a:t>2024/6/13</a:t>
             </a:fld>
             <a:endParaRPr lang="zh-TW" altLang="en-US"/>
           </a:p>
@@ -2523,6 +2872,9 @@
             <a:off x="839788" y="457200"/>
             <a:ext cx="3932237" cy="1600200"/>
           </a:xfrm>
+          <a:prstGeom prst="rect">
+            <a:avLst/>
+          </a:prstGeom>
         </p:spPr>
         <p:txBody>
           <a:bodyPr anchor="b"/>
@@ -2560,6 +2912,9 @@
             <a:off x="5183188" y="987425"/>
             <a:ext cx="6172200" cy="4873625"/>
           </a:xfrm>
+          <a:prstGeom prst="rect">
+            <a:avLst/>
+          </a:prstGeom>
         </p:spPr>
         <p:txBody>
           <a:bodyPr/>
@@ -2627,6 +2982,9 @@
             <a:off x="839788" y="2057400"/>
             <a:ext cx="3932237" cy="3811588"/>
           </a:xfrm>
+          <a:prstGeom prst="rect">
+            <a:avLst/>
+          </a:prstGeom>
         </p:spPr>
         <p:txBody>
           <a:bodyPr/>
@@ -2700,7 +3058,7 @@
           <a:p>
             <a:fld id="{57BB4548-A917-4321-B6F0-C21F28AC35DC}" type="datetimeFigureOut">
               <a:rPr lang="zh-TW" altLang="en-US" smtClean="0"/>
-              <a:t>2024/6/7</a:t>
+              <a:t>2024/6/13</a:t>
             </a:fld>
             <a:endParaRPr lang="zh-TW" altLang="en-US"/>
           </a:p>
@@ -2941,7 +3299,7 @@
           <a:p>
             <a:fld id="{57BB4548-A917-4321-B6F0-C21F28AC35DC}" type="datetimeFigureOut">
               <a:rPr lang="zh-TW" altLang="en-US" smtClean="0"/>
-              <a:t>2024/6/7</a:t>
+              <a:t>2024/6/13</a:t>
             </a:fld>
             <a:endParaRPr lang="zh-TW" altLang="en-US"/>
           </a:p>
@@ -3358,6 +3716,2743 @@
           <a:chExt cx="0" cy="0"/>
         </a:xfrm>
       </p:grpSpPr>
+      <p:grpSp>
+        <p:nvGrpSpPr>
+          <p:cNvPr id="42" name="群組 41">
+            <a:extLst>
+              <a:ext uri="{FF2B5EF4-FFF2-40B4-BE49-F238E27FC236}">
+                <a16:creationId xmlns:a16="http://schemas.microsoft.com/office/drawing/2014/main" id="{DC0192A0-32C7-4188-A208-909C325008E9}"/>
+              </a:ext>
+            </a:extLst>
+          </p:cNvPr>
+          <p:cNvGrpSpPr/>
+          <p:nvPr/>
+        </p:nvGrpSpPr>
+        <p:grpSpPr>
+          <a:xfrm>
+            <a:off x="587366" y="410287"/>
+            <a:ext cx="10409606" cy="5953927"/>
+            <a:chOff x="587366" y="410287"/>
+            <a:chExt cx="10409606" cy="5953927"/>
+          </a:xfrm>
+        </p:grpSpPr>
+        <p:pic>
+          <p:nvPicPr>
+            <p:cNvPr id="5" name="圖形 4">
+              <a:extLst>
+                <a:ext uri="{FF2B5EF4-FFF2-40B4-BE49-F238E27FC236}">
+                  <a16:creationId xmlns:a16="http://schemas.microsoft.com/office/drawing/2014/main" id="{FC1CFFE7-7FEA-44AB-8477-B23C978734ED}"/>
+                </a:ext>
+              </a:extLst>
+            </p:cNvPr>
+            <p:cNvPicPr>
+              <a:picLocks noChangeAspect="1"/>
+            </p:cNvPicPr>
+            <p:nvPr/>
+          </p:nvPicPr>
+          <p:blipFill>
+            <a:blip r:embed="rId2">
+              <a:extLst>
+                <a:ext uri="{28A0092B-C50C-407E-A947-70E740481C1C}">
+                  <a14:useLocalDpi xmlns:a14="http://schemas.microsoft.com/office/drawing/2010/main" val="0"/>
+                </a:ext>
+                <a:ext uri="{96DAC541-7B7A-43D3-8B79-37D633B846F1}">
+                  <asvg:svgBlip xmlns:asvg="http://schemas.microsoft.com/office/drawing/2016/SVG/main" r:embed="rId3"/>
+                </a:ext>
+              </a:extLst>
+            </a:blip>
+            <a:stretch>
+              <a:fillRect/>
+            </a:stretch>
+          </p:blipFill>
+          <p:spPr>
+            <a:xfrm>
+              <a:off x="919882" y="734279"/>
+              <a:ext cx="2922445" cy="5389443"/>
+            </a:xfrm>
+            <a:prstGeom prst="rect">
+              <a:avLst/>
+            </a:prstGeom>
+          </p:spPr>
+        </p:pic>
+        <p:sp>
+          <p:nvSpPr>
+            <p:cNvPr id="7" name="文字方塊 6">
+              <a:extLst>
+                <a:ext uri="{FF2B5EF4-FFF2-40B4-BE49-F238E27FC236}">
+                  <a16:creationId xmlns:a16="http://schemas.microsoft.com/office/drawing/2014/main" id="{CE37A9EF-DDC1-4D94-BCBC-7A1D0A867243}"/>
+                </a:ext>
+              </a:extLst>
+            </p:cNvPr>
+            <p:cNvSpPr txBox="1"/>
+            <p:nvPr/>
+          </p:nvSpPr>
+          <p:spPr>
+            <a:xfrm>
+              <a:off x="5100381" y="982176"/>
+              <a:ext cx="2923200" cy="4893647"/>
+            </a:xfrm>
+            <a:prstGeom prst="rect">
+              <a:avLst/>
+            </a:prstGeom>
+            <a:noFill/>
+          </p:spPr>
+          <p:txBody>
+            <a:bodyPr wrap="square" rtlCol="0" anchor="ctr">
+              <a:spAutoFit/>
+            </a:bodyPr>
+            <a:lstStyle/>
+            <a:p>
+              <a:r>
+                <a:rPr lang="en-US" altLang="zh-TW" sz="2400" dirty="0">
+                  <a:solidFill>
+                    <a:schemeClr val="accent2">
+                      <a:lumMod val="75000"/>
+                    </a:schemeClr>
+                  </a:solidFill>
+                </a:rPr>
+                <a:t>1.</a:t>
+              </a:r>
+              <a:r>
+                <a:rPr lang="en-US" altLang="zh-TW" sz="2400" dirty="0"/>
+                <a:t>   Nose</a:t>
+              </a:r>
+            </a:p>
+            <a:p>
+              <a:r>
+                <a:rPr lang="en-US" altLang="zh-TW" sz="2400" dirty="0">
+                  <a:solidFill>
+                    <a:schemeClr val="accent2">
+                      <a:lumMod val="75000"/>
+                    </a:schemeClr>
+                  </a:solidFill>
+                </a:rPr>
+                <a:t>2.</a:t>
+              </a:r>
+              <a:r>
+                <a:rPr lang="zh-TW" altLang="en-US" sz="2400" dirty="0"/>
+                <a:t>   </a:t>
+              </a:r>
+              <a:r>
+                <a:rPr lang="en-US" altLang="zh-TW" sz="2400" dirty="0"/>
+                <a:t>Left Eye</a:t>
+              </a:r>
+            </a:p>
+            <a:p>
+              <a:r>
+                <a:rPr lang="en-US" altLang="zh-TW" sz="2400" dirty="0">
+                  <a:solidFill>
+                    <a:schemeClr val="accent2">
+                      <a:lumMod val="75000"/>
+                    </a:schemeClr>
+                  </a:solidFill>
+                </a:rPr>
+                <a:t>3.</a:t>
+              </a:r>
+              <a:r>
+                <a:rPr lang="zh-TW" altLang="en-US" sz="2400" dirty="0"/>
+                <a:t>   </a:t>
+              </a:r>
+              <a:r>
+                <a:rPr lang="en-US" altLang="zh-TW" sz="2400" dirty="0"/>
+                <a:t>Right Eye</a:t>
+              </a:r>
+            </a:p>
+            <a:p>
+              <a:r>
+                <a:rPr lang="en-US" altLang="zh-TW" sz="2400" dirty="0">
+                  <a:solidFill>
+                    <a:schemeClr val="accent2">
+                      <a:lumMod val="75000"/>
+                    </a:schemeClr>
+                  </a:solidFill>
+                </a:rPr>
+                <a:t>4.</a:t>
+              </a:r>
+              <a:r>
+                <a:rPr lang="zh-TW" altLang="en-US" sz="2400" dirty="0"/>
+                <a:t>   </a:t>
+              </a:r>
+              <a:r>
+                <a:rPr lang="en-US" altLang="zh-TW" sz="2400" dirty="0"/>
+                <a:t>Left Ear</a:t>
+              </a:r>
+            </a:p>
+            <a:p>
+              <a:r>
+                <a:rPr lang="en-US" altLang="zh-TW" sz="2400" dirty="0">
+                  <a:solidFill>
+                    <a:schemeClr val="accent2">
+                      <a:lumMod val="75000"/>
+                    </a:schemeClr>
+                  </a:solidFill>
+                </a:rPr>
+                <a:t>5.</a:t>
+              </a:r>
+              <a:r>
+                <a:rPr lang="zh-TW" altLang="en-US" sz="2400" dirty="0"/>
+                <a:t>   </a:t>
+              </a:r>
+              <a:r>
+                <a:rPr lang="en-US" altLang="zh-TW" sz="2400" dirty="0"/>
+                <a:t>Right Ear</a:t>
+              </a:r>
+            </a:p>
+            <a:p>
+              <a:r>
+                <a:rPr lang="en-US" altLang="zh-TW" sz="2400" dirty="0">
+                  <a:solidFill>
+                    <a:schemeClr val="accent2">
+                      <a:lumMod val="75000"/>
+                    </a:schemeClr>
+                  </a:solidFill>
+                </a:rPr>
+                <a:t>6.</a:t>
+              </a:r>
+              <a:r>
+                <a:rPr lang="zh-TW" altLang="en-US" sz="2400" dirty="0"/>
+                <a:t>   </a:t>
+              </a:r>
+              <a:r>
+                <a:rPr lang="en-US" altLang="zh-TW" sz="2400" dirty="0"/>
+                <a:t>Left Shoulder</a:t>
+              </a:r>
+            </a:p>
+            <a:p>
+              <a:r>
+                <a:rPr lang="en-US" altLang="zh-TW" sz="2400" dirty="0">
+                  <a:solidFill>
+                    <a:schemeClr val="accent2">
+                      <a:lumMod val="75000"/>
+                    </a:schemeClr>
+                  </a:solidFill>
+                </a:rPr>
+                <a:t>7.</a:t>
+              </a:r>
+              <a:r>
+                <a:rPr lang="zh-TW" altLang="en-US" sz="2400" dirty="0"/>
+                <a:t>   </a:t>
+              </a:r>
+              <a:r>
+                <a:rPr lang="en-US" altLang="zh-TW" sz="2400" dirty="0"/>
+                <a:t>Right Shoulder</a:t>
+              </a:r>
+            </a:p>
+            <a:p>
+              <a:r>
+                <a:rPr lang="en-US" altLang="zh-TW" sz="2400" dirty="0">
+                  <a:solidFill>
+                    <a:schemeClr val="accent2">
+                      <a:lumMod val="75000"/>
+                    </a:schemeClr>
+                  </a:solidFill>
+                </a:rPr>
+                <a:t>8.</a:t>
+              </a:r>
+              <a:r>
+                <a:rPr lang="zh-TW" altLang="en-US" sz="2400" dirty="0"/>
+                <a:t>   </a:t>
+              </a:r>
+              <a:r>
+                <a:rPr lang="en-US" altLang="zh-TW" sz="2400" dirty="0"/>
+                <a:t>Left Elbow</a:t>
+              </a:r>
+            </a:p>
+            <a:p>
+              <a:r>
+                <a:rPr lang="en-US" altLang="zh-TW" sz="2400" dirty="0">
+                  <a:solidFill>
+                    <a:schemeClr val="accent2">
+                      <a:lumMod val="75000"/>
+                    </a:schemeClr>
+                  </a:solidFill>
+                </a:rPr>
+                <a:t>9.</a:t>
+              </a:r>
+              <a:r>
+                <a:rPr lang="zh-TW" altLang="en-US" sz="2400" dirty="0"/>
+                <a:t>   </a:t>
+              </a:r>
+              <a:r>
+                <a:rPr lang="en-US" altLang="zh-TW" sz="2400" dirty="0"/>
+                <a:t>Right Elbow</a:t>
+              </a:r>
+            </a:p>
+            <a:p>
+              <a:r>
+                <a:rPr lang="en-US" altLang="zh-TW" sz="2400" dirty="0">
+                  <a:solidFill>
+                    <a:schemeClr val="accent2">
+                      <a:lumMod val="75000"/>
+                    </a:schemeClr>
+                  </a:solidFill>
+                </a:rPr>
+                <a:t>10.</a:t>
+              </a:r>
+              <a:r>
+                <a:rPr lang="zh-TW" altLang="en-US" sz="2400" dirty="0"/>
+                <a:t> </a:t>
+              </a:r>
+              <a:r>
+                <a:rPr lang="en-US" altLang="zh-TW" sz="2400" dirty="0"/>
+                <a:t>Left Wrist</a:t>
+              </a:r>
+            </a:p>
+            <a:p>
+              <a:r>
+                <a:rPr lang="en-US" altLang="zh-TW" sz="2400" dirty="0">
+                  <a:solidFill>
+                    <a:schemeClr val="accent2">
+                      <a:lumMod val="75000"/>
+                    </a:schemeClr>
+                  </a:solidFill>
+                </a:rPr>
+                <a:t>11.</a:t>
+              </a:r>
+              <a:r>
+                <a:rPr lang="zh-TW" altLang="en-US" sz="2400" dirty="0"/>
+                <a:t> </a:t>
+              </a:r>
+              <a:r>
+                <a:rPr lang="en-US" altLang="zh-TW" sz="2400" dirty="0"/>
+                <a:t>Right Wrist</a:t>
+              </a:r>
+            </a:p>
+            <a:p>
+              <a:r>
+                <a:rPr lang="en-US" altLang="zh-TW" sz="2400" dirty="0">
+                  <a:solidFill>
+                    <a:schemeClr val="accent2">
+                      <a:lumMod val="75000"/>
+                    </a:schemeClr>
+                  </a:solidFill>
+                </a:rPr>
+                <a:t>12.</a:t>
+              </a:r>
+              <a:r>
+                <a:rPr lang="en-US" altLang="zh-TW" sz="2400" dirty="0"/>
+                <a:t> Left Hip</a:t>
+              </a:r>
+            </a:p>
+            <a:p>
+              <a:r>
+                <a:rPr lang="en-US" altLang="zh-TW" sz="2400" dirty="0">
+                  <a:solidFill>
+                    <a:schemeClr val="accent2">
+                      <a:lumMod val="75000"/>
+                    </a:schemeClr>
+                  </a:solidFill>
+                </a:rPr>
+                <a:t>13.</a:t>
+              </a:r>
+              <a:r>
+                <a:rPr lang="en-US" altLang="zh-TW" sz="2400" dirty="0"/>
+                <a:t> Right Hip</a:t>
+              </a:r>
+            </a:p>
+          </p:txBody>
+        </p:sp>
+        <p:sp>
+          <p:nvSpPr>
+            <p:cNvPr id="8" name="文字方塊 7">
+              <a:extLst>
+                <a:ext uri="{FF2B5EF4-FFF2-40B4-BE49-F238E27FC236}">
+                  <a16:creationId xmlns:a16="http://schemas.microsoft.com/office/drawing/2014/main" id="{DA55C3B9-FBFB-40B2-9216-83D6C33E478F}"/>
+                </a:ext>
+              </a:extLst>
+            </p:cNvPr>
+            <p:cNvSpPr txBox="1"/>
+            <p:nvPr/>
+          </p:nvSpPr>
+          <p:spPr>
+            <a:xfrm>
+              <a:off x="8460508" y="1166842"/>
+              <a:ext cx="2536464" cy="4524315"/>
+            </a:xfrm>
+            <a:prstGeom prst="rect">
+              <a:avLst/>
+            </a:prstGeom>
+            <a:noFill/>
+          </p:spPr>
+          <p:txBody>
+            <a:bodyPr wrap="none" rtlCol="0" anchor="ctr">
+              <a:spAutoFit/>
+            </a:bodyPr>
+            <a:lstStyle/>
+            <a:p>
+              <a:r>
+                <a:rPr lang="en-US" altLang="zh-TW" sz="2400" dirty="0">
+                  <a:solidFill>
+                    <a:schemeClr val="accent2">
+                      <a:lumMod val="75000"/>
+                    </a:schemeClr>
+                  </a:solidFill>
+                </a:rPr>
+                <a:t>14.</a:t>
+              </a:r>
+              <a:r>
+                <a:rPr lang="en-US" altLang="zh-TW" sz="2400" dirty="0"/>
+                <a:t> Left Knee</a:t>
+              </a:r>
+            </a:p>
+            <a:p>
+              <a:r>
+                <a:rPr lang="en-US" altLang="zh-TW" sz="2400" dirty="0">
+                  <a:solidFill>
+                    <a:schemeClr val="accent2">
+                      <a:lumMod val="75000"/>
+                    </a:schemeClr>
+                  </a:solidFill>
+                </a:rPr>
+                <a:t>15.</a:t>
+              </a:r>
+              <a:r>
+                <a:rPr lang="en-US" altLang="zh-TW" sz="2400" dirty="0"/>
+                <a:t> Right Knee</a:t>
+              </a:r>
+            </a:p>
+            <a:p>
+              <a:r>
+                <a:rPr lang="en-US" altLang="zh-TW" sz="2400" dirty="0">
+                  <a:solidFill>
+                    <a:schemeClr val="accent2">
+                      <a:lumMod val="75000"/>
+                    </a:schemeClr>
+                  </a:solidFill>
+                </a:rPr>
+                <a:t>16.</a:t>
+              </a:r>
+              <a:r>
+                <a:rPr lang="en-US" altLang="zh-TW" sz="2400" dirty="0"/>
+                <a:t> Left Ankle</a:t>
+              </a:r>
+            </a:p>
+            <a:p>
+              <a:r>
+                <a:rPr lang="en-US" altLang="zh-TW" sz="2400" dirty="0">
+                  <a:solidFill>
+                    <a:schemeClr val="accent2">
+                      <a:lumMod val="75000"/>
+                    </a:schemeClr>
+                  </a:solidFill>
+                </a:rPr>
+                <a:t>17.</a:t>
+              </a:r>
+              <a:r>
+                <a:rPr lang="en-US" altLang="zh-TW" sz="2400" dirty="0"/>
+                <a:t> Right Ankle</a:t>
+              </a:r>
+            </a:p>
+            <a:p>
+              <a:r>
+                <a:rPr lang="en-US" altLang="zh-TW" sz="2400" dirty="0">
+                  <a:solidFill>
+                    <a:schemeClr val="accent2">
+                      <a:lumMod val="75000"/>
+                    </a:schemeClr>
+                  </a:solidFill>
+                </a:rPr>
+                <a:t>18.</a:t>
+              </a:r>
+              <a:r>
+                <a:rPr lang="en-US" altLang="zh-TW" sz="2400" dirty="0"/>
+                <a:t> Neck</a:t>
+              </a:r>
+            </a:p>
+            <a:p>
+              <a:r>
+                <a:rPr lang="en-US" altLang="zh-TW" sz="2400" dirty="0">
+                  <a:solidFill>
+                    <a:schemeClr val="accent2">
+                      <a:lumMod val="75000"/>
+                    </a:schemeClr>
+                  </a:solidFill>
+                </a:rPr>
+                <a:t>19.</a:t>
+              </a:r>
+              <a:r>
+                <a:rPr lang="en-US" altLang="zh-TW" sz="2400" dirty="0"/>
+                <a:t> Head</a:t>
+              </a:r>
+            </a:p>
+            <a:p>
+              <a:r>
+                <a:rPr lang="en-US" altLang="zh-TW" sz="2400" dirty="0">
+                  <a:solidFill>
+                    <a:schemeClr val="accent2">
+                      <a:lumMod val="75000"/>
+                    </a:schemeClr>
+                  </a:solidFill>
+                </a:rPr>
+                <a:t>20.</a:t>
+              </a:r>
+              <a:r>
+                <a:rPr lang="en-US" altLang="zh-TW" sz="2400" dirty="0"/>
+                <a:t> Left Big Toe</a:t>
+              </a:r>
+            </a:p>
+            <a:p>
+              <a:r>
+                <a:rPr lang="en-US" altLang="zh-TW" sz="2400" dirty="0">
+                  <a:solidFill>
+                    <a:schemeClr val="accent2">
+                      <a:lumMod val="75000"/>
+                    </a:schemeClr>
+                  </a:solidFill>
+                </a:rPr>
+                <a:t>21.</a:t>
+              </a:r>
+              <a:r>
+                <a:rPr lang="en-US" altLang="zh-TW" sz="2400" dirty="0"/>
+                <a:t> Left Small Toe</a:t>
+              </a:r>
+            </a:p>
+            <a:p>
+              <a:r>
+                <a:rPr lang="en-US" altLang="zh-TW" sz="2400" dirty="0">
+                  <a:solidFill>
+                    <a:schemeClr val="accent2">
+                      <a:lumMod val="75000"/>
+                    </a:schemeClr>
+                  </a:solidFill>
+                </a:rPr>
+                <a:t>22.</a:t>
+              </a:r>
+              <a:r>
+                <a:rPr lang="en-US" altLang="zh-TW" sz="2400" dirty="0"/>
+                <a:t> Left Heel</a:t>
+              </a:r>
+            </a:p>
+            <a:p>
+              <a:r>
+                <a:rPr lang="en-US" altLang="zh-TW" sz="2400" dirty="0">
+                  <a:solidFill>
+                    <a:schemeClr val="accent2">
+                      <a:lumMod val="75000"/>
+                    </a:schemeClr>
+                  </a:solidFill>
+                </a:rPr>
+                <a:t>23.</a:t>
+              </a:r>
+              <a:r>
+                <a:rPr lang="en-US" altLang="zh-TW" sz="2400" dirty="0"/>
+                <a:t> Right Big Toe</a:t>
+              </a:r>
+            </a:p>
+            <a:p>
+              <a:r>
+                <a:rPr lang="en-US" altLang="zh-TW" sz="2400" dirty="0">
+                  <a:solidFill>
+                    <a:schemeClr val="accent2">
+                      <a:lumMod val="75000"/>
+                    </a:schemeClr>
+                  </a:solidFill>
+                </a:rPr>
+                <a:t>24. </a:t>
+              </a:r>
+              <a:r>
+                <a:rPr lang="en-US" altLang="zh-TW" sz="2400" dirty="0"/>
+                <a:t>Right Small Toe</a:t>
+              </a:r>
+            </a:p>
+            <a:p>
+              <a:r>
+                <a:rPr lang="en-US" altLang="zh-TW" sz="2400" dirty="0">
+                  <a:solidFill>
+                    <a:schemeClr val="accent2">
+                      <a:lumMod val="75000"/>
+                    </a:schemeClr>
+                  </a:solidFill>
+                </a:rPr>
+                <a:t>25. </a:t>
+              </a:r>
+              <a:r>
+                <a:rPr lang="en-US" altLang="zh-TW" sz="2400" dirty="0"/>
+                <a:t>Right Heel</a:t>
+              </a:r>
+            </a:p>
+          </p:txBody>
+        </p:sp>
+        <p:sp>
+          <p:nvSpPr>
+            <p:cNvPr id="9" name="文字方塊 8">
+              <a:extLst>
+                <a:ext uri="{FF2B5EF4-FFF2-40B4-BE49-F238E27FC236}">
+                  <a16:creationId xmlns:a16="http://schemas.microsoft.com/office/drawing/2014/main" id="{7F75D1B0-18D0-4051-A7BA-1E9F142889E0}"/>
+                </a:ext>
+              </a:extLst>
+            </p:cNvPr>
+            <p:cNvSpPr txBox="1"/>
+            <p:nvPr/>
+          </p:nvSpPr>
+          <p:spPr>
+            <a:xfrm>
+              <a:off x="2381104" y="1080654"/>
+              <a:ext cx="301686" cy="369332"/>
+            </a:xfrm>
+            <a:prstGeom prst="rect">
+              <a:avLst/>
+            </a:prstGeom>
+            <a:noFill/>
+          </p:spPr>
+          <p:txBody>
+            <a:bodyPr wrap="none" rtlCol="0">
+              <a:spAutoFit/>
+            </a:bodyPr>
+            <a:lstStyle/>
+            <a:p>
+              <a:r>
+                <a:rPr lang="en-US" altLang="zh-TW" dirty="0">
+                  <a:solidFill>
+                    <a:schemeClr val="accent2">
+                      <a:lumMod val="75000"/>
+                    </a:schemeClr>
+                  </a:solidFill>
+                </a:rPr>
+                <a:t>1</a:t>
+              </a:r>
+              <a:endParaRPr lang="zh-TW" altLang="en-US" dirty="0">
+                <a:solidFill>
+                  <a:schemeClr val="accent2">
+                    <a:lumMod val="75000"/>
+                  </a:schemeClr>
+                </a:solidFill>
+              </a:endParaRPr>
+            </a:p>
+          </p:txBody>
+        </p:sp>
+        <p:sp>
+          <p:nvSpPr>
+            <p:cNvPr id="10" name="文字方塊 9">
+              <a:extLst>
+                <a:ext uri="{FF2B5EF4-FFF2-40B4-BE49-F238E27FC236}">
+                  <a16:creationId xmlns:a16="http://schemas.microsoft.com/office/drawing/2014/main" id="{4C5775B9-6901-4E31-A689-D81170E16B7B}"/>
+                </a:ext>
+              </a:extLst>
+            </p:cNvPr>
+            <p:cNvSpPr txBox="1"/>
+            <p:nvPr/>
+          </p:nvSpPr>
+          <p:spPr>
+            <a:xfrm>
+              <a:off x="2531947" y="612843"/>
+              <a:ext cx="301686" cy="369332"/>
+            </a:xfrm>
+            <a:prstGeom prst="rect">
+              <a:avLst/>
+            </a:prstGeom>
+            <a:noFill/>
+          </p:spPr>
+          <p:txBody>
+            <a:bodyPr wrap="none" rtlCol="0">
+              <a:spAutoFit/>
+            </a:bodyPr>
+            <a:lstStyle/>
+            <a:p>
+              <a:r>
+                <a:rPr lang="en-US" altLang="zh-TW" dirty="0">
+                  <a:solidFill>
+                    <a:schemeClr val="accent2">
+                      <a:lumMod val="75000"/>
+                    </a:schemeClr>
+                  </a:solidFill>
+                </a:rPr>
+                <a:t>2</a:t>
+              </a:r>
+              <a:endParaRPr lang="zh-TW" altLang="en-US" dirty="0">
+                <a:solidFill>
+                  <a:schemeClr val="accent2">
+                    <a:lumMod val="75000"/>
+                  </a:schemeClr>
+                </a:solidFill>
+              </a:endParaRPr>
+            </a:p>
+          </p:txBody>
+        </p:sp>
+        <p:sp>
+          <p:nvSpPr>
+            <p:cNvPr id="11" name="文字方塊 10">
+              <a:extLst>
+                <a:ext uri="{FF2B5EF4-FFF2-40B4-BE49-F238E27FC236}">
+                  <a16:creationId xmlns:a16="http://schemas.microsoft.com/office/drawing/2014/main" id="{4E0091D8-20C2-433A-9196-2345C202B9B1}"/>
+                </a:ext>
+              </a:extLst>
+            </p:cNvPr>
+            <p:cNvSpPr txBox="1"/>
+            <p:nvPr/>
+          </p:nvSpPr>
+          <p:spPr>
+            <a:xfrm>
+              <a:off x="1936865" y="688218"/>
+              <a:ext cx="301686" cy="369332"/>
+            </a:xfrm>
+            <a:prstGeom prst="rect">
+              <a:avLst/>
+            </a:prstGeom>
+            <a:noFill/>
+          </p:spPr>
+          <p:txBody>
+            <a:bodyPr wrap="none" rtlCol="0">
+              <a:spAutoFit/>
+            </a:bodyPr>
+            <a:lstStyle/>
+            <a:p>
+              <a:r>
+                <a:rPr lang="en-US" altLang="zh-TW" dirty="0">
+                  <a:solidFill>
+                    <a:schemeClr val="accent2">
+                      <a:lumMod val="75000"/>
+                    </a:schemeClr>
+                  </a:solidFill>
+                </a:rPr>
+                <a:t>3</a:t>
+              </a:r>
+              <a:endParaRPr lang="zh-TW" altLang="en-US" dirty="0">
+                <a:solidFill>
+                  <a:schemeClr val="accent2">
+                    <a:lumMod val="75000"/>
+                  </a:schemeClr>
+                </a:solidFill>
+              </a:endParaRPr>
+            </a:p>
+          </p:txBody>
+        </p:sp>
+        <p:sp>
+          <p:nvSpPr>
+            <p:cNvPr id="12" name="文字方塊 11">
+              <a:extLst>
+                <a:ext uri="{FF2B5EF4-FFF2-40B4-BE49-F238E27FC236}">
+                  <a16:creationId xmlns:a16="http://schemas.microsoft.com/office/drawing/2014/main" id="{F4ADB250-536C-4821-A357-DE171EA092F8}"/>
+                </a:ext>
+              </a:extLst>
+            </p:cNvPr>
+            <p:cNvSpPr txBox="1"/>
+            <p:nvPr/>
+          </p:nvSpPr>
+          <p:spPr>
+            <a:xfrm>
+              <a:off x="3006210" y="1052918"/>
+              <a:ext cx="301686" cy="369332"/>
+            </a:xfrm>
+            <a:prstGeom prst="rect">
+              <a:avLst/>
+            </a:prstGeom>
+            <a:noFill/>
+          </p:spPr>
+          <p:txBody>
+            <a:bodyPr wrap="none" rtlCol="0">
+              <a:spAutoFit/>
+            </a:bodyPr>
+            <a:lstStyle/>
+            <a:p>
+              <a:r>
+                <a:rPr lang="en-US" altLang="zh-TW" dirty="0">
+                  <a:solidFill>
+                    <a:schemeClr val="accent2">
+                      <a:lumMod val="75000"/>
+                    </a:schemeClr>
+                  </a:solidFill>
+                </a:rPr>
+                <a:t>4</a:t>
+              </a:r>
+              <a:endParaRPr lang="zh-TW" altLang="en-US" dirty="0">
+                <a:solidFill>
+                  <a:schemeClr val="accent2">
+                    <a:lumMod val="75000"/>
+                  </a:schemeClr>
+                </a:solidFill>
+              </a:endParaRPr>
+            </a:p>
+          </p:txBody>
+        </p:sp>
+        <p:sp>
+          <p:nvSpPr>
+            <p:cNvPr id="13" name="文字方塊 12">
+              <a:extLst>
+                <a:ext uri="{FF2B5EF4-FFF2-40B4-BE49-F238E27FC236}">
+                  <a16:creationId xmlns:a16="http://schemas.microsoft.com/office/drawing/2014/main" id="{C708D7E3-5CC4-46AE-8987-71290ADE36A1}"/>
+                </a:ext>
+              </a:extLst>
+            </p:cNvPr>
+            <p:cNvSpPr txBox="1"/>
+            <p:nvPr/>
+          </p:nvSpPr>
+          <p:spPr>
+            <a:xfrm>
+              <a:off x="1402193" y="1052918"/>
+              <a:ext cx="301686" cy="369332"/>
+            </a:xfrm>
+            <a:prstGeom prst="rect">
+              <a:avLst/>
+            </a:prstGeom>
+            <a:noFill/>
+          </p:spPr>
+          <p:txBody>
+            <a:bodyPr wrap="none" rtlCol="0">
+              <a:spAutoFit/>
+            </a:bodyPr>
+            <a:lstStyle/>
+            <a:p>
+              <a:r>
+                <a:rPr lang="en-US" altLang="zh-TW" dirty="0">
+                  <a:solidFill>
+                    <a:schemeClr val="accent2">
+                      <a:lumMod val="75000"/>
+                    </a:schemeClr>
+                  </a:solidFill>
+                </a:rPr>
+                <a:t>5</a:t>
+              </a:r>
+              <a:endParaRPr lang="zh-TW" altLang="en-US" dirty="0">
+                <a:solidFill>
+                  <a:schemeClr val="accent2">
+                    <a:lumMod val="75000"/>
+                  </a:schemeClr>
+                </a:solidFill>
+              </a:endParaRPr>
+            </a:p>
+          </p:txBody>
+        </p:sp>
+        <p:sp>
+          <p:nvSpPr>
+            <p:cNvPr id="14" name="文字方塊 13">
+              <a:extLst>
+                <a:ext uri="{FF2B5EF4-FFF2-40B4-BE49-F238E27FC236}">
+                  <a16:creationId xmlns:a16="http://schemas.microsoft.com/office/drawing/2014/main" id="{AE957031-C06C-4DED-8278-F7072B704105}"/>
+                </a:ext>
+              </a:extLst>
+            </p:cNvPr>
+            <p:cNvSpPr txBox="1"/>
+            <p:nvPr/>
+          </p:nvSpPr>
+          <p:spPr>
+            <a:xfrm>
+              <a:off x="3157053" y="1740890"/>
+              <a:ext cx="301686" cy="369332"/>
+            </a:xfrm>
+            <a:prstGeom prst="rect">
+              <a:avLst/>
+            </a:prstGeom>
+            <a:noFill/>
+          </p:spPr>
+          <p:txBody>
+            <a:bodyPr wrap="none" rtlCol="0">
+              <a:spAutoFit/>
+            </a:bodyPr>
+            <a:lstStyle/>
+            <a:p>
+              <a:r>
+                <a:rPr lang="en-US" altLang="zh-TW" dirty="0">
+                  <a:solidFill>
+                    <a:schemeClr val="accent2">
+                      <a:lumMod val="75000"/>
+                    </a:schemeClr>
+                  </a:solidFill>
+                </a:rPr>
+                <a:t>6</a:t>
+              </a:r>
+              <a:endParaRPr lang="zh-TW" altLang="en-US" dirty="0">
+                <a:solidFill>
+                  <a:schemeClr val="accent2">
+                    <a:lumMod val="75000"/>
+                  </a:schemeClr>
+                </a:solidFill>
+              </a:endParaRPr>
+            </a:p>
+          </p:txBody>
+        </p:sp>
+        <p:sp>
+          <p:nvSpPr>
+            <p:cNvPr id="20" name="文字方塊 19">
+              <a:extLst>
+                <a:ext uri="{FF2B5EF4-FFF2-40B4-BE49-F238E27FC236}">
+                  <a16:creationId xmlns:a16="http://schemas.microsoft.com/office/drawing/2014/main" id="{67689184-B01D-4FC6-9486-44BA3DF74EBD}"/>
+                </a:ext>
+              </a:extLst>
+            </p:cNvPr>
+            <p:cNvSpPr txBox="1"/>
+            <p:nvPr/>
+          </p:nvSpPr>
+          <p:spPr>
+            <a:xfrm>
+              <a:off x="1251350" y="1740890"/>
+              <a:ext cx="301686" cy="369332"/>
+            </a:xfrm>
+            <a:prstGeom prst="rect">
+              <a:avLst/>
+            </a:prstGeom>
+            <a:noFill/>
+          </p:spPr>
+          <p:txBody>
+            <a:bodyPr wrap="none" rtlCol="0">
+              <a:spAutoFit/>
+            </a:bodyPr>
+            <a:lstStyle/>
+            <a:p>
+              <a:r>
+                <a:rPr lang="en-US" altLang="zh-TW" dirty="0">
+                  <a:solidFill>
+                    <a:schemeClr val="accent2">
+                      <a:lumMod val="75000"/>
+                    </a:schemeClr>
+                  </a:solidFill>
+                </a:rPr>
+                <a:t>7</a:t>
+              </a:r>
+              <a:endParaRPr lang="zh-TW" altLang="en-US" dirty="0">
+                <a:solidFill>
+                  <a:schemeClr val="accent2">
+                    <a:lumMod val="75000"/>
+                  </a:schemeClr>
+                </a:solidFill>
+              </a:endParaRPr>
+            </a:p>
+          </p:txBody>
+        </p:sp>
+        <p:sp>
+          <p:nvSpPr>
+            <p:cNvPr id="23" name="文字方塊 22">
+              <a:extLst>
+                <a:ext uri="{FF2B5EF4-FFF2-40B4-BE49-F238E27FC236}">
+                  <a16:creationId xmlns:a16="http://schemas.microsoft.com/office/drawing/2014/main" id="{59E518EB-48F2-492F-B3E8-2DE85BCE6896}"/>
+                </a:ext>
+              </a:extLst>
+            </p:cNvPr>
+            <p:cNvSpPr txBox="1"/>
+            <p:nvPr/>
+          </p:nvSpPr>
+          <p:spPr>
+            <a:xfrm>
+              <a:off x="3540641" y="2479799"/>
+              <a:ext cx="301686" cy="369332"/>
+            </a:xfrm>
+            <a:prstGeom prst="rect">
+              <a:avLst/>
+            </a:prstGeom>
+            <a:noFill/>
+          </p:spPr>
+          <p:txBody>
+            <a:bodyPr wrap="none" rtlCol="0">
+              <a:spAutoFit/>
+            </a:bodyPr>
+            <a:lstStyle/>
+            <a:p>
+              <a:r>
+                <a:rPr lang="en-US" altLang="zh-TW" dirty="0">
+                  <a:solidFill>
+                    <a:schemeClr val="accent2">
+                      <a:lumMod val="75000"/>
+                    </a:schemeClr>
+                  </a:solidFill>
+                </a:rPr>
+                <a:t>8</a:t>
+              </a:r>
+              <a:endParaRPr lang="zh-TW" altLang="en-US" dirty="0">
+                <a:solidFill>
+                  <a:schemeClr val="accent2">
+                    <a:lumMod val="75000"/>
+                  </a:schemeClr>
+                </a:solidFill>
+              </a:endParaRPr>
+            </a:p>
+          </p:txBody>
+        </p:sp>
+        <p:sp>
+          <p:nvSpPr>
+            <p:cNvPr id="24" name="文字方塊 23">
+              <a:extLst>
+                <a:ext uri="{FF2B5EF4-FFF2-40B4-BE49-F238E27FC236}">
+                  <a16:creationId xmlns:a16="http://schemas.microsoft.com/office/drawing/2014/main" id="{4957AA91-334B-4E58-BC36-8EAED1E6D7F4}"/>
+                </a:ext>
+              </a:extLst>
+            </p:cNvPr>
+            <p:cNvSpPr txBox="1"/>
+            <p:nvPr/>
+          </p:nvSpPr>
+          <p:spPr>
+            <a:xfrm>
+              <a:off x="893342" y="2479799"/>
+              <a:ext cx="301686" cy="369332"/>
+            </a:xfrm>
+            <a:prstGeom prst="rect">
+              <a:avLst/>
+            </a:prstGeom>
+            <a:noFill/>
+          </p:spPr>
+          <p:txBody>
+            <a:bodyPr wrap="none" rtlCol="0">
+              <a:spAutoFit/>
+            </a:bodyPr>
+            <a:lstStyle/>
+            <a:p>
+              <a:r>
+                <a:rPr lang="en-US" altLang="zh-TW" dirty="0">
+                  <a:solidFill>
+                    <a:schemeClr val="accent2">
+                      <a:lumMod val="75000"/>
+                    </a:schemeClr>
+                  </a:solidFill>
+                </a:rPr>
+                <a:t>9</a:t>
+              </a:r>
+              <a:endParaRPr lang="zh-TW" altLang="en-US" dirty="0">
+                <a:solidFill>
+                  <a:schemeClr val="accent2">
+                    <a:lumMod val="75000"/>
+                  </a:schemeClr>
+                </a:solidFill>
+              </a:endParaRPr>
+            </a:p>
+          </p:txBody>
+        </p:sp>
+        <p:sp>
+          <p:nvSpPr>
+            <p:cNvPr id="25" name="文字方塊 24">
+              <a:extLst>
+                <a:ext uri="{FF2B5EF4-FFF2-40B4-BE49-F238E27FC236}">
+                  <a16:creationId xmlns:a16="http://schemas.microsoft.com/office/drawing/2014/main" id="{9692C600-C1B1-4860-89A2-8B751FDB3083}"/>
+                </a:ext>
+              </a:extLst>
+            </p:cNvPr>
+            <p:cNvSpPr txBox="1"/>
+            <p:nvPr/>
+          </p:nvSpPr>
+          <p:spPr>
+            <a:xfrm>
+              <a:off x="3718024" y="3304205"/>
+              <a:ext cx="418704" cy="369332"/>
+            </a:xfrm>
+            <a:prstGeom prst="rect">
+              <a:avLst/>
+            </a:prstGeom>
+            <a:noFill/>
+          </p:spPr>
+          <p:txBody>
+            <a:bodyPr wrap="none" rtlCol="0">
+              <a:spAutoFit/>
+            </a:bodyPr>
+            <a:lstStyle/>
+            <a:p>
+              <a:r>
+                <a:rPr lang="en-US" altLang="zh-TW" dirty="0">
+                  <a:solidFill>
+                    <a:schemeClr val="accent2">
+                      <a:lumMod val="75000"/>
+                    </a:schemeClr>
+                  </a:solidFill>
+                </a:rPr>
+                <a:t>10</a:t>
+              </a:r>
+              <a:endParaRPr lang="zh-TW" altLang="en-US" dirty="0">
+                <a:solidFill>
+                  <a:schemeClr val="accent2">
+                    <a:lumMod val="75000"/>
+                  </a:schemeClr>
+                </a:solidFill>
+              </a:endParaRPr>
+            </a:p>
+          </p:txBody>
+        </p:sp>
+        <p:sp>
+          <p:nvSpPr>
+            <p:cNvPr id="27" name="文字方塊 26">
+              <a:extLst>
+                <a:ext uri="{FF2B5EF4-FFF2-40B4-BE49-F238E27FC236}">
+                  <a16:creationId xmlns:a16="http://schemas.microsoft.com/office/drawing/2014/main" id="{E7059881-D0A5-4081-AEC8-116309A13016}"/>
+                </a:ext>
+              </a:extLst>
+            </p:cNvPr>
+            <p:cNvSpPr txBox="1"/>
+            <p:nvPr/>
+          </p:nvSpPr>
+          <p:spPr>
+            <a:xfrm>
+              <a:off x="587366" y="3304205"/>
+              <a:ext cx="418704" cy="369332"/>
+            </a:xfrm>
+            <a:prstGeom prst="rect">
+              <a:avLst/>
+            </a:prstGeom>
+            <a:noFill/>
+          </p:spPr>
+          <p:txBody>
+            <a:bodyPr wrap="none" rtlCol="0">
+              <a:spAutoFit/>
+            </a:bodyPr>
+            <a:lstStyle/>
+            <a:p>
+              <a:r>
+                <a:rPr lang="en-US" altLang="zh-TW" dirty="0">
+                  <a:solidFill>
+                    <a:schemeClr val="accent2">
+                      <a:lumMod val="75000"/>
+                    </a:schemeClr>
+                  </a:solidFill>
+                </a:rPr>
+                <a:t>11</a:t>
+              </a:r>
+              <a:endParaRPr lang="zh-TW" altLang="en-US" dirty="0">
+                <a:solidFill>
+                  <a:schemeClr val="accent2">
+                    <a:lumMod val="75000"/>
+                  </a:schemeClr>
+                </a:solidFill>
+              </a:endParaRPr>
+            </a:p>
+          </p:txBody>
+        </p:sp>
+        <p:sp>
+          <p:nvSpPr>
+            <p:cNvPr id="28" name="文字方塊 27">
+              <a:extLst>
+                <a:ext uri="{FF2B5EF4-FFF2-40B4-BE49-F238E27FC236}">
+                  <a16:creationId xmlns:a16="http://schemas.microsoft.com/office/drawing/2014/main" id="{2CFCC803-4245-4C0A-A45D-73EE3E9EB9E9}"/>
+                </a:ext>
+              </a:extLst>
+            </p:cNvPr>
+            <p:cNvSpPr txBox="1"/>
+            <p:nvPr/>
+          </p:nvSpPr>
+          <p:spPr>
+            <a:xfrm>
+              <a:off x="2776772" y="3491269"/>
+              <a:ext cx="418704" cy="369332"/>
+            </a:xfrm>
+            <a:prstGeom prst="rect">
+              <a:avLst/>
+            </a:prstGeom>
+            <a:noFill/>
+          </p:spPr>
+          <p:txBody>
+            <a:bodyPr wrap="none" rtlCol="0">
+              <a:spAutoFit/>
+            </a:bodyPr>
+            <a:lstStyle/>
+            <a:p>
+              <a:r>
+                <a:rPr lang="en-US" altLang="zh-TW" dirty="0">
+                  <a:solidFill>
+                    <a:schemeClr val="accent2">
+                      <a:lumMod val="75000"/>
+                    </a:schemeClr>
+                  </a:solidFill>
+                </a:rPr>
+                <a:t>12</a:t>
+              </a:r>
+              <a:endParaRPr lang="zh-TW" altLang="en-US" dirty="0">
+                <a:solidFill>
+                  <a:schemeClr val="accent2">
+                    <a:lumMod val="75000"/>
+                  </a:schemeClr>
+                </a:solidFill>
+              </a:endParaRPr>
+            </a:p>
+          </p:txBody>
+        </p:sp>
+        <p:sp>
+          <p:nvSpPr>
+            <p:cNvPr id="29" name="文字方塊 28">
+              <a:extLst>
+                <a:ext uri="{FF2B5EF4-FFF2-40B4-BE49-F238E27FC236}">
+                  <a16:creationId xmlns:a16="http://schemas.microsoft.com/office/drawing/2014/main" id="{A90726FB-182E-4DAD-9018-4A6E1B710BAD}"/>
+                </a:ext>
+              </a:extLst>
+            </p:cNvPr>
+            <p:cNvSpPr txBox="1"/>
+            <p:nvPr/>
+          </p:nvSpPr>
+          <p:spPr>
+            <a:xfrm>
+              <a:off x="1504080" y="3491269"/>
+              <a:ext cx="418704" cy="369332"/>
+            </a:xfrm>
+            <a:prstGeom prst="rect">
+              <a:avLst/>
+            </a:prstGeom>
+            <a:noFill/>
+          </p:spPr>
+          <p:txBody>
+            <a:bodyPr wrap="none" rtlCol="0">
+              <a:spAutoFit/>
+            </a:bodyPr>
+            <a:lstStyle/>
+            <a:p>
+              <a:r>
+                <a:rPr lang="en-US" altLang="zh-TW" dirty="0">
+                  <a:solidFill>
+                    <a:schemeClr val="accent2">
+                      <a:lumMod val="75000"/>
+                    </a:schemeClr>
+                  </a:solidFill>
+                </a:rPr>
+                <a:t>13</a:t>
+              </a:r>
+              <a:endParaRPr lang="zh-TW" altLang="en-US" dirty="0">
+                <a:solidFill>
+                  <a:schemeClr val="accent2">
+                    <a:lumMod val="75000"/>
+                  </a:schemeClr>
+                </a:solidFill>
+              </a:endParaRPr>
+            </a:p>
+          </p:txBody>
+        </p:sp>
+        <p:sp>
+          <p:nvSpPr>
+            <p:cNvPr id="30" name="文字方塊 29">
+              <a:extLst>
+                <a:ext uri="{FF2B5EF4-FFF2-40B4-BE49-F238E27FC236}">
+                  <a16:creationId xmlns:a16="http://schemas.microsoft.com/office/drawing/2014/main" id="{4FB87A2E-BC2A-4DFA-A03C-8AFFF1A5E65C}"/>
+                </a:ext>
+              </a:extLst>
+            </p:cNvPr>
+            <p:cNvSpPr txBox="1"/>
+            <p:nvPr/>
+          </p:nvSpPr>
+          <p:spPr>
+            <a:xfrm>
+              <a:off x="2977938" y="4682547"/>
+              <a:ext cx="418704" cy="369332"/>
+            </a:xfrm>
+            <a:prstGeom prst="rect">
+              <a:avLst/>
+            </a:prstGeom>
+            <a:noFill/>
+          </p:spPr>
+          <p:txBody>
+            <a:bodyPr wrap="none" rtlCol="0">
+              <a:spAutoFit/>
+            </a:bodyPr>
+            <a:lstStyle/>
+            <a:p>
+              <a:r>
+                <a:rPr lang="en-US" altLang="zh-TW" dirty="0">
+                  <a:solidFill>
+                    <a:schemeClr val="accent2">
+                      <a:lumMod val="75000"/>
+                    </a:schemeClr>
+                  </a:solidFill>
+                </a:rPr>
+                <a:t>14</a:t>
+              </a:r>
+              <a:endParaRPr lang="zh-TW" altLang="en-US" dirty="0">
+                <a:solidFill>
+                  <a:schemeClr val="accent2">
+                    <a:lumMod val="75000"/>
+                  </a:schemeClr>
+                </a:solidFill>
+              </a:endParaRPr>
+            </a:p>
+          </p:txBody>
+        </p:sp>
+        <p:sp>
+          <p:nvSpPr>
+            <p:cNvPr id="31" name="文字方塊 30">
+              <a:extLst>
+                <a:ext uri="{FF2B5EF4-FFF2-40B4-BE49-F238E27FC236}">
+                  <a16:creationId xmlns:a16="http://schemas.microsoft.com/office/drawing/2014/main" id="{D63C4A73-4E8E-4577-BA61-F656DF71F4BD}"/>
+                </a:ext>
+              </a:extLst>
+            </p:cNvPr>
+            <p:cNvSpPr txBox="1"/>
+            <p:nvPr/>
+          </p:nvSpPr>
+          <p:spPr>
+            <a:xfrm>
+              <a:off x="1343684" y="4682547"/>
+              <a:ext cx="418704" cy="369332"/>
+            </a:xfrm>
+            <a:prstGeom prst="rect">
+              <a:avLst/>
+            </a:prstGeom>
+            <a:noFill/>
+          </p:spPr>
+          <p:txBody>
+            <a:bodyPr wrap="none" rtlCol="0">
+              <a:spAutoFit/>
+            </a:bodyPr>
+            <a:lstStyle/>
+            <a:p>
+              <a:r>
+                <a:rPr lang="en-US" altLang="zh-TW" dirty="0">
+                  <a:solidFill>
+                    <a:schemeClr val="accent2">
+                      <a:lumMod val="75000"/>
+                    </a:schemeClr>
+                  </a:solidFill>
+                </a:rPr>
+                <a:t>15</a:t>
+              </a:r>
+              <a:endParaRPr lang="zh-TW" altLang="en-US" dirty="0">
+                <a:solidFill>
+                  <a:schemeClr val="accent2">
+                    <a:lumMod val="75000"/>
+                  </a:schemeClr>
+                </a:solidFill>
+              </a:endParaRPr>
+            </a:p>
+          </p:txBody>
+        </p:sp>
+        <p:sp>
+          <p:nvSpPr>
+            <p:cNvPr id="32" name="文字方塊 31">
+              <a:extLst>
+                <a:ext uri="{FF2B5EF4-FFF2-40B4-BE49-F238E27FC236}">
+                  <a16:creationId xmlns:a16="http://schemas.microsoft.com/office/drawing/2014/main" id="{ABF3EA14-E86F-474C-91BA-B6F2192D7613}"/>
+                </a:ext>
+              </a:extLst>
+            </p:cNvPr>
+            <p:cNvSpPr txBox="1"/>
+            <p:nvPr/>
+          </p:nvSpPr>
+          <p:spPr>
+            <a:xfrm>
+              <a:off x="2738349" y="5504493"/>
+              <a:ext cx="418704" cy="369332"/>
+            </a:xfrm>
+            <a:prstGeom prst="rect">
+              <a:avLst/>
+            </a:prstGeom>
+            <a:noFill/>
+          </p:spPr>
+          <p:txBody>
+            <a:bodyPr wrap="none" rtlCol="0">
+              <a:spAutoFit/>
+            </a:bodyPr>
+            <a:lstStyle/>
+            <a:p>
+              <a:r>
+                <a:rPr lang="en-US" altLang="zh-TW" dirty="0">
+                  <a:solidFill>
+                    <a:schemeClr val="accent2">
+                      <a:lumMod val="75000"/>
+                    </a:schemeClr>
+                  </a:solidFill>
+                </a:rPr>
+                <a:t>16</a:t>
+              </a:r>
+              <a:endParaRPr lang="zh-TW" altLang="en-US" dirty="0">
+                <a:solidFill>
+                  <a:schemeClr val="accent2">
+                    <a:lumMod val="75000"/>
+                  </a:schemeClr>
+                </a:solidFill>
+              </a:endParaRPr>
+            </a:p>
+          </p:txBody>
+        </p:sp>
+        <p:sp>
+          <p:nvSpPr>
+            <p:cNvPr id="33" name="文字方塊 32">
+              <a:extLst>
+                <a:ext uri="{FF2B5EF4-FFF2-40B4-BE49-F238E27FC236}">
+                  <a16:creationId xmlns:a16="http://schemas.microsoft.com/office/drawing/2014/main" id="{DF16A592-F6B0-46BC-AC31-8C3F797DD3EC}"/>
+                </a:ext>
+              </a:extLst>
+            </p:cNvPr>
+            <p:cNvSpPr txBox="1"/>
+            <p:nvPr/>
+          </p:nvSpPr>
+          <p:spPr>
+            <a:xfrm>
+              <a:off x="1962400" y="5504493"/>
+              <a:ext cx="418704" cy="369332"/>
+            </a:xfrm>
+            <a:prstGeom prst="rect">
+              <a:avLst/>
+            </a:prstGeom>
+            <a:noFill/>
+          </p:spPr>
+          <p:txBody>
+            <a:bodyPr wrap="none" rtlCol="0">
+              <a:spAutoFit/>
+            </a:bodyPr>
+            <a:lstStyle/>
+            <a:p>
+              <a:r>
+                <a:rPr lang="en-US" altLang="zh-TW" dirty="0">
+                  <a:solidFill>
+                    <a:schemeClr val="accent2">
+                      <a:lumMod val="75000"/>
+                    </a:schemeClr>
+                  </a:solidFill>
+                </a:rPr>
+                <a:t>17</a:t>
+              </a:r>
+              <a:endParaRPr lang="zh-TW" altLang="en-US" dirty="0">
+                <a:solidFill>
+                  <a:schemeClr val="accent2">
+                    <a:lumMod val="75000"/>
+                  </a:schemeClr>
+                </a:solidFill>
+              </a:endParaRPr>
+            </a:p>
+          </p:txBody>
+        </p:sp>
+        <p:sp>
+          <p:nvSpPr>
+            <p:cNvPr id="34" name="文字方塊 33">
+              <a:extLst>
+                <a:ext uri="{FF2B5EF4-FFF2-40B4-BE49-F238E27FC236}">
+                  <a16:creationId xmlns:a16="http://schemas.microsoft.com/office/drawing/2014/main" id="{0F4E068A-4A49-4683-893E-C10F3F800531}"/>
+                </a:ext>
+              </a:extLst>
+            </p:cNvPr>
+            <p:cNvSpPr txBox="1"/>
+            <p:nvPr/>
+          </p:nvSpPr>
+          <p:spPr>
+            <a:xfrm>
+              <a:off x="2163722" y="1682724"/>
+              <a:ext cx="418704" cy="369332"/>
+            </a:xfrm>
+            <a:prstGeom prst="rect">
+              <a:avLst/>
+            </a:prstGeom>
+            <a:noFill/>
+          </p:spPr>
+          <p:txBody>
+            <a:bodyPr wrap="none" rtlCol="0">
+              <a:spAutoFit/>
+            </a:bodyPr>
+            <a:lstStyle/>
+            <a:p>
+              <a:r>
+                <a:rPr lang="en-US" altLang="zh-TW" dirty="0">
+                  <a:solidFill>
+                    <a:schemeClr val="accent2">
+                      <a:lumMod val="75000"/>
+                    </a:schemeClr>
+                  </a:solidFill>
+                </a:rPr>
+                <a:t>18</a:t>
+              </a:r>
+              <a:endParaRPr lang="zh-TW" altLang="en-US" dirty="0">
+                <a:solidFill>
+                  <a:schemeClr val="accent2">
+                    <a:lumMod val="75000"/>
+                  </a:schemeClr>
+                </a:solidFill>
+              </a:endParaRPr>
+            </a:p>
+          </p:txBody>
+        </p:sp>
+        <p:sp>
+          <p:nvSpPr>
+            <p:cNvPr id="35" name="文字方塊 34">
+              <a:extLst>
+                <a:ext uri="{FF2B5EF4-FFF2-40B4-BE49-F238E27FC236}">
+                  <a16:creationId xmlns:a16="http://schemas.microsoft.com/office/drawing/2014/main" id="{9B1E4D10-5B06-48F4-A2C6-42C5359E4D89}"/>
+                </a:ext>
+              </a:extLst>
+            </p:cNvPr>
+            <p:cNvSpPr txBox="1"/>
+            <p:nvPr/>
+          </p:nvSpPr>
+          <p:spPr>
+            <a:xfrm>
+              <a:off x="2171752" y="410287"/>
+              <a:ext cx="418704" cy="369332"/>
+            </a:xfrm>
+            <a:prstGeom prst="rect">
+              <a:avLst/>
+            </a:prstGeom>
+            <a:noFill/>
+          </p:spPr>
+          <p:txBody>
+            <a:bodyPr wrap="none" rtlCol="0">
+              <a:spAutoFit/>
+            </a:bodyPr>
+            <a:lstStyle/>
+            <a:p>
+              <a:r>
+                <a:rPr lang="en-US" altLang="zh-TW" dirty="0">
+                  <a:solidFill>
+                    <a:schemeClr val="accent2">
+                      <a:lumMod val="75000"/>
+                    </a:schemeClr>
+                  </a:solidFill>
+                </a:rPr>
+                <a:t>19</a:t>
+              </a:r>
+              <a:endParaRPr lang="zh-TW" altLang="en-US" dirty="0">
+                <a:solidFill>
+                  <a:schemeClr val="accent2">
+                    <a:lumMod val="75000"/>
+                  </a:schemeClr>
+                </a:solidFill>
+              </a:endParaRPr>
+            </a:p>
+          </p:txBody>
+        </p:sp>
+        <p:sp>
+          <p:nvSpPr>
+            <p:cNvPr id="36" name="文字方塊 35">
+              <a:extLst>
+                <a:ext uri="{FF2B5EF4-FFF2-40B4-BE49-F238E27FC236}">
+                  <a16:creationId xmlns:a16="http://schemas.microsoft.com/office/drawing/2014/main" id="{8E18CB9D-B301-462B-8AF8-2E9734F6030F}"/>
+                </a:ext>
+              </a:extLst>
+            </p:cNvPr>
+            <p:cNvSpPr txBox="1"/>
+            <p:nvPr/>
+          </p:nvSpPr>
+          <p:spPr>
+            <a:xfrm>
+              <a:off x="2947701" y="5994882"/>
+              <a:ext cx="418704" cy="369332"/>
+            </a:xfrm>
+            <a:prstGeom prst="rect">
+              <a:avLst/>
+            </a:prstGeom>
+            <a:noFill/>
+          </p:spPr>
+          <p:txBody>
+            <a:bodyPr wrap="none" rtlCol="0">
+              <a:spAutoFit/>
+            </a:bodyPr>
+            <a:lstStyle/>
+            <a:p>
+              <a:r>
+                <a:rPr lang="en-US" altLang="zh-TW" dirty="0">
+                  <a:solidFill>
+                    <a:schemeClr val="accent2">
+                      <a:lumMod val="75000"/>
+                    </a:schemeClr>
+                  </a:solidFill>
+                </a:rPr>
+                <a:t>20</a:t>
+              </a:r>
+              <a:endParaRPr lang="zh-TW" altLang="en-US" dirty="0">
+                <a:solidFill>
+                  <a:schemeClr val="accent2">
+                    <a:lumMod val="75000"/>
+                  </a:schemeClr>
+                </a:solidFill>
+              </a:endParaRPr>
+            </a:p>
+          </p:txBody>
+        </p:sp>
+        <p:sp>
+          <p:nvSpPr>
+            <p:cNvPr id="37" name="文字方塊 36">
+              <a:extLst>
+                <a:ext uri="{FF2B5EF4-FFF2-40B4-BE49-F238E27FC236}">
+                  <a16:creationId xmlns:a16="http://schemas.microsoft.com/office/drawing/2014/main" id="{9922B343-9930-4EBE-AC26-941A2B1A18C4}"/>
+                </a:ext>
+              </a:extLst>
+            </p:cNvPr>
+            <p:cNvSpPr txBox="1"/>
+            <p:nvPr/>
+          </p:nvSpPr>
+          <p:spPr>
+            <a:xfrm>
+              <a:off x="3290338" y="5509111"/>
+              <a:ext cx="418704" cy="369332"/>
+            </a:xfrm>
+            <a:prstGeom prst="rect">
+              <a:avLst/>
+            </a:prstGeom>
+            <a:noFill/>
+          </p:spPr>
+          <p:txBody>
+            <a:bodyPr wrap="none" rtlCol="0">
+              <a:spAutoFit/>
+            </a:bodyPr>
+            <a:lstStyle/>
+            <a:p>
+              <a:r>
+                <a:rPr lang="en-US" altLang="zh-TW" dirty="0">
+                  <a:solidFill>
+                    <a:schemeClr val="accent2">
+                      <a:lumMod val="75000"/>
+                    </a:schemeClr>
+                  </a:solidFill>
+                </a:rPr>
+                <a:t>21</a:t>
+              </a:r>
+              <a:endParaRPr lang="zh-TW" altLang="en-US" dirty="0">
+                <a:solidFill>
+                  <a:schemeClr val="accent2">
+                    <a:lumMod val="75000"/>
+                  </a:schemeClr>
+                </a:solidFill>
+              </a:endParaRPr>
+            </a:p>
+          </p:txBody>
+        </p:sp>
+        <p:sp>
+          <p:nvSpPr>
+            <p:cNvPr id="38" name="文字方塊 37">
+              <a:extLst>
+                <a:ext uri="{FF2B5EF4-FFF2-40B4-BE49-F238E27FC236}">
+                  <a16:creationId xmlns:a16="http://schemas.microsoft.com/office/drawing/2014/main" id="{73AF53CD-9E0D-4A29-B417-8FD250EBB433}"/>
+                </a:ext>
+              </a:extLst>
+            </p:cNvPr>
+            <p:cNvSpPr txBox="1"/>
+            <p:nvPr/>
+          </p:nvSpPr>
+          <p:spPr>
+            <a:xfrm>
+              <a:off x="2383407" y="5972304"/>
+              <a:ext cx="418704" cy="369332"/>
+            </a:xfrm>
+            <a:prstGeom prst="rect">
+              <a:avLst/>
+            </a:prstGeom>
+            <a:noFill/>
+          </p:spPr>
+          <p:txBody>
+            <a:bodyPr wrap="none" rtlCol="0">
+              <a:spAutoFit/>
+            </a:bodyPr>
+            <a:lstStyle/>
+            <a:p>
+              <a:r>
+                <a:rPr lang="en-US" altLang="zh-TW" dirty="0">
+                  <a:solidFill>
+                    <a:schemeClr val="accent2">
+                      <a:lumMod val="75000"/>
+                    </a:schemeClr>
+                  </a:solidFill>
+                </a:rPr>
+                <a:t>22</a:t>
+              </a:r>
+              <a:endParaRPr lang="zh-TW" altLang="en-US" dirty="0">
+                <a:solidFill>
+                  <a:schemeClr val="accent2">
+                    <a:lumMod val="75000"/>
+                  </a:schemeClr>
+                </a:solidFill>
+              </a:endParaRPr>
+            </a:p>
+          </p:txBody>
+        </p:sp>
+        <p:sp>
+          <p:nvSpPr>
+            <p:cNvPr id="39" name="文字方塊 38">
+              <a:extLst>
+                <a:ext uri="{FF2B5EF4-FFF2-40B4-BE49-F238E27FC236}">
+                  <a16:creationId xmlns:a16="http://schemas.microsoft.com/office/drawing/2014/main" id="{1EEBD394-3A11-4A81-A103-AB9546F48BE1}"/>
+                </a:ext>
+              </a:extLst>
+            </p:cNvPr>
+            <p:cNvSpPr txBox="1"/>
+            <p:nvPr/>
+          </p:nvSpPr>
+          <p:spPr>
+            <a:xfrm>
+              <a:off x="1402193" y="5994882"/>
+              <a:ext cx="418704" cy="369332"/>
+            </a:xfrm>
+            <a:prstGeom prst="rect">
+              <a:avLst/>
+            </a:prstGeom>
+            <a:noFill/>
+          </p:spPr>
+          <p:txBody>
+            <a:bodyPr wrap="none" rtlCol="0">
+              <a:spAutoFit/>
+            </a:bodyPr>
+            <a:lstStyle/>
+            <a:p>
+              <a:r>
+                <a:rPr lang="en-US" altLang="zh-TW" dirty="0">
+                  <a:solidFill>
+                    <a:schemeClr val="accent2">
+                      <a:lumMod val="75000"/>
+                    </a:schemeClr>
+                  </a:solidFill>
+                </a:rPr>
+                <a:t>23</a:t>
+              </a:r>
+              <a:endParaRPr lang="zh-TW" altLang="en-US" dirty="0">
+                <a:solidFill>
+                  <a:schemeClr val="accent2">
+                    <a:lumMod val="75000"/>
+                  </a:schemeClr>
+                </a:solidFill>
+              </a:endParaRPr>
+            </a:p>
+          </p:txBody>
+        </p:sp>
+        <p:sp>
+          <p:nvSpPr>
+            <p:cNvPr id="40" name="文字方塊 39">
+              <a:extLst>
+                <a:ext uri="{FF2B5EF4-FFF2-40B4-BE49-F238E27FC236}">
+                  <a16:creationId xmlns:a16="http://schemas.microsoft.com/office/drawing/2014/main" id="{A8E9C1F1-57BC-45E6-97D9-C37C6619179C}"/>
+                </a:ext>
+              </a:extLst>
+            </p:cNvPr>
+            <p:cNvSpPr txBox="1"/>
+            <p:nvPr/>
+          </p:nvSpPr>
+          <p:spPr>
+            <a:xfrm>
+              <a:off x="1041943" y="5499875"/>
+              <a:ext cx="418704" cy="369332"/>
+            </a:xfrm>
+            <a:prstGeom prst="rect">
+              <a:avLst/>
+            </a:prstGeom>
+            <a:noFill/>
+          </p:spPr>
+          <p:txBody>
+            <a:bodyPr wrap="none" rtlCol="0">
+              <a:spAutoFit/>
+            </a:bodyPr>
+            <a:lstStyle/>
+            <a:p>
+              <a:r>
+                <a:rPr lang="en-US" altLang="zh-TW" dirty="0">
+                  <a:solidFill>
+                    <a:schemeClr val="accent2">
+                      <a:lumMod val="75000"/>
+                    </a:schemeClr>
+                  </a:solidFill>
+                </a:rPr>
+                <a:t>24</a:t>
+              </a:r>
+              <a:endParaRPr lang="zh-TW" altLang="en-US" dirty="0">
+                <a:solidFill>
+                  <a:schemeClr val="accent2">
+                    <a:lumMod val="75000"/>
+                  </a:schemeClr>
+                </a:solidFill>
+              </a:endParaRPr>
+            </a:p>
+          </p:txBody>
+        </p:sp>
+        <p:sp>
+          <p:nvSpPr>
+            <p:cNvPr id="41" name="文字方塊 40">
+              <a:extLst>
+                <a:ext uri="{FF2B5EF4-FFF2-40B4-BE49-F238E27FC236}">
+                  <a16:creationId xmlns:a16="http://schemas.microsoft.com/office/drawing/2014/main" id="{3466187F-79DE-4BBE-9BAD-3B58275B02EB}"/>
+                </a:ext>
+              </a:extLst>
+            </p:cNvPr>
+            <p:cNvSpPr txBox="1"/>
+            <p:nvPr/>
+          </p:nvSpPr>
+          <p:spPr>
+            <a:xfrm>
+              <a:off x="1962400" y="5972304"/>
+              <a:ext cx="418704" cy="369332"/>
+            </a:xfrm>
+            <a:prstGeom prst="rect">
+              <a:avLst/>
+            </a:prstGeom>
+            <a:noFill/>
+          </p:spPr>
+          <p:txBody>
+            <a:bodyPr wrap="none" rtlCol="0">
+              <a:spAutoFit/>
+            </a:bodyPr>
+            <a:lstStyle/>
+            <a:p>
+              <a:r>
+                <a:rPr lang="en-US" altLang="zh-TW" dirty="0">
+                  <a:solidFill>
+                    <a:schemeClr val="accent2">
+                      <a:lumMod val="75000"/>
+                    </a:schemeClr>
+                  </a:solidFill>
+                </a:rPr>
+                <a:t>25</a:t>
+              </a:r>
+              <a:endParaRPr lang="zh-TW" altLang="en-US" dirty="0">
+                <a:solidFill>
+                  <a:schemeClr val="accent2">
+                    <a:lumMod val="75000"/>
+                  </a:schemeClr>
+                </a:solidFill>
+              </a:endParaRPr>
+            </a:p>
+          </p:txBody>
+        </p:sp>
+      </p:grpSp>
+    </p:spTree>
+    <p:extLst>
+      <p:ext uri="{BB962C8B-B14F-4D97-AF65-F5344CB8AC3E}">
+        <p14:creationId xmlns:p14="http://schemas.microsoft.com/office/powerpoint/2010/main" val="1175437900"/>
+      </p:ext>
+    </p:extLst>
+  </p:cSld>
+  <p:clrMapOvr>
+    <a:masterClrMapping/>
+  </p:clrMapOvr>
+</p:sld>
+</file>
+
+<file path=ppt/slides/slide2.xml><?xml version="1.0" encoding="utf-8"?>
+<p:sld xmlns:a="http://schemas.openxmlformats.org/drawingml/2006/main" xmlns:r="http://schemas.openxmlformats.org/officeDocument/2006/relationships" xmlns:p="http://schemas.openxmlformats.org/presentationml/2006/main">
+  <p:cSld>
+    <p:spTree>
+      <p:nvGrpSpPr>
+        <p:cNvPr id="1" name=""/>
+        <p:cNvGrpSpPr/>
+        <p:nvPr/>
+      </p:nvGrpSpPr>
+      <p:grpSpPr>
+        <a:xfrm>
+          <a:off x="0" y="0"/>
+          <a:ext cx="0" cy="0"/>
+          <a:chOff x="0" y="0"/>
+          <a:chExt cx="0" cy="0"/>
+        </a:xfrm>
+      </p:grpSpPr>
+      <p:grpSp>
+        <p:nvGrpSpPr>
+          <p:cNvPr id="74" name="群組 73">
+            <a:extLst>
+              <a:ext uri="{FF2B5EF4-FFF2-40B4-BE49-F238E27FC236}">
+                <a16:creationId xmlns:a16="http://schemas.microsoft.com/office/drawing/2014/main" id="{2AF7EE5A-A8F1-422D-89BE-E31B954DCBD6}"/>
+              </a:ext>
+            </a:extLst>
+          </p:cNvPr>
+          <p:cNvGrpSpPr/>
+          <p:nvPr/>
+        </p:nvGrpSpPr>
+        <p:grpSpPr>
+          <a:xfrm>
+            <a:off x="2353016" y="379677"/>
+            <a:ext cx="7485971" cy="6115196"/>
+            <a:chOff x="2353016" y="379677"/>
+            <a:chExt cx="7485971" cy="6115196"/>
+          </a:xfrm>
+        </p:grpSpPr>
+        <p:pic>
+          <p:nvPicPr>
+            <p:cNvPr id="38" name="圖形 37">
+              <a:extLst>
+                <a:ext uri="{FF2B5EF4-FFF2-40B4-BE49-F238E27FC236}">
+                  <a16:creationId xmlns:a16="http://schemas.microsoft.com/office/drawing/2014/main" id="{802D4572-46CD-43EA-A8D6-7BCF59AE248F}"/>
+                </a:ext>
+              </a:extLst>
+            </p:cNvPr>
+            <p:cNvPicPr>
+              <a:picLocks noChangeAspect="1"/>
+            </p:cNvPicPr>
+            <p:nvPr/>
+          </p:nvPicPr>
+          <p:blipFill>
+            <a:blip r:embed="rId2">
+              <a:extLst>
+                <a:ext uri="{28A0092B-C50C-407E-A947-70E740481C1C}">
+                  <a14:useLocalDpi xmlns:a14="http://schemas.microsoft.com/office/drawing/2010/main" val="0"/>
+                </a:ext>
+                <a:ext uri="{96DAC541-7B7A-43D3-8B79-37D633B846F1}">
+                  <asvg:svgBlip xmlns:asvg="http://schemas.microsoft.com/office/drawing/2016/SVG/main" r:embed="rId3"/>
+                </a:ext>
+              </a:extLst>
+            </a:blip>
+            <a:stretch>
+              <a:fillRect/>
+            </a:stretch>
+          </p:blipFill>
+          <p:spPr>
+            <a:xfrm>
+              <a:off x="2353016" y="379677"/>
+              <a:ext cx="7485971" cy="6029795"/>
+            </a:xfrm>
+            <a:prstGeom prst="rect">
+              <a:avLst/>
+            </a:prstGeom>
+          </p:spPr>
+        </p:pic>
+        <p:sp>
+          <p:nvSpPr>
+            <p:cNvPr id="39" name="文字方塊 38">
+              <a:extLst>
+                <a:ext uri="{FF2B5EF4-FFF2-40B4-BE49-F238E27FC236}">
+                  <a16:creationId xmlns:a16="http://schemas.microsoft.com/office/drawing/2014/main" id="{9C7BE044-0CB9-4530-8520-C2C6D8E7DB1E}"/>
+                </a:ext>
+              </a:extLst>
+            </p:cNvPr>
+            <p:cNvSpPr txBox="1"/>
+            <p:nvPr/>
+          </p:nvSpPr>
+          <p:spPr>
+            <a:xfrm>
+              <a:off x="7092825" y="5474497"/>
+              <a:ext cx="875072" cy="307776"/>
+            </a:xfrm>
+            <a:prstGeom prst="rect">
+              <a:avLst/>
+            </a:prstGeom>
+            <a:noFill/>
+          </p:spPr>
+          <p:txBody>
+            <a:bodyPr wrap="square" rtlCol="0">
+              <a:spAutoFit/>
+            </a:bodyPr>
+            <a:lstStyle/>
+            <a:p>
+              <a:r>
+                <a:rPr lang="en-US" altLang="zh-TW" sz="1400" dirty="0">
+                  <a:solidFill>
+                    <a:srgbClr val="FCC640"/>
+                  </a:solidFill>
+                  <a:latin typeface="Times New Roman" panose="02020603050405020304" pitchFamily="18" charset="0"/>
+                  <a:cs typeface="Times New Roman" panose="02020603050405020304" pitchFamily="18" charset="0"/>
+                </a:rPr>
+                <a:t>(R</a:t>
+              </a:r>
+              <a:r>
+                <a:rPr lang="en-US" altLang="zh-TW" sz="1400" baseline="-25000" dirty="0">
+                  <a:solidFill>
+                    <a:srgbClr val="FCC640"/>
+                  </a:solidFill>
+                  <a:latin typeface="Times New Roman" panose="02020603050405020304" pitchFamily="18" charset="0"/>
+                  <a:cs typeface="Times New Roman" panose="02020603050405020304" pitchFamily="18" charset="0"/>
+                </a:rPr>
+                <a:t>ib</a:t>
+              </a:r>
+              <a:r>
+                <a:rPr lang="en-US" altLang="zh-TW" sz="1400" dirty="0">
+                  <a:solidFill>
+                    <a:srgbClr val="FCC640"/>
+                  </a:solidFill>
+                  <a:latin typeface="Times New Roman" panose="02020603050405020304" pitchFamily="18" charset="0"/>
+                  <a:cs typeface="Times New Roman" panose="02020603050405020304" pitchFamily="18" charset="0"/>
+                </a:rPr>
+                <a:t>)</a:t>
+              </a:r>
+              <a:r>
+                <a:rPr lang="en-US" altLang="zh-TW" sz="1400" baseline="30000" dirty="0">
+                  <a:solidFill>
+                    <a:srgbClr val="FCC640"/>
+                  </a:solidFill>
+                  <a:latin typeface="Times New Roman" panose="02020603050405020304" pitchFamily="18" charset="0"/>
+                  <a:cs typeface="Times New Roman" panose="02020603050405020304" pitchFamily="18" charset="0"/>
+                </a:rPr>
+                <a:t>-1</a:t>
+              </a:r>
+              <a:endParaRPr lang="zh-TW" altLang="en-US" sz="1400" baseline="30000" dirty="0">
+                <a:solidFill>
+                  <a:srgbClr val="FCC640"/>
+                </a:solidFill>
+                <a:latin typeface="Times New Roman" panose="02020603050405020304" pitchFamily="18" charset="0"/>
+                <a:cs typeface="Times New Roman" panose="02020603050405020304" pitchFamily="18" charset="0"/>
+              </a:endParaRPr>
+            </a:p>
+          </p:txBody>
+        </p:sp>
+        <p:sp>
+          <p:nvSpPr>
+            <p:cNvPr id="40" name="文字方塊 39">
+              <a:extLst>
+                <a:ext uri="{FF2B5EF4-FFF2-40B4-BE49-F238E27FC236}">
+                  <a16:creationId xmlns:a16="http://schemas.microsoft.com/office/drawing/2014/main" id="{AB9578FF-BE9A-4101-A93F-516A590FF7C1}"/>
+                </a:ext>
+              </a:extLst>
+            </p:cNvPr>
+            <p:cNvSpPr txBox="1"/>
+            <p:nvPr/>
+          </p:nvSpPr>
+          <p:spPr>
+            <a:xfrm>
+              <a:off x="4103906" y="4398818"/>
+              <a:ext cx="875072" cy="307776"/>
+            </a:xfrm>
+            <a:prstGeom prst="rect">
+              <a:avLst/>
+            </a:prstGeom>
+            <a:noFill/>
+          </p:spPr>
+          <p:txBody>
+            <a:bodyPr wrap="square" rtlCol="0">
+              <a:spAutoFit/>
+            </a:bodyPr>
+            <a:lstStyle/>
+            <a:p>
+              <a:r>
+                <a:rPr lang="en-US" altLang="zh-TW" sz="1400" dirty="0">
+                  <a:solidFill>
+                    <a:srgbClr val="FCC640"/>
+                  </a:solidFill>
+                  <a:latin typeface="Times New Roman" panose="02020603050405020304" pitchFamily="18" charset="0"/>
+                  <a:cs typeface="Times New Roman" panose="02020603050405020304" pitchFamily="18" charset="0"/>
+                </a:rPr>
+                <a:t>R</a:t>
+              </a:r>
+              <a:r>
+                <a:rPr lang="en-US" altLang="zh-TW" sz="1400" baseline="-25000" dirty="0">
+                  <a:solidFill>
+                    <a:srgbClr val="FCC640"/>
+                  </a:solidFill>
+                  <a:latin typeface="Times New Roman" panose="02020603050405020304" pitchFamily="18" charset="0"/>
+                  <a:cs typeface="Times New Roman" panose="02020603050405020304" pitchFamily="18" charset="0"/>
+                </a:rPr>
+                <a:t>i</a:t>
+              </a:r>
+              <a:endParaRPr lang="zh-TW" altLang="en-US" sz="1400" baseline="-25000" dirty="0">
+                <a:solidFill>
+                  <a:srgbClr val="FCC640"/>
+                </a:solidFill>
+                <a:latin typeface="Times New Roman" panose="02020603050405020304" pitchFamily="18" charset="0"/>
+                <a:cs typeface="Times New Roman" panose="02020603050405020304" pitchFamily="18" charset="0"/>
+              </a:endParaRPr>
+            </a:p>
+          </p:txBody>
+        </p:sp>
+        <p:sp>
+          <p:nvSpPr>
+            <p:cNvPr id="41" name="文字方塊 40">
+              <a:extLst>
+                <a:ext uri="{FF2B5EF4-FFF2-40B4-BE49-F238E27FC236}">
+                  <a16:creationId xmlns:a16="http://schemas.microsoft.com/office/drawing/2014/main" id="{272C8430-C61B-47D2-8511-ED1B1BD90FA1}"/>
+                </a:ext>
+              </a:extLst>
+            </p:cNvPr>
+            <p:cNvSpPr txBox="1"/>
+            <p:nvPr/>
+          </p:nvSpPr>
+          <p:spPr>
+            <a:xfrm>
+              <a:off x="5740487" y="655914"/>
+              <a:ext cx="875072" cy="307776"/>
+            </a:xfrm>
+            <a:prstGeom prst="rect">
+              <a:avLst/>
+            </a:prstGeom>
+            <a:noFill/>
+          </p:spPr>
+          <p:txBody>
+            <a:bodyPr wrap="square" rtlCol="0">
+              <a:spAutoFit/>
+            </a:bodyPr>
+            <a:lstStyle/>
+            <a:p>
+              <a:r>
+                <a:rPr lang="en-US" altLang="zh-TW" sz="1400" dirty="0">
+                  <a:solidFill>
+                    <a:srgbClr val="FCC640"/>
+                  </a:solidFill>
+                  <a:latin typeface="Times New Roman" panose="02020603050405020304" pitchFamily="18" charset="0"/>
+                  <a:cs typeface="Times New Roman" panose="02020603050405020304" pitchFamily="18" charset="0"/>
+                </a:rPr>
+                <a:t>R</a:t>
+              </a:r>
+              <a:r>
+                <a:rPr lang="en-US" altLang="zh-TW" sz="1400" baseline="-25000" dirty="0">
+                  <a:solidFill>
+                    <a:srgbClr val="FCC640"/>
+                  </a:solidFill>
+                  <a:latin typeface="Times New Roman" panose="02020603050405020304" pitchFamily="18" charset="0"/>
+                  <a:cs typeface="Times New Roman" panose="02020603050405020304" pitchFamily="18" charset="0"/>
+                </a:rPr>
+                <a:t>ig</a:t>
+              </a:r>
+              <a:endParaRPr lang="zh-TW" altLang="en-US" sz="1400" baseline="30000" dirty="0">
+                <a:solidFill>
+                  <a:srgbClr val="FCC640"/>
+                </a:solidFill>
+                <a:latin typeface="Times New Roman" panose="02020603050405020304" pitchFamily="18" charset="0"/>
+                <a:cs typeface="Times New Roman" panose="02020603050405020304" pitchFamily="18" charset="0"/>
+              </a:endParaRPr>
+            </a:p>
+          </p:txBody>
+        </p:sp>
+        <p:sp>
+          <p:nvSpPr>
+            <p:cNvPr id="42" name="文字方塊 41">
+              <a:extLst>
+                <a:ext uri="{FF2B5EF4-FFF2-40B4-BE49-F238E27FC236}">
+                  <a16:creationId xmlns:a16="http://schemas.microsoft.com/office/drawing/2014/main" id="{4CDDAEAA-A455-461F-AFEA-5AD97E0546A8}"/>
+                </a:ext>
+              </a:extLst>
+            </p:cNvPr>
+            <p:cNvSpPr txBox="1"/>
+            <p:nvPr/>
+          </p:nvSpPr>
+          <p:spPr>
+            <a:xfrm>
+              <a:off x="3614113" y="508646"/>
+              <a:ext cx="653090" cy="523220"/>
+            </a:xfrm>
+            <a:prstGeom prst="rect">
+              <a:avLst/>
+            </a:prstGeom>
+            <a:noFill/>
+          </p:spPr>
+          <p:txBody>
+            <a:bodyPr wrap="square" rtlCol="0" anchor="ctr">
+              <a:spAutoFit/>
+            </a:bodyPr>
+            <a:lstStyle/>
+            <a:p>
+              <a:r>
+                <a:rPr lang="en-US" altLang="zh-TW" sz="1400" dirty="0">
+                  <a:solidFill>
+                    <a:srgbClr val="99B0D3"/>
+                  </a:solidFill>
+                </a:rPr>
+                <a:t>North</a:t>
+              </a:r>
+            </a:p>
+            <a:p>
+              <a:pPr algn="ctr"/>
+              <a:r>
+                <a:rPr lang="en-US" altLang="zh-TW" sz="1400" dirty="0">
+                  <a:solidFill>
+                    <a:srgbClr val="99B0D3"/>
+                  </a:solidFill>
+                </a:rPr>
+                <a:t>+y</a:t>
+              </a:r>
+              <a:endParaRPr lang="zh-TW" altLang="en-US" sz="1400" dirty="0">
+                <a:solidFill>
+                  <a:srgbClr val="99B0D3"/>
+                </a:solidFill>
+              </a:endParaRPr>
+            </a:p>
+          </p:txBody>
+        </p:sp>
+        <p:sp>
+          <p:nvSpPr>
+            <p:cNvPr id="43" name="文字方塊 42">
+              <a:extLst>
+                <a:ext uri="{FF2B5EF4-FFF2-40B4-BE49-F238E27FC236}">
+                  <a16:creationId xmlns:a16="http://schemas.microsoft.com/office/drawing/2014/main" id="{729895A3-FB5A-4130-9033-2770A42E3DD9}"/>
+                </a:ext>
+              </a:extLst>
+            </p:cNvPr>
+            <p:cNvSpPr txBox="1"/>
+            <p:nvPr/>
+          </p:nvSpPr>
+          <p:spPr>
+            <a:xfrm>
+              <a:off x="5150326" y="1926114"/>
+              <a:ext cx="483921" cy="523220"/>
+            </a:xfrm>
+            <a:prstGeom prst="rect">
+              <a:avLst/>
+            </a:prstGeom>
+            <a:noFill/>
+          </p:spPr>
+          <p:txBody>
+            <a:bodyPr wrap="square" rtlCol="0" anchor="ctr">
+              <a:spAutoFit/>
+            </a:bodyPr>
+            <a:lstStyle/>
+            <a:p>
+              <a:r>
+                <a:rPr lang="en-US" altLang="zh-TW" sz="1400" dirty="0">
+                  <a:solidFill>
+                    <a:srgbClr val="99B0D3"/>
+                  </a:solidFill>
+                </a:rPr>
+                <a:t>East</a:t>
+              </a:r>
+            </a:p>
+            <a:p>
+              <a:pPr algn="ctr"/>
+              <a:r>
+                <a:rPr lang="en-US" altLang="zh-TW" sz="1400" dirty="0">
+                  <a:solidFill>
+                    <a:srgbClr val="99B0D3"/>
+                  </a:solidFill>
+                </a:rPr>
+                <a:t>+x</a:t>
+              </a:r>
+              <a:endParaRPr lang="zh-TW" altLang="en-US" sz="1400" dirty="0">
+                <a:solidFill>
+                  <a:srgbClr val="99B0D3"/>
+                </a:solidFill>
+              </a:endParaRPr>
+            </a:p>
+          </p:txBody>
+        </p:sp>
+        <p:sp>
+          <p:nvSpPr>
+            <p:cNvPr id="44" name="文字方塊 43">
+              <a:extLst>
+                <a:ext uri="{FF2B5EF4-FFF2-40B4-BE49-F238E27FC236}">
+                  <a16:creationId xmlns:a16="http://schemas.microsoft.com/office/drawing/2014/main" id="{03D1F2D2-7DE3-4B96-BED5-57451BBE9711}"/>
+                </a:ext>
+              </a:extLst>
+            </p:cNvPr>
+            <p:cNvSpPr txBox="1"/>
+            <p:nvPr/>
+          </p:nvSpPr>
+          <p:spPr>
+            <a:xfrm>
+              <a:off x="2725686" y="3054235"/>
+              <a:ext cx="1030977" cy="523220"/>
+            </a:xfrm>
+            <a:prstGeom prst="rect">
+              <a:avLst/>
+            </a:prstGeom>
+            <a:noFill/>
+          </p:spPr>
+          <p:txBody>
+            <a:bodyPr wrap="square" rtlCol="0" anchor="ctr">
+              <a:spAutoFit/>
+            </a:bodyPr>
+            <a:lstStyle/>
+            <a:p>
+              <a:r>
+                <a:rPr lang="en-US" altLang="zh-TW" sz="1400" dirty="0">
+                  <a:solidFill>
+                    <a:srgbClr val="99B0D3"/>
+                  </a:solidFill>
+                </a:rPr>
+                <a:t>Global Up</a:t>
+              </a:r>
+            </a:p>
+            <a:p>
+              <a:pPr algn="ctr"/>
+              <a:r>
+                <a:rPr lang="en-US" altLang="zh-TW" sz="1400" dirty="0">
+                  <a:solidFill>
+                    <a:srgbClr val="99B0D3"/>
+                  </a:solidFill>
+                </a:rPr>
+                <a:t>+z</a:t>
+              </a:r>
+              <a:endParaRPr lang="zh-TW" altLang="en-US" sz="1400" dirty="0">
+                <a:solidFill>
+                  <a:srgbClr val="99B0D3"/>
+                </a:solidFill>
+              </a:endParaRPr>
+            </a:p>
+          </p:txBody>
+        </p:sp>
+        <p:sp>
+          <p:nvSpPr>
+            <p:cNvPr id="45" name="文字方塊 44">
+              <a:extLst>
+                <a:ext uri="{FF2B5EF4-FFF2-40B4-BE49-F238E27FC236}">
+                  <a16:creationId xmlns:a16="http://schemas.microsoft.com/office/drawing/2014/main" id="{3FE6EE1A-B109-4C3D-8F95-2DE3CC9C6691}"/>
+                </a:ext>
+              </a:extLst>
+            </p:cNvPr>
+            <p:cNvSpPr txBox="1"/>
+            <p:nvPr/>
+          </p:nvSpPr>
+          <p:spPr>
+            <a:xfrm>
+              <a:off x="5914808" y="5166721"/>
+              <a:ext cx="263215" cy="307776"/>
+            </a:xfrm>
+            <a:prstGeom prst="rect">
+              <a:avLst/>
+            </a:prstGeom>
+            <a:noFill/>
+          </p:spPr>
+          <p:txBody>
+            <a:bodyPr wrap="none" rtlCol="0">
+              <a:spAutoFit/>
+            </a:bodyPr>
+            <a:lstStyle/>
+            <a:p>
+              <a:r>
+                <a:rPr lang="en-US" altLang="zh-TW" sz="1400" dirty="0">
+                  <a:solidFill>
+                    <a:srgbClr val="CE8885"/>
+                  </a:solidFill>
+                </a:rPr>
+                <a:t>x</a:t>
+              </a:r>
+              <a:endParaRPr lang="zh-TW" altLang="en-US" sz="1400" dirty="0">
+                <a:solidFill>
+                  <a:srgbClr val="CE8885"/>
+                </a:solidFill>
+              </a:endParaRPr>
+            </a:p>
+          </p:txBody>
+        </p:sp>
+        <p:sp>
+          <p:nvSpPr>
+            <p:cNvPr id="46" name="文字方塊 45">
+              <a:extLst>
+                <a:ext uri="{FF2B5EF4-FFF2-40B4-BE49-F238E27FC236}">
+                  <a16:creationId xmlns:a16="http://schemas.microsoft.com/office/drawing/2014/main" id="{2C33EA74-C5FE-4FBA-8487-721B54B0FDAA}"/>
+                </a:ext>
+              </a:extLst>
+            </p:cNvPr>
+            <p:cNvSpPr txBox="1"/>
+            <p:nvPr/>
+          </p:nvSpPr>
+          <p:spPr>
+            <a:xfrm>
+              <a:off x="5168275" y="5446109"/>
+              <a:ext cx="266419" cy="307776"/>
+            </a:xfrm>
+            <a:prstGeom prst="rect">
+              <a:avLst/>
+            </a:prstGeom>
+            <a:noFill/>
+          </p:spPr>
+          <p:txBody>
+            <a:bodyPr wrap="none" rtlCol="0">
+              <a:spAutoFit/>
+            </a:bodyPr>
+            <a:lstStyle/>
+            <a:p>
+              <a:r>
+                <a:rPr lang="en-US" altLang="zh-TW" sz="1400" dirty="0">
+                  <a:solidFill>
+                    <a:srgbClr val="CE8885"/>
+                  </a:solidFill>
+                </a:rPr>
+                <a:t>y</a:t>
+              </a:r>
+              <a:endParaRPr lang="zh-TW" altLang="en-US" sz="1400" dirty="0">
+                <a:solidFill>
+                  <a:srgbClr val="CE8885"/>
+                </a:solidFill>
+              </a:endParaRPr>
+            </a:p>
+          </p:txBody>
+        </p:sp>
+        <p:sp>
+          <p:nvSpPr>
+            <p:cNvPr id="47" name="文字方塊 46">
+              <a:extLst>
+                <a:ext uri="{FF2B5EF4-FFF2-40B4-BE49-F238E27FC236}">
+                  <a16:creationId xmlns:a16="http://schemas.microsoft.com/office/drawing/2014/main" id="{042C9B69-65D1-4CEC-BB50-9F9D0A8047FA}"/>
+                </a:ext>
+              </a:extLst>
+            </p:cNvPr>
+            <p:cNvSpPr txBox="1"/>
+            <p:nvPr/>
+          </p:nvSpPr>
+          <p:spPr>
+            <a:xfrm>
+              <a:off x="5615533" y="6187097"/>
+              <a:ext cx="255199" cy="307776"/>
+            </a:xfrm>
+            <a:prstGeom prst="rect">
+              <a:avLst/>
+            </a:prstGeom>
+            <a:noFill/>
+          </p:spPr>
+          <p:txBody>
+            <a:bodyPr wrap="none" rtlCol="0">
+              <a:spAutoFit/>
+            </a:bodyPr>
+            <a:lstStyle/>
+            <a:p>
+              <a:r>
+                <a:rPr lang="en-US" altLang="zh-TW" sz="1400" dirty="0">
+                  <a:solidFill>
+                    <a:srgbClr val="CE8885"/>
+                  </a:solidFill>
+                </a:rPr>
+                <a:t>z</a:t>
+              </a:r>
+              <a:endParaRPr lang="zh-TW" altLang="en-US" sz="1400" dirty="0">
+                <a:solidFill>
+                  <a:srgbClr val="CE8885"/>
+                </a:solidFill>
+              </a:endParaRPr>
+            </a:p>
+          </p:txBody>
+        </p:sp>
+        <p:sp>
+          <p:nvSpPr>
+            <p:cNvPr id="49" name="文字方塊 48">
+              <a:extLst>
+                <a:ext uri="{FF2B5EF4-FFF2-40B4-BE49-F238E27FC236}">
+                  <a16:creationId xmlns:a16="http://schemas.microsoft.com/office/drawing/2014/main" id="{9236A42F-42BD-4232-9091-0E3B4B0172A3}"/>
+                </a:ext>
+              </a:extLst>
+            </p:cNvPr>
+            <p:cNvSpPr txBox="1"/>
+            <p:nvPr/>
+          </p:nvSpPr>
+          <p:spPr>
+            <a:xfrm>
+              <a:off x="7364862" y="4552708"/>
+              <a:ext cx="263215" cy="307776"/>
+            </a:xfrm>
+            <a:prstGeom prst="rect">
+              <a:avLst/>
+            </a:prstGeom>
+            <a:noFill/>
+          </p:spPr>
+          <p:txBody>
+            <a:bodyPr wrap="none" rtlCol="0">
+              <a:spAutoFit/>
+            </a:bodyPr>
+            <a:lstStyle/>
+            <a:p>
+              <a:r>
+                <a:rPr lang="en-US" altLang="zh-TW" sz="1400" dirty="0">
+                  <a:solidFill>
+                    <a:srgbClr val="808080"/>
+                  </a:solidFill>
+                </a:rPr>
+                <a:t>x</a:t>
+              </a:r>
+              <a:endParaRPr lang="zh-TW" altLang="en-US" sz="1400" dirty="0">
+                <a:solidFill>
+                  <a:srgbClr val="808080"/>
+                </a:solidFill>
+              </a:endParaRPr>
+            </a:p>
+          </p:txBody>
+        </p:sp>
+        <p:sp>
+          <p:nvSpPr>
+            <p:cNvPr id="50" name="文字方塊 49">
+              <a:extLst>
+                <a:ext uri="{FF2B5EF4-FFF2-40B4-BE49-F238E27FC236}">
+                  <a16:creationId xmlns:a16="http://schemas.microsoft.com/office/drawing/2014/main" id="{CED536C2-BD25-414F-87EB-41A8FF1D5A09}"/>
+                </a:ext>
+              </a:extLst>
+            </p:cNvPr>
+            <p:cNvSpPr txBox="1"/>
+            <p:nvPr/>
+          </p:nvSpPr>
+          <p:spPr>
+            <a:xfrm>
+              <a:off x="5482326" y="5021335"/>
+              <a:ext cx="266419" cy="307776"/>
+            </a:xfrm>
+            <a:prstGeom prst="rect">
+              <a:avLst/>
+            </a:prstGeom>
+            <a:noFill/>
+          </p:spPr>
+          <p:txBody>
+            <a:bodyPr wrap="none" rtlCol="0">
+              <a:spAutoFit/>
+            </a:bodyPr>
+            <a:lstStyle/>
+            <a:p>
+              <a:r>
+                <a:rPr lang="en-US" altLang="zh-TW" sz="1400" dirty="0">
+                  <a:solidFill>
+                    <a:srgbClr val="808080"/>
+                  </a:solidFill>
+                </a:rPr>
+                <a:t>y</a:t>
+              </a:r>
+              <a:endParaRPr lang="zh-TW" altLang="en-US" sz="1400" dirty="0">
+                <a:solidFill>
+                  <a:srgbClr val="808080"/>
+                </a:solidFill>
+              </a:endParaRPr>
+            </a:p>
+          </p:txBody>
+        </p:sp>
+        <p:sp>
+          <p:nvSpPr>
+            <p:cNvPr id="51" name="文字方塊 50">
+              <a:extLst>
+                <a:ext uri="{FF2B5EF4-FFF2-40B4-BE49-F238E27FC236}">
+                  <a16:creationId xmlns:a16="http://schemas.microsoft.com/office/drawing/2014/main" id="{E874F1B5-E560-431B-90E5-5F53AB991FBA}"/>
+                </a:ext>
+              </a:extLst>
+            </p:cNvPr>
+            <p:cNvSpPr txBox="1"/>
+            <p:nvPr/>
+          </p:nvSpPr>
+          <p:spPr>
+            <a:xfrm>
+              <a:off x="6136162" y="5523021"/>
+              <a:ext cx="255199" cy="307776"/>
+            </a:xfrm>
+            <a:prstGeom prst="rect">
+              <a:avLst/>
+            </a:prstGeom>
+            <a:noFill/>
+          </p:spPr>
+          <p:txBody>
+            <a:bodyPr wrap="none" rtlCol="0">
+              <a:spAutoFit/>
+            </a:bodyPr>
+            <a:lstStyle/>
+            <a:p>
+              <a:r>
+                <a:rPr lang="en-US" altLang="zh-TW" sz="1400" dirty="0">
+                  <a:solidFill>
+                    <a:srgbClr val="808080"/>
+                  </a:solidFill>
+                </a:rPr>
+                <a:t>z</a:t>
+              </a:r>
+              <a:endParaRPr lang="zh-TW" altLang="en-US" sz="1400" dirty="0">
+                <a:solidFill>
+                  <a:srgbClr val="808080"/>
+                </a:solidFill>
+              </a:endParaRPr>
+            </a:p>
+          </p:txBody>
+        </p:sp>
+        <p:sp>
+          <p:nvSpPr>
+            <p:cNvPr id="67" name="文字方塊 66">
+              <a:extLst>
+                <a:ext uri="{FF2B5EF4-FFF2-40B4-BE49-F238E27FC236}">
+                  <a16:creationId xmlns:a16="http://schemas.microsoft.com/office/drawing/2014/main" id="{FE521864-9CC3-46C0-9017-A9C5A74859AD}"/>
+                </a:ext>
+              </a:extLst>
+            </p:cNvPr>
+            <p:cNvSpPr txBox="1"/>
+            <p:nvPr/>
+          </p:nvSpPr>
+          <p:spPr>
+            <a:xfrm>
+              <a:off x="8155638" y="910351"/>
+              <a:ext cx="1544630" cy="523220"/>
+            </a:xfrm>
+            <a:prstGeom prst="rect">
+              <a:avLst/>
+            </a:prstGeom>
+            <a:noFill/>
+          </p:spPr>
+          <p:txBody>
+            <a:bodyPr wrap="square" rtlCol="0" anchor="ctr">
+              <a:spAutoFit/>
+            </a:bodyPr>
+            <a:lstStyle/>
+            <a:p>
+              <a:pPr algn="ctr"/>
+              <a:r>
+                <a:rPr lang="en-US" altLang="zh-TW" sz="1400" dirty="0">
+                  <a:solidFill>
+                    <a:srgbClr val="A8CA94"/>
+                  </a:solidFill>
+                </a:rPr>
+                <a:t>Magnetic North</a:t>
+              </a:r>
+            </a:p>
+            <a:p>
+              <a:pPr algn="ctr"/>
+              <a:r>
+                <a:rPr lang="en-US" altLang="zh-TW" sz="1400" dirty="0">
+                  <a:solidFill>
+                    <a:srgbClr val="A8CA94"/>
+                  </a:solidFill>
+                </a:rPr>
+                <a:t>+y</a:t>
+              </a:r>
+              <a:endParaRPr lang="zh-TW" altLang="en-US" sz="1400" dirty="0">
+                <a:solidFill>
+                  <a:srgbClr val="A8CA94"/>
+                </a:solidFill>
+              </a:endParaRPr>
+            </a:p>
+          </p:txBody>
+        </p:sp>
+        <p:sp>
+          <p:nvSpPr>
+            <p:cNvPr id="68" name="文字方塊 67">
+              <a:extLst>
+                <a:ext uri="{FF2B5EF4-FFF2-40B4-BE49-F238E27FC236}">
+                  <a16:creationId xmlns:a16="http://schemas.microsoft.com/office/drawing/2014/main" id="{5B59B763-AF0D-4FC8-81D5-65FA04A42488}"/>
+                </a:ext>
+              </a:extLst>
+            </p:cNvPr>
+            <p:cNvSpPr txBox="1"/>
+            <p:nvPr/>
+          </p:nvSpPr>
+          <p:spPr>
+            <a:xfrm>
+              <a:off x="6399817" y="2142258"/>
+              <a:ext cx="1030977" cy="523220"/>
+            </a:xfrm>
+            <a:prstGeom prst="rect">
+              <a:avLst/>
+            </a:prstGeom>
+            <a:noFill/>
+          </p:spPr>
+          <p:txBody>
+            <a:bodyPr wrap="square" rtlCol="0" anchor="ctr">
+              <a:spAutoFit/>
+            </a:bodyPr>
+            <a:lstStyle/>
+            <a:p>
+              <a:pPr algn="ctr"/>
+              <a:r>
+                <a:rPr lang="en-US" altLang="zh-TW" sz="1400" dirty="0">
+                  <a:solidFill>
+                    <a:srgbClr val="A8CA94"/>
+                  </a:solidFill>
+                </a:rPr>
+                <a:t>Global Up</a:t>
+              </a:r>
+            </a:p>
+            <a:p>
+              <a:pPr algn="ctr"/>
+              <a:r>
+                <a:rPr lang="en-US" altLang="zh-TW" sz="1400" dirty="0">
+                  <a:solidFill>
+                    <a:srgbClr val="A8CA94"/>
+                  </a:solidFill>
+                </a:rPr>
+                <a:t>+z</a:t>
+              </a:r>
+              <a:endParaRPr lang="zh-TW" altLang="en-US" sz="1400" dirty="0">
+                <a:solidFill>
+                  <a:srgbClr val="A8CA94"/>
+                </a:solidFill>
+              </a:endParaRPr>
+            </a:p>
+          </p:txBody>
+        </p:sp>
+        <p:sp>
+          <p:nvSpPr>
+            <p:cNvPr id="71" name="文字方塊 70">
+              <a:extLst>
+                <a:ext uri="{FF2B5EF4-FFF2-40B4-BE49-F238E27FC236}">
+                  <a16:creationId xmlns:a16="http://schemas.microsoft.com/office/drawing/2014/main" id="{13894631-8914-4B3B-83AA-6E79F0FFBC55}"/>
+                </a:ext>
+              </a:extLst>
+            </p:cNvPr>
+            <p:cNvSpPr txBox="1"/>
+            <p:nvPr/>
+          </p:nvSpPr>
+          <p:spPr>
+            <a:xfrm>
+              <a:off x="8685987" y="2793126"/>
+              <a:ext cx="483921" cy="523220"/>
+            </a:xfrm>
+            <a:prstGeom prst="rect">
+              <a:avLst/>
+            </a:prstGeom>
+            <a:noFill/>
+          </p:spPr>
+          <p:txBody>
+            <a:bodyPr wrap="square" rtlCol="0" anchor="ctr">
+              <a:spAutoFit/>
+            </a:bodyPr>
+            <a:lstStyle/>
+            <a:p>
+              <a:pPr algn="ctr"/>
+              <a:r>
+                <a:rPr lang="en-US" altLang="zh-TW" sz="1400" dirty="0">
+                  <a:solidFill>
+                    <a:srgbClr val="A8CA94"/>
+                  </a:solidFill>
+                </a:rPr>
+                <a:t>East</a:t>
+              </a:r>
+            </a:p>
+            <a:p>
+              <a:pPr algn="ctr"/>
+              <a:r>
+                <a:rPr lang="en-US" altLang="zh-TW" sz="1400" dirty="0">
+                  <a:solidFill>
+                    <a:srgbClr val="A8CA94"/>
+                  </a:solidFill>
+                </a:rPr>
+                <a:t>+x</a:t>
+              </a:r>
+              <a:endParaRPr lang="zh-TW" altLang="en-US" sz="1400" dirty="0">
+                <a:solidFill>
+                  <a:srgbClr val="A8CA94"/>
+                </a:solidFill>
+              </a:endParaRPr>
+            </a:p>
+          </p:txBody>
+        </p:sp>
+        <p:sp>
+          <p:nvSpPr>
+            <p:cNvPr id="73" name="文字方塊 72">
+              <a:extLst>
+                <a:ext uri="{FF2B5EF4-FFF2-40B4-BE49-F238E27FC236}">
+                  <a16:creationId xmlns:a16="http://schemas.microsoft.com/office/drawing/2014/main" id="{D0224057-7B3B-4AFB-94CE-F4268EE69495}"/>
+                </a:ext>
+              </a:extLst>
+            </p:cNvPr>
+            <p:cNvSpPr txBox="1"/>
+            <p:nvPr/>
+          </p:nvSpPr>
+          <p:spPr>
+            <a:xfrm>
+              <a:off x="8248451" y="3767633"/>
+              <a:ext cx="875072" cy="307776"/>
+            </a:xfrm>
+            <a:prstGeom prst="rect">
+              <a:avLst/>
+            </a:prstGeom>
+            <a:noFill/>
+          </p:spPr>
+          <p:txBody>
+            <a:bodyPr wrap="square" rtlCol="0">
+              <a:spAutoFit/>
+            </a:bodyPr>
+            <a:lstStyle/>
+            <a:p>
+              <a:r>
+                <a:rPr lang="en-US" altLang="zh-TW" sz="1400" dirty="0" err="1">
+                  <a:solidFill>
+                    <a:srgbClr val="FCC640"/>
+                  </a:solidFill>
+                  <a:latin typeface="Times New Roman" panose="02020603050405020304" pitchFamily="18" charset="0"/>
+                  <a:cs typeface="Times New Roman" panose="02020603050405020304" pitchFamily="18" charset="0"/>
+                </a:rPr>
+                <a:t>R</a:t>
+              </a:r>
+              <a:r>
+                <a:rPr lang="en-US" altLang="zh-TW" sz="1400" baseline="30000" dirty="0" err="1">
+                  <a:solidFill>
+                    <a:srgbClr val="FCC640"/>
+                  </a:solidFill>
+                  <a:latin typeface="Times New Roman" panose="02020603050405020304" pitchFamily="18" charset="0"/>
+                  <a:cs typeface="Times New Roman" panose="02020603050405020304" pitchFamily="18" charset="0"/>
+                </a:rPr>
+                <a:t>g</a:t>
+              </a:r>
+              <a:r>
+                <a:rPr lang="en-US" altLang="zh-TW" sz="1400" baseline="-25000" dirty="0" err="1">
+                  <a:solidFill>
+                    <a:srgbClr val="FCC640"/>
+                  </a:solidFill>
+                  <a:latin typeface="Times New Roman" panose="02020603050405020304" pitchFamily="18" charset="0"/>
+                  <a:cs typeface="Times New Roman" panose="02020603050405020304" pitchFamily="18" charset="0"/>
+                </a:rPr>
+                <a:t>bi</a:t>
+              </a:r>
+              <a:endParaRPr lang="zh-TW" altLang="en-US" sz="1400" baseline="30000" dirty="0">
+                <a:solidFill>
+                  <a:srgbClr val="FCC640"/>
+                </a:solidFill>
+                <a:latin typeface="Times New Roman" panose="02020603050405020304" pitchFamily="18" charset="0"/>
+                <a:cs typeface="Times New Roman" panose="02020603050405020304" pitchFamily="18" charset="0"/>
+              </a:endParaRPr>
+            </a:p>
+          </p:txBody>
+        </p:sp>
+      </p:grpSp>
+    </p:spTree>
+    <p:extLst>
+      <p:ext uri="{BB962C8B-B14F-4D97-AF65-F5344CB8AC3E}">
+        <p14:creationId xmlns:p14="http://schemas.microsoft.com/office/powerpoint/2010/main" val="1715015702"/>
+      </p:ext>
+    </p:extLst>
+  </p:cSld>
+  <p:clrMapOvr>
+    <a:masterClrMapping/>
+  </p:clrMapOvr>
+</p:sld>
+</file>
+
+<file path=ppt/slides/slide3.xml><?xml version="1.0" encoding="utf-8"?>
+<p:sld xmlns:a="http://schemas.openxmlformats.org/drawingml/2006/main" xmlns:r="http://schemas.openxmlformats.org/officeDocument/2006/relationships" xmlns:p="http://schemas.openxmlformats.org/presentationml/2006/main">
+  <p:cSld>
+    <p:spTree>
+      <p:nvGrpSpPr>
+        <p:cNvPr id="1" name=""/>
+        <p:cNvGrpSpPr/>
+        <p:nvPr/>
+      </p:nvGrpSpPr>
+      <p:grpSpPr>
+        <a:xfrm>
+          <a:off x="0" y="0"/>
+          <a:ext cx="0" cy="0"/>
+          <a:chOff x="0" y="0"/>
+          <a:chExt cx="0" cy="0"/>
+        </a:xfrm>
+      </p:grpSpPr>
       <p:sp>
         <p:nvSpPr>
           <p:cNvPr id="4" name="文字方塊 3">
@@ -3965,7 +7060,7 @@
 </p:sld>
 </file>
 
-<file path=ppt/slides/slide2.xml><?xml version="1.0" encoding="utf-8"?>
+<file path=ppt/slides/slide4.xml><?xml version="1.0" encoding="utf-8"?>
 <p:sld xmlns:a="http://schemas.openxmlformats.org/drawingml/2006/main" xmlns:r="http://schemas.openxmlformats.org/officeDocument/2006/relationships" xmlns:p="http://schemas.openxmlformats.org/presentationml/2006/main">
   <p:cSld>
     <p:spTree>
@@ -4840,7 +7935,7 @@
 </p:sld>
 </file>
 
-<file path=ppt/slides/slide3.xml><?xml version="1.0" encoding="utf-8"?>
+<file path=ppt/slides/slide5.xml><?xml version="1.0" encoding="utf-8"?>
 <p:sld xmlns:a="http://schemas.openxmlformats.org/drawingml/2006/main" xmlns:r="http://schemas.openxmlformats.org/officeDocument/2006/relationships" xmlns:p="http://schemas.openxmlformats.org/presentationml/2006/main">
   <p:cSld>
     <p:spTree>
@@ -4900,1795 +7995,7 @@
 </p:sld>
 </file>
 
-<file path=ppt/slides/slide4.xml><?xml version="1.0" encoding="utf-8"?>
-<p:sld xmlns:a="http://schemas.openxmlformats.org/drawingml/2006/main" xmlns:r="http://schemas.openxmlformats.org/officeDocument/2006/relationships" xmlns:p="http://schemas.openxmlformats.org/presentationml/2006/main">
-  <p:cSld>
-    <p:spTree>
-      <p:nvGrpSpPr>
-        <p:cNvPr id="1" name=""/>
-        <p:cNvGrpSpPr/>
-        <p:nvPr/>
-      </p:nvGrpSpPr>
-      <p:grpSpPr>
-        <a:xfrm>
-          <a:off x="0" y="0"/>
-          <a:ext cx="0" cy="0"/>
-          <a:chOff x="0" y="0"/>
-          <a:chExt cx="0" cy="0"/>
-        </a:xfrm>
-      </p:grpSpPr>
-      <p:grpSp>
-        <p:nvGrpSpPr>
-          <p:cNvPr id="42" name="群組 41">
-            <a:extLst>
-              <a:ext uri="{FF2B5EF4-FFF2-40B4-BE49-F238E27FC236}">
-                <a16:creationId xmlns:a16="http://schemas.microsoft.com/office/drawing/2014/main" id="{DC0192A0-32C7-4188-A208-909C325008E9}"/>
-              </a:ext>
-            </a:extLst>
-          </p:cNvPr>
-          <p:cNvGrpSpPr/>
-          <p:nvPr/>
-        </p:nvGrpSpPr>
-        <p:grpSpPr>
-          <a:xfrm>
-            <a:off x="587366" y="410287"/>
-            <a:ext cx="10409606" cy="5953927"/>
-            <a:chOff x="587366" y="410287"/>
-            <a:chExt cx="10409606" cy="5953927"/>
-          </a:xfrm>
-        </p:grpSpPr>
-        <p:pic>
-          <p:nvPicPr>
-            <p:cNvPr id="5" name="圖形 4">
-              <a:extLst>
-                <a:ext uri="{FF2B5EF4-FFF2-40B4-BE49-F238E27FC236}">
-                  <a16:creationId xmlns:a16="http://schemas.microsoft.com/office/drawing/2014/main" id="{FC1CFFE7-7FEA-44AB-8477-B23C978734ED}"/>
-                </a:ext>
-              </a:extLst>
-            </p:cNvPr>
-            <p:cNvPicPr>
-              <a:picLocks noChangeAspect="1"/>
-            </p:cNvPicPr>
-            <p:nvPr/>
-          </p:nvPicPr>
-          <p:blipFill>
-            <a:blip r:embed="rId2">
-              <a:extLst>
-                <a:ext uri="{28A0092B-C50C-407E-A947-70E740481C1C}">
-                  <a14:useLocalDpi xmlns:a14="http://schemas.microsoft.com/office/drawing/2010/main" val="0"/>
-                </a:ext>
-                <a:ext uri="{96DAC541-7B7A-43D3-8B79-37D633B846F1}">
-                  <asvg:svgBlip xmlns:asvg="http://schemas.microsoft.com/office/drawing/2016/SVG/main" r:embed="rId3"/>
-                </a:ext>
-              </a:extLst>
-            </a:blip>
-            <a:stretch>
-              <a:fillRect/>
-            </a:stretch>
-          </p:blipFill>
-          <p:spPr>
-            <a:xfrm>
-              <a:off x="919882" y="734279"/>
-              <a:ext cx="2922445" cy="5389443"/>
-            </a:xfrm>
-            <a:prstGeom prst="rect">
-              <a:avLst/>
-            </a:prstGeom>
-          </p:spPr>
-        </p:pic>
-        <p:sp>
-          <p:nvSpPr>
-            <p:cNvPr id="7" name="文字方塊 6">
-              <a:extLst>
-                <a:ext uri="{FF2B5EF4-FFF2-40B4-BE49-F238E27FC236}">
-                  <a16:creationId xmlns:a16="http://schemas.microsoft.com/office/drawing/2014/main" id="{CE37A9EF-DDC1-4D94-BCBC-7A1D0A867243}"/>
-                </a:ext>
-              </a:extLst>
-            </p:cNvPr>
-            <p:cNvSpPr txBox="1"/>
-            <p:nvPr/>
-          </p:nvSpPr>
-          <p:spPr>
-            <a:xfrm>
-              <a:off x="5100381" y="982176"/>
-              <a:ext cx="2923200" cy="4893647"/>
-            </a:xfrm>
-            <a:prstGeom prst="rect">
-              <a:avLst/>
-            </a:prstGeom>
-            <a:noFill/>
-          </p:spPr>
-          <p:txBody>
-            <a:bodyPr wrap="square" rtlCol="0" anchor="ctr">
-              <a:spAutoFit/>
-            </a:bodyPr>
-            <a:lstStyle/>
-            <a:p>
-              <a:r>
-                <a:rPr lang="en-US" altLang="zh-TW" sz="2400" dirty="0">
-                  <a:solidFill>
-                    <a:schemeClr val="accent2">
-                      <a:lumMod val="75000"/>
-                    </a:schemeClr>
-                  </a:solidFill>
-                </a:rPr>
-                <a:t>1.</a:t>
-              </a:r>
-              <a:r>
-                <a:rPr lang="en-US" altLang="zh-TW" sz="2400" dirty="0"/>
-                <a:t>   Nose</a:t>
-              </a:r>
-            </a:p>
-            <a:p>
-              <a:r>
-                <a:rPr lang="en-US" altLang="zh-TW" sz="2400" dirty="0">
-                  <a:solidFill>
-                    <a:schemeClr val="accent2">
-                      <a:lumMod val="75000"/>
-                    </a:schemeClr>
-                  </a:solidFill>
-                </a:rPr>
-                <a:t>2.</a:t>
-              </a:r>
-              <a:r>
-                <a:rPr lang="zh-TW" altLang="en-US" sz="2400" dirty="0"/>
-                <a:t>   </a:t>
-              </a:r>
-              <a:r>
-                <a:rPr lang="en-US" altLang="zh-TW" sz="2400" dirty="0"/>
-                <a:t>Left Eye</a:t>
-              </a:r>
-            </a:p>
-            <a:p>
-              <a:r>
-                <a:rPr lang="en-US" altLang="zh-TW" sz="2400" dirty="0">
-                  <a:solidFill>
-                    <a:schemeClr val="accent2">
-                      <a:lumMod val="75000"/>
-                    </a:schemeClr>
-                  </a:solidFill>
-                </a:rPr>
-                <a:t>3.</a:t>
-              </a:r>
-              <a:r>
-                <a:rPr lang="zh-TW" altLang="en-US" sz="2400" dirty="0"/>
-                <a:t>   </a:t>
-              </a:r>
-              <a:r>
-                <a:rPr lang="en-US" altLang="zh-TW" sz="2400" dirty="0"/>
-                <a:t>Right Eye</a:t>
-              </a:r>
-            </a:p>
-            <a:p>
-              <a:r>
-                <a:rPr lang="en-US" altLang="zh-TW" sz="2400" dirty="0">
-                  <a:solidFill>
-                    <a:schemeClr val="accent2">
-                      <a:lumMod val="75000"/>
-                    </a:schemeClr>
-                  </a:solidFill>
-                </a:rPr>
-                <a:t>4.</a:t>
-              </a:r>
-              <a:r>
-                <a:rPr lang="zh-TW" altLang="en-US" sz="2400" dirty="0"/>
-                <a:t>   </a:t>
-              </a:r>
-              <a:r>
-                <a:rPr lang="en-US" altLang="zh-TW" sz="2400" dirty="0"/>
-                <a:t>Left Ear</a:t>
-              </a:r>
-            </a:p>
-            <a:p>
-              <a:r>
-                <a:rPr lang="en-US" altLang="zh-TW" sz="2400" dirty="0">
-                  <a:solidFill>
-                    <a:schemeClr val="accent2">
-                      <a:lumMod val="75000"/>
-                    </a:schemeClr>
-                  </a:solidFill>
-                </a:rPr>
-                <a:t>5.</a:t>
-              </a:r>
-              <a:r>
-                <a:rPr lang="zh-TW" altLang="en-US" sz="2400" dirty="0"/>
-                <a:t>   </a:t>
-              </a:r>
-              <a:r>
-                <a:rPr lang="en-US" altLang="zh-TW" sz="2400" dirty="0"/>
-                <a:t>Right Ear</a:t>
-              </a:r>
-            </a:p>
-            <a:p>
-              <a:r>
-                <a:rPr lang="en-US" altLang="zh-TW" sz="2400" dirty="0">
-                  <a:solidFill>
-                    <a:schemeClr val="accent2">
-                      <a:lumMod val="75000"/>
-                    </a:schemeClr>
-                  </a:solidFill>
-                </a:rPr>
-                <a:t>6.</a:t>
-              </a:r>
-              <a:r>
-                <a:rPr lang="zh-TW" altLang="en-US" sz="2400" dirty="0"/>
-                <a:t>   </a:t>
-              </a:r>
-              <a:r>
-                <a:rPr lang="en-US" altLang="zh-TW" sz="2400" dirty="0"/>
-                <a:t>Left Shoulder</a:t>
-              </a:r>
-            </a:p>
-            <a:p>
-              <a:r>
-                <a:rPr lang="en-US" altLang="zh-TW" sz="2400" dirty="0">
-                  <a:solidFill>
-                    <a:schemeClr val="accent2">
-                      <a:lumMod val="75000"/>
-                    </a:schemeClr>
-                  </a:solidFill>
-                </a:rPr>
-                <a:t>7.</a:t>
-              </a:r>
-              <a:r>
-                <a:rPr lang="zh-TW" altLang="en-US" sz="2400" dirty="0"/>
-                <a:t>   </a:t>
-              </a:r>
-              <a:r>
-                <a:rPr lang="en-US" altLang="zh-TW" sz="2400" dirty="0"/>
-                <a:t>Right Shoulder</a:t>
-              </a:r>
-            </a:p>
-            <a:p>
-              <a:r>
-                <a:rPr lang="en-US" altLang="zh-TW" sz="2400" dirty="0">
-                  <a:solidFill>
-                    <a:schemeClr val="accent2">
-                      <a:lumMod val="75000"/>
-                    </a:schemeClr>
-                  </a:solidFill>
-                </a:rPr>
-                <a:t>8.</a:t>
-              </a:r>
-              <a:r>
-                <a:rPr lang="zh-TW" altLang="en-US" sz="2400" dirty="0"/>
-                <a:t>   </a:t>
-              </a:r>
-              <a:r>
-                <a:rPr lang="en-US" altLang="zh-TW" sz="2400" dirty="0"/>
-                <a:t>Left Elbow</a:t>
-              </a:r>
-            </a:p>
-            <a:p>
-              <a:r>
-                <a:rPr lang="en-US" altLang="zh-TW" sz="2400" dirty="0">
-                  <a:solidFill>
-                    <a:schemeClr val="accent2">
-                      <a:lumMod val="75000"/>
-                    </a:schemeClr>
-                  </a:solidFill>
-                </a:rPr>
-                <a:t>9.</a:t>
-              </a:r>
-              <a:r>
-                <a:rPr lang="zh-TW" altLang="en-US" sz="2400" dirty="0"/>
-                <a:t>   </a:t>
-              </a:r>
-              <a:r>
-                <a:rPr lang="en-US" altLang="zh-TW" sz="2400" dirty="0"/>
-                <a:t>Right Elbow</a:t>
-              </a:r>
-            </a:p>
-            <a:p>
-              <a:r>
-                <a:rPr lang="en-US" altLang="zh-TW" sz="2400" dirty="0">
-                  <a:solidFill>
-                    <a:schemeClr val="accent2">
-                      <a:lumMod val="75000"/>
-                    </a:schemeClr>
-                  </a:solidFill>
-                </a:rPr>
-                <a:t>10.</a:t>
-              </a:r>
-              <a:r>
-                <a:rPr lang="zh-TW" altLang="en-US" sz="2400" dirty="0"/>
-                <a:t> </a:t>
-              </a:r>
-              <a:r>
-                <a:rPr lang="en-US" altLang="zh-TW" sz="2400" dirty="0"/>
-                <a:t>Left Wrist</a:t>
-              </a:r>
-            </a:p>
-            <a:p>
-              <a:r>
-                <a:rPr lang="en-US" altLang="zh-TW" sz="2400" dirty="0">
-                  <a:solidFill>
-                    <a:schemeClr val="accent2">
-                      <a:lumMod val="75000"/>
-                    </a:schemeClr>
-                  </a:solidFill>
-                </a:rPr>
-                <a:t>11.</a:t>
-              </a:r>
-              <a:r>
-                <a:rPr lang="zh-TW" altLang="en-US" sz="2400" dirty="0"/>
-                <a:t> </a:t>
-              </a:r>
-              <a:r>
-                <a:rPr lang="en-US" altLang="zh-TW" sz="2400" dirty="0"/>
-                <a:t>Right Wrist</a:t>
-              </a:r>
-            </a:p>
-            <a:p>
-              <a:r>
-                <a:rPr lang="en-US" altLang="zh-TW" sz="2400" dirty="0">
-                  <a:solidFill>
-                    <a:schemeClr val="accent2">
-                      <a:lumMod val="75000"/>
-                    </a:schemeClr>
-                  </a:solidFill>
-                </a:rPr>
-                <a:t>12.</a:t>
-              </a:r>
-              <a:r>
-                <a:rPr lang="en-US" altLang="zh-TW" sz="2400" dirty="0"/>
-                <a:t> Left Hip</a:t>
-              </a:r>
-            </a:p>
-            <a:p>
-              <a:r>
-                <a:rPr lang="en-US" altLang="zh-TW" sz="2400" dirty="0">
-                  <a:solidFill>
-                    <a:schemeClr val="accent2">
-                      <a:lumMod val="75000"/>
-                    </a:schemeClr>
-                  </a:solidFill>
-                </a:rPr>
-                <a:t>13.</a:t>
-              </a:r>
-              <a:r>
-                <a:rPr lang="en-US" altLang="zh-TW" sz="2400" dirty="0"/>
-                <a:t> Right Hip</a:t>
-              </a:r>
-            </a:p>
-          </p:txBody>
-        </p:sp>
-        <p:sp>
-          <p:nvSpPr>
-            <p:cNvPr id="8" name="文字方塊 7">
-              <a:extLst>
-                <a:ext uri="{FF2B5EF4-FFF2-40B4-BE49-F238E27FC236}">
-                  <a16:creationId xmlns:a16="http://schemas.microsoft.com/office/drawing/2014/main" id="{DA55C3B9-FBFB-40B2-9216-83D6C33E478F}"/>
-                </a:ext>
-              </a:extLst>
-            </p:cNvPr>
-            <p:cNvSpPr txBox="1"/>
-            <p:nvPr/>
-          </p:nvSpPr>
-          <p:spPr>
-            <a:xfrm>
-              <a:off x="8460508" y="1166842"/>
-              <a:ext cx="2536464" cy="4524315"/>
-            </a:xfrm>
-            <a:prstGeom prst="rect">
-              <a:avLst/>
-            </a:prstGeom>
-            <a:noFill/>
-          </p:spPr>
-          <p:txBody>
-            <a:bodyPr wrap="none" rtlCol="0" anchor="ctr">
-              <a:spAutoFit/>
-            </a:bodyPr>
-            <a:lstStyle/>
-            <a:p>
-              <a:r>
-                <a:rPr lang="en-US" altLang="zh-TW" sz="2400" dirty="0">
-                  <a:solidFill>
-                    <a:schemeClr val="accent2">
-                      <a:lumMod val="75000"/>
-                    </a:schemeClr>
-                  </a:solidFill>
-                </a:rPr>
-                <a:t>14.</a:t>
-              </a:r>
-              <a:r>
-                <a:rPr lang="en-US" altLang="zh-TW" sz="2400" dirty="0"/>
-                <a:t> Left Knee</a:t>
-              </a:r>
-            </a:p>
-            <a:p>
-              <a:r>
-                <a:rPr lang="en-US" altLang="zh-TW" sz="2400" dirty="0">
-                  <a:solidFill>
-                    <a:schemeClr val="accent2">
-                      <a:lumMod val="75000"/>
-                    </a:schemeClr>
-                  </a:solidFill>
-                </a:rPr>
-                <a:t>15.</a:t>
-              </a:r>
-              <a:r>
-                <a:rPr lang="en-US" altLang="zh-TW" sz="2400" dirty="0"/>
-                <a:t> Right Knee</a:t>
-              </a:r>
-            </a:p>
-            <a:p>
-              <a:r>
-                <a:rPr lang="en-US" altLang="zh-TW" sz="2400" dirty="0">
-                  <a:solidFill>
-                    <a:schemeClr val="accent2">
-                      <a:lumMod val="75000"/>
-                    </a:schemeClr>
-                  </a:solidFill>
-                </a:rPr>
-                <a:t>16.</a:t>
-              </a:r>
-              <a:r>
-                <a:rPr lang="en-US" altLang="zh-TW" sz="2400" dirty="0"/>
-                <a:t> Left Ankle</a:t>
-              </a:r>
-            </a:p>
-            <a:p>
-              <a:r>
-                <a:rPr lang="en-US" altLang="zh-TW" sz="2400" dirty="0">
-                  <a:solidFill>
-                    <a:schemeClr val="accent2">
-                      <a:lumMod val="75000"/>
-                    </a:schemeClr>
-                  </a:solidFill>
-                </a:rPr>
-                <a:t>17.</a:t>
-              </a:r>
-              <a:r>
-                <a:rPr lang="en-US" altLang="zh-TW" sz="2400" dirty="0"/>
-                <a:t> Right Ankle</a:t>
-              </a:r>
-            </a:p>
-            <a:p>
-              <a:r>
-                <a:rPr lang="en-US" altLang="zh-TW" sz="2400" dirty="0">
-                  <a:solidFill>
-                    <a:schemeClr val="accent2">
-                      <a:lumMod val="75000"/>
-                    </a:schemeClr>
-                  </a:solidFill>
-                </a:rPr>
-                <a:t>18.</a:t>
-              </a:r>
-              <a:r>
-                <a:rPr lang="en-US" altLang="zh-TW" sz="2400" dirty="0"/>
-                <a:t> Neck</a:t>
-              </a:r>
-            </a:p>
-            <a:p>
-              <a:r>
-                <a:rPr lang="en-US" altLang="zh-TW" sz="2400" dirty="0">
-                  <a:solidFill>
-                    <a:schemeClr val="accent2">
-                      <a:lumMod val="75000"/>
-                    </a:schemeClr>
-                  </a:solidFill>
-                </a:rPr>
-                <a:t>19.</a:t>
-              </a:r>
-              <a:r>
-                <a:rPr lang="en-US" altLang="zh-TW" sz="2400" dirty="0"/>
-                <a:t> Head</a:t>
-              </a:r>
-            </a:p>
-            <a:p>
-              <a:r>
-                <a:rPr lang="en-US" altLang="zh-TW" sz="2400" dirty="0">
-                  <a:solidFill>
-                    <a:schemeClr val="accent2">
-                      <a:lumMod val="75000"/>
-                    </a:schemeClr>
-                  </a:solidFill>
-                </a:rPr>
-                <a:t>20.</a:t>
-              </a:r>
-              <a:r>
-                <a:rPr lang="en-US" altLang="zh-TW" sz="2400" dirty="0"/>
-                <a:t> Left Big Toe</a:t>
-              </a:r>
-            </a:p>
-            <a:p>
-              <a:r>
-                <a:rPr lang="en-US" altLang="zh-TW" sz="2400" dirty="0">
-                  <a:solidFill>
-                    <a:schemeClr val="accent2">
-                      <a:lumMod val="75000"/>
-                    </a:schemeClr>
-                  </a:solidFill>
-                </a:rPr>
-                <a:t>21.</a:t>
-              </a:r>
-              <a:r>
-                <a:rPr lang="en-US" altLang="zh-TW" sz="2400" dirty="0"/>
-                <a:t> Left Small Toe</a:t>
-              </a:r>
-            </a:p>
-            <a:p>
-              <a:r>
-                <a:rPr lang="en-US" altLang="zh-TW" sz="2400" dirty="0">
-                  <a:solidFill>
-                    <a:schemeClr val="accent2">
-                      <a:lumMod val="75000"/>
-                    </a:schemeClr>
-                  </a:solidFill>
-                </a:rPr>
-                <a:t>22.</a:t>
-              </a:r>
-              <a:r>
-                <a:rPr lang="en-US" altLang="zh-TW" sz="2400" dirty="0"/>
-                <a:t> Left Heel</a:t>
-              </a:r>
-            </a:p>
-            <a:p>
-              <a:r>
-                <a:rPr lang="en-US" altLang="zh-TW" sz="2400" dirty="0">
-                  <a:solidFill>
-                    <a:schemeClr val="accent2">
-                      <a:lumMod val="75000"/>
-                    </a:schemeClr>
-                  </a:solidFill>
-                </a:rPr>
-                <a:t>23.</a:t>
-              </a:r>
-              <a:r>
-                <a:rPr lang="en-US" altLang="zh-TW" sz="2400" dirty="0"/>
-                <a:t> Right Big Toe</a:t>
-              </a:r>
-            </a:p>
-            <a:p>
-              <a:r>
-                <a:rPr lang="en-US" altLang="zh-TW" sz="2400" dirty="0">
-                  <a:solidFill>
-                    <a:schemeClr val="accent2">
-                      <a:lumMod val="75000"/>
-                    </a:schemeClr>
-                  </a:solidFill>
-                </a:rPr>
-                <a:t>24. </a:t>
-              </a:r>
-              <a:r>
-                <a:rPr lang="en-US" altLang="zh-TW" sz="2400" dirty="0"/>
-                <a:t>Right Small Toe</a:t>
-              </a:r>
-            </a:p>
-            <a:p>
-              <a:r>
-                <a:rPr lang="en-US" altLang="zh-TW" sz="2400" dirty="0">
-                  <a:solidFill>
-                    <a:schemeClr val="accent2">
-                      <a:lumMod val="75000"/>
-                    </a:schemeClr>
-                  </a:solidFill>
-                </a:rPr>
-                <a:t>25. </a:t>
-              </a:r>
-              <a:r>
-                <a:rPr lang="en-US" altLang="zh-TW" sz="2400" dirty="0"/>
-                <a:t>Right Heel</a:t>
-              </a:r>
-            </a:p>
-          </p:txBody>
-        </p:sp>
-        <p:sp>
-          <p:nvSpPr>
-            <p:cNvPr id="9" name="文字方塊 8">
-              <a:extLst>
-                <a:ext uri="{FF2B5EF4-FFF2-40B4-BE49-F238E27FC236}">
-                  <a16:creationId xmlns:a16="http://schemas.microsoft.com/office/drawing/2014/main" id="{7F75D1B0-18D0-4051-A7BA-1E9F142889E0}"/>
-                </a:ext>
-              </a:extLst>
-            </p:cNvPr>
-            <p:cNvSpPr txBox="1"/>
-            <p:nvPr/>
-          </p:nvSpPr>
-          <p:spPr>
-            <a:xfrm>
-              <a:off x="2381104" y="1080654"/>
-              <a:ext cx="301686" cy="369332"/>
-            </a:xfrm>
-            <a:prstGeom prst="rect">
-              <a:avLst/>
-            </a:prstGeom>
-            <a:noFill/>
-          </p:spPr>
-          <p:txBody>
-            <a:bodyPr wrap="none" rtlCol="0">
-              <a:spAutoFit/>
-            </a:bodyPr>
-            <a:lstStyle/>
-            <a:p>
-              <a:r>
-                <a:rPr lang="en-US" altLang="zh-TW" dirty="0">
-                  <a:solidFill>
-                    <a:schemeClr val="accent2">
-                      <a:lumMod val="75000"/>
-                    </a:schemeClr>
-                  </a:solidFill>
-                </a:rPr>
-                <a:t>1</a:t>
-              </a:r>
-              <a:endParaRPr lang="zh-TW" altLang="en-US" dirty="0">
-                <a:solidFill>
-                  <a:schemeClr val="accent2">
-                    <a:lumMod val="75000"/>
-                  </a:schemeClr>
-                </a:solidFill>
-              </a:endParaRPr>
-            </a:p>
-          </p:txBody>
-        </p:sp>
-        <p:sp>
-          <p:nvSpPr>
-            <p:cNvPr id="10" name="文字方塊 9">
-              <a:extLst>
-                <a:ext uri="{FF2B5EF4-FFF2-40B4-BE49-F238E27FC236}">
-                  <a16:creationId xmlns:a16="http://schemas.microsoft.com/office/drawing/2014/main" id="{4C5775B9-6901-4E31-A689-D81170E16B7B}"/>
-                </a:ext>
-              </a:extLst>
-            </p:cNvPr>
-            <p:cNvSpPr txBox="1"/>
-            <p:nvPr/>
-          </p:nvSpPr>
-          <p:spPr>
-            <a:xfrm>
-              <a:off x="2531947" y="612843"/>
-              <a:ext cx="301686" cy="369332"/>
-            </a:xfrm>
-            <a:prstGeom prst="rect">
-              <a:avLst/>
-            </a:prstGeom>
-            <a:noFill/>
-          </p:spPr>
-          <p:txBody>
-            <a:bodyPr wrap="none" rtlCol="0">
-              <a:spAutoFit/>
-            </a:bodyPr>
-            <a:lstStyle/>
-            <a:p>
-              <a:r>
-                <a:rPr lang="en-US" altLang="zh-TW" dirty="0">
-                  <a:solidFill>
-                    <a:schemeClr val="accent2">
-                      <a:lumMod val="75000"/>
-                    </a:schemeClr>
-                  </a:solidFill>
-                </a:rPr>
-                <a:t>2</a:t>
-              </a:r>
-              <a:endParaRPr lang="zh-TW" altLang="en-US" dirty="0">
-                <a:solidFill>
-                  <a:schemeClr val="accent2">
-                    <a:lumMod val="75000"/>
-                  </a:schemeClr>
-                </a:solidFill>
-              </a:endParaRPr>
-            </a:p>
-          </p:txBody>
-        </p:sp>
-        <p:sp>
-          <p:nvSpPr>
-            <p:cNvPr id="11" name="文字方塊 10">
-              <a:extLst>
-                <a:ext uri="{FF2B5EF4-FFF2-40B4-BE49-F238E27FC236}">
-                  <a16:creationId xmlns:a16="http://schemas.microsoft.com/office/drawing/2014/main" id="{4E0091D8-20C2-433A-9196-2345C202B9B1}"/>
-                </a:ext>
-              </a:extLst>
-            </p:cNvPr>
-            <p:cNvSpPr txBox="1"/>
-            <p:nvPr/>
-          </p:nvSpPr>
-          <p:spPr>
-            <a:xfrm>
-              <a:off x="1936865" y="688218"/>
-              <a:ext cx="301686" cy="369332"/>
-            </a:xfrm>
-            <a:prstGeom prst="rect">
-              <a:avLst/>
-            </a:prstGeom>
-            <a:noFill/>
-          </p:spPr>
-          <p:txBody>
-            <a:bodyPr wrap="none" rtlCol="0">
-              <a:spAutoFit/>
-            </a:bodyPr>
-            <a:lstStyle/>
-            <a:p>
-              <a:r>
-                <a:rPr lang="en-US" altLang="zh-TW" dirty="0">
-                  <a:solidFill>
-                    <a:schemeClr val="accent2">
-                      <a:lumMod val="75000"/>
-                    </a:schemeClr>
-                  </a:solidFill>
-                </a:rPr>
-                <a:t>3</a:t>
-              </a:r>
-              <a:endParaRPr lang="zh-TW" altLang="en-US" dirty="0">
-                <a:solidFill>
-                  <a:schemeClr val="accent2">
-                    <a:lumMod val="75000"/>
-                  </a:schemeClr>
-                </a:solidFill>
-              </a:endParaRPr>
-            </a:p>
-          </p:txBody>
-        </p:sp>
-        <p:sp>
-          <p:nvSpPr>
-            <p:cNvPr id="12" name="文字方塊 11">
-              <a:extLst>
-                <a:ext uri="{FF2B5EF4-FFF2-40B4-BE49-F238E27FC236}">
-                  <a16:creationId xmlns:a16="http://schemas.microsoft.com/office/drawing/2014/main" id="{F4ADB250-536C-4821-A357-DE171EA092F8}"/>
-                </a:ext>
-              </a:extLst>
-            </p:cNvPr>
-            <p:cNvSpPr txBox="1"/>
-            <p:nvPr/>
-          </p:nvSpPr>
-          <p:spPr>
-            <a:xfrm>
-              <a:off x="3006210" y="1052918"/>
-              <a:ext cx="301686" cy="369332"/>
-            </a:xfrm>
-            <a:prstGeom prst="rect">
-              <a:avLst/>
-            </a:prstGeom>
-            <a:noFill/>
-          </p:spPr>
-          <p:txBody>
-            <a:bodyPr wrap="none" rtlCol="0">
-              <a:spAutoFit/>
-            </a:bodyPr>
-            <a:lstStyle/>
-            <a:p>
-              <a:r>
-                <a:rPr lang="en-US" altLang="zh-TW" dirty="0">
-                  <a:solidFill>
-                    <a:schemeClr val="accent2">
-                      <a:lumMod val="75000"/>
-                    </a:schemeClr>
-                  </a:solidFill>
-                </a:rPr>
-                <a:t>4</a:t>
-              </a:r>
-              <a:endParaRPr lang="zh-TW" altLang="en-US" dirty="0">
-                <a:solidFill>
-                  <a:schemeClr val="accent2">
-                    <a:lumMod val="75000"/>
-                  </a:schemeClr>
-                </a:solidFill>
-              </a:endParaRPr>
-            </a:p>
-          </p:txBody>
-        </p:sp>
-        <p:sp>
-          <p:nvSpPr>
-            <p:cNvPr id="13" name="文字方塊 12">
-              <a:extLst>
-                <a:ext uri="{FF2B5EF4-FFF2-40B4-BE49-F238E27FC236}">
-                  <a16:creationId xmlns:a16="http://schemas.microsoft.com/office/drawing/2014/main" id="{C708D7E3-5CC4-46AE-8987-71290ADE36A1}"/>
-                </a:ext>
-              </a:extLst>
-            </p:cNvPr>
-            <p:cNvSpPr txBox="1"/>
-            <p:nvPr/>
-          </p:nvSpPr>
-          <p:spPr>
-            <a:xfrm>
-              <a:off x="1402193" y="1052918"/>
-              <a:ext cx="301686" cy="369332"/>
-            </a:xfrm>
-            <a:prstGeom prst="rect">
-              <a:avLst/>
-            </a:prstGeom>
-            <a:noFill/>
-          </p:spPr>
-          <p:txBody>
-            <a:bodyPr wrap="none" rtlCol="0">
-              <a:spAutoFit/>
-            </a:bodyPr>
-            <a:lstStyle/>
-            <a:p>
-              <a:r>
-                <a:rPr lang="en-US" altLang="zh-TW" dirty="0">
-                  <a:solidFill>
-                    <a:schemeClr val="accent2">
-                      <a:lumMod val="75000"/>
-                    </a:schemeClr>
-                  </a:solidFill>
-                </a:rPr>
-                <a:t>5</a:t>
-              </a:r>
-              <a:endParaRPr lang="zh-TW" altLang="en-US" dirty="0">
-                <a:solidFill>
-                  <a:schemeClr val="accent2">
-                    <a:lumMod val="75000"/>
-                  </a:schemeClr>
-                </a:solidFill>
-              </a:endParaRPr>
-            </a:p>
-          </p:txBody>
-        </p:sp>
-        <p:sp>
-          <p:nvSpPr>
-            <p:cNvPr id="14" name="文字方塊 13">
-              <a:extLst>
-                <a:ext uri="{FF2B5EF4-FFF2-40B4-BE49-F238E27FC236}">
-                  <a16:creationId xmlns:a16="http://schemas.microsoft.com/office/drawing/2014/main" id="{AE957031-C06C-4DED-8278-F7072B704105}"/>
-                </a:ext>
-              </a:extLst>
-            </p:cNvPr>
-            <p:cNvSpPr txBox="1"/>
-            <p:nvPr/>
-          </p:nvSpPr>
-          <p:spPr>
-            <a:xfrm>
-              <a:off x="3157053" y="1740890"/>
-              <a:ext cx="301686" cy="369332"/>
-            </a:xfrm>
-            <a:prstGeom prst="rect">
-              <a:avLst/>
-            </a:prstGeom>
-            <a:noFill/>
-          </p:spPr>
-          <p:txBody>
-            <a:bodyPr wrap="none" rtlCol="0">
-              <a:spAutoFit/>
-            </a:bodyPr>
-            <a:lstStyle/>
-            <a:p>
-              <a:r>
-                <a:rPr lang="en-US" altLang="zh-TW" dirty="0">
-                  <a:solidFill>
-                    <a:schemeClr val="accent2">
-                      <a:lumMod val="75000"/>
-                    </a:schemeClr>
-                  </a:solidFill>
-                </a:rPr>
-                <a:t>6</a:t>
-              </a:r>
-              <a:endParaRPr lang="zh-TW" altLang="en-US" dirty="0">
-                <a:solidFill>
-                  <a:schemeClr val="accent2">
-                    <a:lumMod val="75000"/>
-                  </a:schemeClr>
-                </a:solidFill>
-              </a:endParaRPr>
-            </a:p>
-          </p:txBody>
-        </p:sp>
-        <p:sp>
-          <p:nvSpPr>
-            <p:cNvPr id="20" name="文字方塊 19">
-              <a:extLst>
-                <a:ext uri="{FF2B5EF4-FFF2-40B4-BE49-F238E27FC236}">
-                  <a16:creationId xmlns:a16="http://schemas.microsoft.com/office/drawing/2014/main" id="{67689184-B01D-4FC6-9486-44BA3DF74EBD}"/>
-                </a:ext>
-              </a:extLst>
-            </p:cNvPr>
-            <p:cNvSpPr txBox="1"/>
-            <p:nvPr/>
-          </p:nvSpPr>
-          <p:spPr>
-            <a:xfrm>
-              <a:off x="1251350" y="1740890"/>
-              <a:ext cx="301686" cy="369332"/>
-            </a:xfrm>
-            <a:prstGeom prst="rect">
-              <a:avLst/>
-            </a:prstGeom>
-            <a:noFill/>
-          </p:spPr>
-          <p:txBody>
-            <a:bodyPr wrap="none" rtlCol="0">
-              <a:spAutoFit/>
-            </a:bodyPr>
-            <a:lstStyle/>
-            <a:p>
-              <a:r>
-                <a:rPr lang="en-US" altLang="zh-TW" dirty="0">
-                  <a:solidFill>
-                    <a:schemeClr val="accent2">
-                      <a:lumMod val="75000"/>
-                    </a:schemeClr>
-                  </a:solidFill>
-                </a:rPr>
-                <a:t>7</a:t>
-              </a:r>
-              <a:endParaRPr lang="zh-TW" altLang="en-US" dirty="0">
-                <a:solidFill>
-                  <a:schemeClr val="accent2">
-                    <a:lumMod val="75000"/>
-                  </a:schemeClr>
-                </a:solidFill>
-              </a:endParaRPr>
-            </a:p>
-          </p:txBody>
-        </p:sp>
-        <p:sp>
-          <p:nvSpPr>
-            <p:cNvPr id="23" name="文字方塊 22">
-              <a:extLst>
-                <a:ext uri="{FF2B5EF4-FFF2-40B4-BE49-F238E27FC236}">
-                  <a16:creationId xmlns:a16="http://schemas.microsoft.com/office/drawing/2014/main" id="{59E518EB-48F2-492F-B3E8-2DE85BCE6896}"/>
-                </a:ext>
-              </a:extLst>
-            </p:cNvPr>
-            <p:cNvSpPr txBox="1"/>
-            <p:nvPr/>
-          </p:nvSpPr>
-          <p:spPr>
-            <a:xfrm>
-              <a:off x="3540641" y="2479799"/>
-              <a:ext cx="301686" cy="369332"/>
-            </a:xfrm>
-            <a:prstGeom prst="rect">
-              <a:avLst/>
-            </a:prstGeom>
-            <a:noFill/>
-          </p:spPr>
-          <p:txBody>
-            <a:bodyPr wrap="none" rtlCol="0">
-              <a:spAutoFit/>
-            </a:bodyPr>
-            <a:lstStyle/>
-            <a:p>
-              <a:r>
-                <a:rPr lang="en-US" altLang="zh-TW" dirty="0">
-                  <a:solidFill>
-                    <a:schemeClr val="accent2">
-                      <a:lumMod val="75000"/>
-                    </a:schemeClr>
-                  </a:solidFill>
-                </a:rPr>
-                <a:t>8</a:t>
-              </a:r>
-              <a:endParaRPr lang="zh-TW" altLang="en-US" dirty="0">
-                <a:solidFill>
-                  <a:schemeClr val="accent2">
-                    <a:lumMod val="75000"/>
-                  </a:schemeClr>
-                </a:solidFill>
-              </a:endParaRPr>
-            </a:p>
-          </p:txBody>
-        </p:sp>
-        <p:sp>
-          <p:nvSpPr>
-            <p:cNvPr id="24" name="文字方塊 23">
-              <a:extLst>
-                <a:ext uri="{FF2B5EF4-FFF2-40B4-BE49-F238E27FC236}">
-                  <a16:creationId xmlns:a16="http://schemas.microsoft.com/office/drawing/2014/main" id="{4957AA91-334B-4E58-BC36-8EAED1E6D7F4}"/>
-                </a:ext>
-              </a:extLst>
-            </p:cNvPr>
-            <p:cNvSpPr txBox="1"/>
-            <p:nvPr/>
-          </p:nvSpPr>
-          <p:spPr>
-            <a:xfrm>
-              <a:off x="893342" y="2479799"/>
-              <a:ext cx="301686" cy="369332"/>
-            </a:xfrm>
-            <a:prstGeom prst="rect">
-              <a:avLst/>
-            </a:prstGeom>
-            <a:noFill/>
-          </p:spPr>
-          <p:txBody>
-            <a:bodyPr wrap="none" rtlCol="0">
-              <a:spAutoFit/>
-            </a:bodyPr>
-            <a:lstStyle/>
-            <a:p>
-              <a:r>
-                <a:rPr lang="en-US" altLang="zh-TW" dirty="0">
-                  <a:solidFill>
-                    <a:schemeClr val="accent2">
-                      <a:lumMod val="75000"/>
-                    </a:schemeClr>
-                  </a:solidFill>
-                </a:rPr>
-                <a:t>9</a:t>
-              </a:r>
-              <a:endParaRPr lang="zh-TW" altLang="en-US" dirty="0">
-                <a:solidFill>
-                  <a:schemeClr val="accent2">
-                    <a:lumMod val="75000"/>
-                  </a:schemeClr>
-                </a:solidFill>
-              </a:endParaRPr>
-            </a:p>
-          </p:txBody>
-        </p:sp>
-        <p:sp>
-          <p:nvSpPr>
-            <p:cNvPr id="25" name="文字方塊 24">
-              <a:extLst>
-                <a:ext uri="{FF2B5EF4-FFF2-40B4-BE49-F238E27FC236}">
-                  <a16:creationId xmlns:a16="http://schemas.microsoft.com/office/drawing/2014/main" id="{9692C600-C1B1-4860-89A2-8B751FDB3083}"/>
-                </a:ext>
-              </a:extLst>
-            </p:cNvPr>
-            <p:cNvSpPr txBox="1"/>
-            <p:nvPr/>
-          </p:nvSpPr>
-          <p:spPr>
-            <a:xfrm>
-              <a:off x="3718024" y="3304205"/>
-              <a:ext cx="418704" cy="369332"/>
-            </a:xfrm>
-            <a:prstGeom prst="rect">
-              <a:avLst/>
-            </a:prstGeom>
-            <a:noFill/>
-          </p:spPr>
-          <p:txBody>
-            <a:bodyPr wrap="none" rtlCol="0">
-              <a:spAutoFit/>
-            </a:bodyPr>
-            <a:lstStyle/>
-            <a:p>
-              <a:r>
-                <a:rPr lang="en-US" altLang="zh-TW" dirty="0">
-                  <a:solidFill>
-                    <a:schemeClr val="accent2">
-                      <a:lumMod val="75000"/>
-                    </a:schemeClr>
-                  </a:solidFill>
-                </a:rPr>
-                <a:t>10</a:t>
-              </a:r>
-              <a:endParaRPr lang="zh-TW" altLang="en-US" dirty="0">
-                <a:solidFill>
-                  <a:schemeClr val="accent2">
-                    <a:lumMod val="75000"/>
-                  </a:schemeClr>
-                </a:solidFill>
-              </a:endParaRPr>
-            </a:p>
-          </p:txBody>
-        </p:sp>
-        <p:sp>
-          <p:nvSpPr>
-            <p:cNvPr id="27" name="文字方塊 26">
-              <a:extLst>
-                <a:ext uri="{FF2B5EF4-FFF2-40B4-BE49-F238E27FC236}">
-                  <a16:creationId xmlns:a16="http://schemas.microsoft.com/office/drawing/2014/main" id="{E7059881-D0A5-4081-AEC8-116309A13016}"/>
-                </a:ext>
-              </a:extLst>
-            </p:cNvPr>
-            <p:cNvSpPr txBox="1"/>
-            <p:nvPr/>
-          </p:nvSpPr>
-          <p:spPr>
-            <a:xfrm>
-              <a:off x="587366" y="3304205"/>
-              <a:ext cx="418704" cy="369332"/>
-            </a:xfrm>
-            <a:prstGeom prst="rect">
-              <a:avLst/>
-            </a:prstGeom>
-            <a:noFill/>
-          </p:spPr>
-          <p:txBody>
-            <a:bodyPr wrap="none" rtlCol="0">
-              <a:spAutoFit/>
-            </a:bodyPr>
-            <a:lstStyle/>
-            <a:p>
-              <a:r>
-                <a:rPr lang="en-US" altLang="zh-TW" dirty="0">
-                  <a:solidFill>
-                    <a:schemeClr val="accent2">
-                      <a:lumMod val="75000"/>
-                    </a:schemeClr>
-                  </a:solidFill>
-                </a:rPr>
-                <a:t>11</a:t>
-              </a:r>
-              <a:endParaRPr lang="zh-TW" altLang="en-US" dirty="0">
-                <a:solidFill>
-                  <a:schemeClr val="accent2">
-                    <a:lumMod val="75000"/>
-                  </a:schemeClr>
-                </a:solidFill>
-              </a:endParaRPr>
-            </a:p>
-          </p:txBody>
-        </p:sp>
-        <p:sp>
-          <p:nvSpPr>
-            <p:cNvPr id="28" name="文字方塊 27">
-              <a:extLst>
-                <a:ext uri="{FF2B5EF4-FFF2-40B4-BE49-F238E27FC236}">
-                  <a16:creationId xmlns:a16="http://schemas.microsoft.com/office/drawing/2014/main" id="{2CFCC803-4245-4C0A-A45D-73EE3E9EB9E9}"/>
-                </a:ext>
-              </a:extLst>
-            </p:cNvPr>
-            <p:cNvSpPr txBox="1"/>
-            <p:nvPr/>
-          </p:nvSpPr>
-          <p:spPr>
-            <a:xfrm>
-              <a:off x="2776772" y="3491269"/>
-              <a:ext cx="418704" cy="369332"/>
-            </a:xfrm>
-            <a:prstGeom prst="rect">
-              <a:avLst/>
-            </a:prstGeom>
-            <a:noFill/>
-          </p:spPr>
-          <p:txBody>
-            <a:bodyPr wrap="none" rtlCol="0">
-              <a:spAutoFit/>
-            </a:bodyPr>
-            <a:lstStyle/>
-            <a:p>
-              <a:r>
-                <a:rPr lang="en-US" altLang="zh-TW" dirty="0">
-                  <a:solidFill>
-                    <a:schemeClr val="accent2">
-                      <a:lumMod val="75000"/>
-                    </a:schemeClr>
-                  </a:solidFill>
-                </a:rPr>
-                <a:t>12</a:t>
-              </a:r>
-              <a:endParaRPr lang="zh-TW" altLang="en-US" dirty="0">
-                <a:solidFill>
-                  <a:schemeClr val="accent2">
-                    <a:lumMod val="75000"/>
-                  </a:schemeClr>
-                </a:solidFill>
-              </a:endParaRPr>
-            </a:p>
-          </p:txBody>
-        </p:sp>
-        <p:sp>
-          <p:nvSpPr>
-            <p:cNvPr id="29" name="文字方塊 28">
-              <a:extLst>
-                <a:ext uri="{FF2B5EF4-FFF2-40B4-BE49-F238E27FC236}">
-                  <a16:creationId xmlns:a16="http://schemas.microsoft.com/office/drawing/2014/main" id="{A90726FB-182E-4DAD-9018-4A6E1B710BAD}"/>
-                </a:ext>
-              </a:extLst>
-            </p:cNvPr>
-            <p:cNvSpPr txBox="1"/>
-            <p:nvPr/>
-          </p:nvSpPr>
-          <p:spPr>
-            <a:xfrm>
-              <a:off x="1504080" y="3491269"/>
-              <a:ext cx="418704" cy="369332"/>
-            </a:xfrm>
-            <a:prstGeom prst="rect">
-              <a:avLst/>
-            </a:prstGeom>
-            <a:noFill/>
-          </p:spPr>
-          <p:txBody>
-            <a:bodyPr wrap="none" rtlCol="0">
-              <a:spAutoFit/>
-            </a:bodyPr>
-            <a:lstStyle/>
-            <a:p>
-              <a:r>
-                <a:rPr lang="en-US" altLang="zh-TW" dirty="0">
-                  <a:solidFill>
-                    <a:schemeClr val="accent2">
-                      <a:lumMod val="75000"/>
-                    </a:schemeClr>
-                  </a:solidFill>
-                </a:rPr>
-                <a:t>13</a:t>
-              </a:r>
-              <a:endParaRPr lang="zh-TW" altLang="en-US" dirty="0">
-                <a:solidFill>
-                  <a:schemeClr val="accent2">
-                    <a:lumMod val="75000"/>
-                  </a:schemeClr>
-                </a:solidFill>
-              </a:endParaRPr>
-            </a:p>
-          </p:txBody>
-        </p:sp>
-        <p:sp>
-          <p:nvSpPr>
-            <p:cNvPr id="30" name="文字方塊 29">
-              <a:extLst>
-                <a:ext uri="{FF2B5EF4-FFF2-40B4-BE49-F238E27FC236}">
-                  <a16:creationId xmlns:a16="http://schemas.microsoft.com/office/drawing/2014/main" id="{4FB87A2E-BC2A-4DFA-A03C-8AFFF1A5E65C}"/>
-                </a:ext>
-              </a:extLst>
-            </p:cNvPr>
-            <p:cNvSpPr txBox="1"/>
-            <p:nvPr/>
-          </p:nvSpPr>
-          <p:spPr>
-            <a:xfrm>
-              <a:off x="2977938" y="4682547"/>
-              <a:ext cx="418704" cy="369332"/>
-            </a:xfrm>
-            <a:prstGeom prst="rect">
-              <a:avLst/>
-            </a:prstGeom>
-            <a:noFill/>
-          </p:spPr>
-          <p:txBody>
-            <a:bodyPr wrap="none" rtlCol="0">
-              <a:spAutoFit/>
-            </a:bodyPr>
-            <a:lstStyle/>
-            <a:p>
-              <a:r>
-                <a:rPr lang="en-US" altLang="zh-TW" dirty="0">
-                  <a:solidFill>
-                    <a:schemeClr val="accent2">
-                      <a:lumMod val="75000"/>
-                    </a:schemeClr>
-                  </a:solidFill>
-                </a:rPr>
-                <a:t>14</a:t>
-              </a:r>
-              <a:endParaRPr lang="zh-TW" altLang="en-US" dirty="0">
-                <a:solidFill>
-                  <a:schemeClr val="accent2">
-                    <a:lumMod val="75000"/>
-                  </a:schemeClr>
-                </a:solidFill>
-              </a:endParaRPr>
-            </a:p>
-          </p:txBody>
-        </p:sp>
-        <p:sp>
-          <p:nvSpPr>
-            <p:cNvPr id="31" name="文字方塊 30">
-              <a:extLst>
-                <a:ext uri="{FF2B5EF4-FFF2-40B4-BE49-F238E27FC236}">
-                  <a16:creationId xmlns:a16="http://schemas.microsoft.com/office/drawing/2014/main" id="{D63C4A73-4E8E-4577-BA61-F656DF71F4BD}"/>
-                </a:ext>
-              </a:extLst>
-            </p:cNvPr>
-            <p:cNvSpPr txBox="1"/>
-            <p:nvPr/>
-          </p:nvSpPr>
-          <p:spPr>
-            <a:xfrm>
-              <a:off x="1343684" y="4682547"/>
-              <a:ext cx="418704" cy="369332"/>
-            </a:xfrm>
-            <a:prstGeom prst="rect">
-              <a:avLst/>
-            </a:prstGeom>
-            <a:noFill/>
-          </p:spPr>
-          <p:txBody>
-            <a:bodyPr wrap="none" rtlCol="0">
-              <a:spAutoFit/>
-            </a:bodyPr>
-            <a:lstStyle/>
-            <a:p>
-              <a:r>
-                <a:rPr lang="en-US" altLang="zh-TW" dirty="0">
-                  <a:solidFill>
-                    <a:schemeClr val="accent2">
-                      <a:lumMod val="75000"/>
-                    </a:schemeClr>
-                  </a:solidFill>
-                </a:rPr>
-                <a:t>15</a:t>
-              </a:r>
-              <a:endParaRPr lang="zh-TW" altLang="en-US" dirty="0">
-                <a:solidFill>
-                  <a:schemeClr val="accent2">
-                    <a:lumMod val="75000"/>
-                  </a:schemeClr>
-                </a:solidFill>
-              </a:endParaRPr>
-            </a:p>
-          </p:txBody>
-        </p:sp>
-        <p:sp>
-          <p:nvSpPr>
-            <p:cNvPr id="32" name="文字方塊 31">
-              <a:extLst>
-                <a:ext uri="{FF2B5EF4-FFF2-40B4-BE49-F238E27FC236}">
-                  <a16:creationId xmlns:a16="http://schemas.microsoft.com/office/drawing/2014/main" id="{ABF3EA14-E86F-474C-91BA-B6F2192D7613}"/>
-                </a:ext>
-              </a:extLst>
-            </p:cNvPr>
-            <p:cNvSpPr txBox="1"/>
-            <p:nvPr/>
-          </p:nvSpPr>
-          <p:spPr>
-            <a:xfrm>
-              <a:off x="2738349" y="5504493"/>
-              <a:ext cx="418704" cy="369332"/>
-            </a:xfrm>
-            <a:prstGeom prst="rect">
-              <a:avLst/>
-            </a:prstGeom>
-            <a:noFill/>
-          </p:spPr>
-          <p:txBody>
-            <a:bodyPr wrap="none" rtlCol="0">
-              <a:spAutoFit/>
-            </a:bodyPr>
-            <a:lstStyle/>
-            <a:p>
-              <a:r>
-                <a:rPr lang="en-US" altLang="zh-TW" dirty="0">
-                  <a:solidFill>
-                    <a:schemeClr val="accent2">
-                      <a:lumMod val="75000"/>
-                    </a:schemeClr>
-                  </a:solidFill>
-                </a:rPr>
-                <a:t>16</a:t>
-              </a:r>
-              <a:endParaRPr lang="zh-TW" altLang="en-US" dirty="0">
-                <a:solidFill>
-                  <a:schemeClr val="accent2">
-                    <a:lumMod val="75000"/>
-                  </a:schemeClr>
-                </a:solidFill>
-              </a:endParaRPr>
-            </a:p>
-          </p:txBody>
-        </p:sp>
-        <p:sp>
-          <p:nvSpPr>
-            <p:cNvPr id="33" name="文字方塊 32">
-              <a:extLst>
-                <a:ext uri="{FF2B5EF4-FFF2-40B4-BE49-F238E27FC236}">
-                  <a16:creationId xmlns:a16="http://schemas.microsoft.com/office/drawing/2014/main" id="{DF16A592-F6B0-46BC-AC31-8C3F797DD3EC}"/>
-                </a:ext>
-              </a:extLst>
-            </p:cNvPr>
-            <p:cNvSpPr txBox="1"/>
-            <p:nvPr/>
-          </p:nvSpPr>
-          <p:spPr>
-            <a:xfrm>
-              <a:off x="1962400" y="5504493"/>
-              <a:ext cx="418704" cy="369332"/>
-            </a:xfrm>
-            <a:prstGeom prst="rect">
-              <a:avLst/>
-            </a:prstGeom>
-            <a:noFill/>
-          </p:spPr>
-          <p:txBody>
-            <a:bodyPr wrap="none" rtlCol="0">
-              <a:spAutoFit/>
-            </a:bodyPr>
-            <a:lstStyle/>
-            <a:p>
-              <a:r>
-                <a:rPr lang="en-US" altLang="zh-TW" dirty="0">
-                  <a:solidFill>
-                    <a:schemeClr val="accent2">
-                      <a:lumMod val="75000"/>
-                    </a:schemeClr>
-                  </a:solidFill>
-                </a:rPr>
-                <a:t>17</a:t>
-              </a:r>
-              <a:endParaRPr lang="zh-TW" altLang="en-US" dirty="0">
-                <a:solidFill>
-                  <a:schemeClr val="accent2">
-                    <a:lumMod val="75000"/>
-                  </a:schemeClr>
-                </a:solidFill>
-              </a:endParaRPr>
-            </a:p>
-          </p:txBody>
-        </p:sp>
-        <p:sp>
-          <p:nvSpPr>
-            <p:cNvPr id="34" name="文字方塊 33">
-              <a:extLst>
-                <a:ext uri="{FF2B5EF4-FFF2-40B4-BE49-F238E27FC236}">
-                  <a16:creationId xmlns:a16="http://schemas.microsoft.com/office/drawing/2014/main" id="{0F4E068A-4A49-4683-893E-C10F3F800531}"/>
-                </a:ext>
-              </a:extLst>
-            </p:cNvPr>
-            <p:cNvSpPr txBox="1"/>
-            <p:nvPr/>
-          </p:nvSpPr>
-          <p:spPr>
-            <a:xfrm>
-              <a:off x="2163722" y="1682724"/>
-              <a:ext cx="418704" cy="369332"/>
-            </a:xfrm>
-            <a:prstGeom prst="rect">
-              <a:avLst/>
-            </a:prstGeom>
-            <a:noFill/>
-          </p:spPr>
-          <p:txBody>
-            <a:bodyPr wrap="none" rtlCol="0">
-              <a:spAutoFit/>
-            </a:bodyPr>
-            <a:lstStyle/>
-            <a:p>
-              <a:r>
-                <a:rPr lang="en-US" altLang="zh-TW" dirty="0">
-                  <a:solidFill>
-                    <a:schemeClr val="accent2">
-                      <a:lumMod val="75000"/>
-                    </a:schemeClr>
-                  </a:solidFill>
-                </a:rPr>
-                <a:t>18</a:t>
-              </a:r>
-              <a:endParaRPr lang="zh-TW" altLang="en-US" dirty="0">
-                <a:solidFill>
-                  <a:schemeClr val="accent2">
-                    <a:lumMod val="75000"/>
-                  </a:schemeClr>
-                </a:solidFill>
-              </a:endParaRPr>
-            </a:p>
-          </p:txBody>
-        </p:sp>
-        <p:sp>
-          <p:nvSpPr>
-            <p:cNvPr id="35" name="文字方塊 34">
-              <a:extLst>
-                <a:ext uri="{FF2B5EF4-FFF2-40B4-BE49-F238E27FC236}">
-                  <a16:creationId xmlns:a16="http://schemas.microsoft.com/office/drawing/2014/main" id="{9B1E4D10-5B06-48F4-A2C6-42C5359E4D89}"/>
-                </a:ext>
-              </a:extLst>
-            </p:cNvPr>
-            <p:cNvSpPr txBox="1"/>
-            <p:nvPr/>
-          </p:nvSpPr>
-          <p:spPr>
-            <a:xfrm>
-              <a:off x="2171752" y="410287"/>
-              <a:ext cx="418704" cy="369332"/>
-            </a:xfrm>
-            <a:prstGeom prst="rect">
-              <a:avLst/>
-            </a:prstGeom>
-            <a:noFill/>
-          </p:spPr>
-          <p:txBody>
-            <a:bodyPr wrap="none" rtlCol="0">
-              <a:spAutoFit/>
-            </a:bodyPr>
-            <a:lstStyle/>
-            <a:p>
-              <a:r>
-                <a:rPr lang="en-US" altLang="zh-TW" dirty="0">
-                  <a:solidFill>
-                    <a:schemeClr val="accent2">
-                      <a:lumMod val="75000"/>
-                    </a:schemeClr>
-                  </a:solidFill>
-                </a:rPr>
-                <a:t>19</a:t>
-              </a:r>
-              <a:endParaRPr lang="zh-TW" altLang="en-US" dirty="0">
-                <a:solidFill>
-                  <a:schemeClr val="accent2">
-                    <a:lumMod val="75000"/>
-                  </a:schemeClr>
-                </a:solidFill>
-              </a:endParaRPr>
-            </a:p>
-          </p:txBody>
-        </p:sp>
-        <p:sp>
-          <p:nvSpPr>
-            <p:cNvPr id="36" name="文字方塊 35">
-              <a:extLst>
-                <a:ext uri="{FF2B5EF4-FFF2-40B4-BE49-F238E27FC236}">
-                  <a16:creationId xmlns:a16="http://schemas.microsoft.com/office/drawing/2014/main" id="{8E18CB9D-B301-462B-8AF8-2E9734F6030F}"/>
-                </a:ext>
-              </a:extLst>
-            </p:cNvPr>
-            <p:cNvSpPr txBox="1"/>
-            <p:nvPr/>
-          </p:nvSpPr>
-          <p:spPr>
-            <a:xfrm>
-              <a:off x="2947701" y="5994882"/>
-              <a:ext cx="418704" cy="369332"/>
-            </a:xfrm>
-            <a:prstGeom prst="rect">
-              <a:avLst/>
-            </a:prstGeom>
-            <a:noFill/>
-          </p:spPr>
-          <p:txBody>
-            <a:bodyPr wrap="none" rtlCol="0">
-              <a:spAutoFit/>
-            </a:bodyPr>
-            <a:lstStyle/>
-            <a:p>
-              <a:r>
-                <a:rPr lang="en-US" altLang="zh-TW" dirty="0">
-                  <a:solidFill>
-                    <a:schemeClr val="accent2">
-                      <a:lumMod val="75000"/>
-                    </a:schemeClr>
-                  </a:solidFill>
-                </a:rPr>
-                <a:t>20</a:t>
-              </a:r>
-              <a:endParaRPr lang="zh-TW" altLang="en-US" dirty="0">
-                <a:solidFill>
-                  <a:schemeClr val="accent2">
-                    <a:lumMod val="75000"/>
-                  </a:schemeClr>
-                </a:solidFill>
-              </a:endParaRPr>
-            </a:p>
-          </p:txBody>
-        </p:sp>
-        <p:sp>
-          <p:nvSpPr>
-            <p:cNvPr id="37" name="文字方塊 36">
-              <a:extLst>
-                <a:ext uri="{FF2B5EF4-FFF2-40B4-BE49-F238E27FC236}">
-                  <a16:creationId xmlns:a16="http://schemas.microsoft.com/office/drawing/2014/main" id="{9922B343-9930-4EBE-AC26-941A2B1A18C4}"/>
-                </a:ext>
-              </a:extLst>
-            </p:cNvPr>
-            <p:cNvSpPr txBox="1"/>
-            <p:nvPr/>
-          </p:nvSpPr>
-          <p:spPr>
-            <a:xfrm>
-              <a:off x="3290338" y="5509111"/>
-              <a:ext cx="418704" cy="369332"/>
-            </a:xfrm>
-            <a:prstGeom prst="rect">
-              <a:avLst/>
-            </a:prstGeom>
-            <a:noFill/>
-          </p:spPr>
-          <p:txBody>
-            <a:bodyPr wrap="none" rtlCol="0">
-              <a:spAutoFit/>
-            </a:bodyPr>
-            <a:lstStyle/>
-            <a:p>
-              <a:r>
-                <a:rPr lang="en-US" altLang="zh-TW" dirty="0">
-                  <a:solidFill>
-                    <a:schemeClr val="accent2">
-                      <a:lumMod val="75000"/>
-                    </a:schemeClr>
-                  </a:solidFill>
-                </a:rPr>
-                <a:t>21</a:t>
-              </a:r>
-              <a:endParaRPr lang="zh-TW" altLang="en-US" dirty="0">
-                <a:solidFill>
-                  <a:schemeClr val="accent2">
-                    <a:lumMod val="75000"/>
-                  </a:schemeClr>
-                </a:solidFill>
-              </a:endParaRPr>
-            </a:p>
-          </p:txBody>
-        </p:sp>
-        <p:sp>
-          <p:nvSpPr>
-            <p:cNvPr id="38" name="文字方塊 37">
-              <a:extLst>
-                <a:ext uri="{FF2B5EF4-FFF2-40B4-BE49-F238E27FC236}">
-                  <a16:creationId xmlns:a16="http://schemas.microsoft.com/office/drawing/2014/main" id="{73AF53CD-9E0D-4A29-B417-8FD250EBB433}"/>
-                </a:ext>
-              </a:extLst>
-            </p:cNvPr>
-            <p:cNvSpPr txBox="1"/>
-            <p:nvPr/>
-          </p:nvSpPr>
-          <p:spPr>
-            <a:xfrm>
-              <a:off x="2383407" y="5972304"/>
-              <a:ext cx="418704" cy="369332"/>
-            </a:xfrm>
-            <a:prstGeom prst="rect">
-              <a:avLst/>
-            </a:prstGeom>
-            <a:noFill/>
-          </p:spPr>
-          <p:txBody>
-            <a:bodyPr wrap="none" rtlCol="0">
-              <a:spAutoFit/>
-            </a:bodyPr>
-            <a:lstStyle/>
-            <a:p>
-              <a:r>
-                <a:rPr lang="en-US" altLang="zh-TW" dirty="0">
-                  <a:solidFill>
-                    <a:schemeClr val="accent2">
-                      <a:lumMod val="75000"/>
-                    </a:schemeClr>
-                  </a:solidFill>
-                </a:rPr>
-                <a:t>22</a:t>
-              </a:r>
-              <a:endParaRPr lang="zh-TW" altLang="en-US" dirty="0">
-                <a:solidFill>
-                  <a:schemeClr val="accent2">
-                    <a:lumMod val="75000"/>
-                  </a:schemeClr>
-                </a:solidFill>
-              </a:endParaRPr>
-            </a:p>
-          </p:txBody>
-        </p:sp>
-        <p:sp>
-          <p:nvSpPr>
-            <p:cNvPr id="39" name="文字方塊 38">
-              <a:extLst>
-                <a:ext uri="{FF2B5EF4-FFF2-40B4-BE49-F238E27FC236}">
-                  <a16:creationId xmlns:a16="http://schemas.microsoft.com/office/drawing/2014/main" id="{1EEBD394-3A11-4A81-A103-AB9546F48BE1}"/>
-                </a:ext>
-              </a:extLst>
-            </p:cNvPr>
-            <p:cNvSpPr txBox="1"/>
-            <p:nvPr/>
-          </p:nvSpPr>
-          <p:spPr>
-            <a:xfrm>
-              <a:off x="1402193" y="5994882"/>
-              <a:ext cx="418704" cy="369332"/>
-            </a:xfrm>
-            <a:prstGeom prst="rect">
-              <a:avLst/>
-            </a:prstGeom>
-            <a:noFill/>
-          </p:spPr>
-          <p:txBody>
-            <a:bodyPr wrap="none" rtlCol="0">
-              <a:spAutoFit/>
-            </a:bodyPr>
-            <a:lstStyle/>
-            <a:p>
-              <a:r>
-                <a:rPr lang="en-US" altLang="zh-TW" dirty="0">
-                  <a:solidFill>
-                    <a:schemeClr val="accent2">
-                      <a:lumMod val="75000"/>
-                    </a:schemeClr>
-                  </a:solidFill>
-                </a:rPr>
-                <a:t>23</a:t>
-              </a:r>
-              <a:endParaRPr lang="zh-TW" altLang="en-US" dirty="0">
-                <a:solidFill>
-                  <a:schemeClr val="accent2">
-                    <a:lumMod val="75000"/>
-                  </a:schemeClr>
-                </a:solidFill>
-              </a:endParaRPr>
-            </a:p>
-          </p:txBody>
-        </p:sp>
-        <p:sp>
-          <p:nvSpPr>
-            <p:cNvPr id="40" name="文字方塊 39">
-              <a:extLst>
-                <a:ext uri="{FF2B5EF4-FFF2-40B4-BE49-F238E27FC236}">
-                  <a16:creationId xmlns:a16="http://schemas.microsoft.com/office/drawing/2014/main" id="{A8E9C1F1-57BC-45E6-97D9-C37C6619179C}"/>
-                </a:ext>
-              </a:extLst>
-            </p:cNvPr>
-            <p:cNvSpPr txBox="1"/>
-            <p:nvPr/>
-          </p:nvSpPr>
-          <p:spPr>
-            <a:xfrm>
-              <a:off x="1041943" y="5499875"/>
-              <a:ext cx="418704" cy="369332"/>
-            </a:xfrm>
-            <a:prstGeom prst="rect">
-              <a:avLst/>
-            </a:prstGeom>
-            <a:noFill/>
-          </p:spPr>
-          <p:txBody>
-            <a:bodyPr wrap="none" rtlCol="0">
-              <a:spAutoFit/>
-            </a:bodyPr>
-            <a:lstStyle/>
-            <a:p>
-              <a:r>
-                <a:rPr lang="en-US" altLang="zh-TW" dirty="0">
-                  <a:solidFill>
-                    <a:schemeClr val="accent2">
-                      <a:lumMod val="75000"/>
-                    </a:schemeClr>
-                  </a:solidFill>
-                </a:rPr>
-                <a:t>24</a:t>
-              </a:r>
-              <a:endParaRPr lang="zh-TW" altLang="en-US" dirty="0">
-                <a:solidFill>
-                  <a:schemeClr val="accent2">
-                    <a:lumMod val="75000"/>
-                  </a:schemeClr>
-                </a:solidFill>
-              </a:endParaRPr>
-            </a:p>
-          </p:txBody>
-        </p:sp>
-        <p:sp>
-          <p:nvSpPr>
-            <p:cNvPr id="41" name="文字方塊 40">
-              <a:extLst>
-                <a:ext uri="{FF2B5EF4-FFF2-40B4-BE49-F238E27FC236}">
-                  <a16:creationId xmlns:a16="http://schemas.microsoft.com/office/drawing/2014/main" id="{3466187F-79DE-4BBE-9BAD-3B58275B02EB}"/>
-                </a:ext>
-              </a:extLst>
-            </p:cNvPr>
-            <p:cNvSpPr txBox="1"/>
-            <p:nvPr/>
-          </p:nvSpPr>
-          <p:spPr>
-            <a:xfrm>
-              <a:off x="1962400" y="5972304"/>
-              <a:ext cx="418704" cy="369332"/>
-            </a:xfrm>
-            <a:prstGeom prst="rect">
-              <a:avLst/>
-            </a:prstGeom>
-            <a:noFill/>
-          </p:spPr>
-          <p:txBody>
-            <a:bodyPr wrap="none" rtlCol="0">
-              <a:spAutoFit/>
-            </a:bodyPr>
-            <a:lstStyle/>
-            <a:p>
-              <a:r>
-                <a:rPr lang="en-US" altLang="zh-TW" dirty="0">
-                  <a:solidFill>
-                    <a:schemeClr val="accent2">
-                      <a:lumMod val="75000"/>
-                    </a:schemeClr>
-                  </a:solidFill>
-                </a:rPr>
-                <a:t>25</a:t>
-              </a:r>
-              <a:endParaRPr lang="zh-TW" altLang="en-US" dirty="0">
-                <a:solidFill>
-                  <a:schemeClr val="accent2">
-                    <a:lumMod val="75000"/>
-                  </a:schemeClr>
-                </a:solidFill>
-              </a:endParaRPr>
-            </a:p>
-          </p:txBody>
-        </p:sp>
-      </p:grpSp>
-    </p:spTree>
-    <p:extLst>
-      <p:ext uri="{BB962C8B-B14F-4D97-AF65-F5344CB8AC3E}">
-        <p14:creationId xmlns:p14="http://schemas.microsoft.com/office/powerpoint/2010/main" val="1175437900"/>
-      </p:ext>
-    </p:extLst>
-  </p:cSld>
-  <p:clrMapOvr>
-    <a:masterClrMapping/>
-  </p:clrMapOvr>
-</p:sld>
-</file>
-
-<file path=ppt/slides/slide5.xml><?xml version="1.0" encoding="utf-8"?>
+<file path=ppt/slides/slide6.xml><?xml version="1.0" encoding="utf-8"?>
 <p:sld xmlns:a="http://schemas.openxmlformats.org/drawingml/2006/main" xmlns:r="http://schemas.openxmlformats.org/officeDocument/2006/relationships" xmlns:p="http://schemas.openxmlformats.org/presentationml/2006/main">
   <p:cSld>
     <p:spTree>
@@ -7252,4 +8559,299 @@
     </a:ext>
   </a:extLst>
 </a:theme>
+</file>
+
+<file path=ppt/theme/theme2.xml><?xml version="1.0" encoding="utf-8"?>
+<a:theme xmlns:a="http://schemas.openxmlformats.org/drawingml/2006/main" name="Office 佈景主題">
+  <a:themeElements>
+    <a:clrScheme name="Office">
+      <a:dk1>
+        <a:sysClr val="windowText" lastClr="000000"/>
+      </a:dk1>
+      <a:lt1>
+        <a:sysClr val="window" lastClr="FFFFFF"/>
+      </a:lt1>
+      <a:dk2>
+        <a:srgbClr val="44546A"/>
+      </a:dk2>
+      <a:lt2>
+        <a:srgbClr val="E7E6E6"/>
+      </a:lt2>
+      <a:accent1>
+        <a:srgbClr val="4472C4"/>
+      </a:accent1>
+      <a:accent2>
+        <a:srgbClr val="ED7D31"/>
+      </a:accent2>
+      <a:accent3>
+        <a:srgbClr val="A5A5A5"/>
+      </a:accent3>
+      <a:accent4>
+        <a:srgbClr val="FFC000"/>
+      </a:accent4>
+      <a:accent5>
+        <a:srgbClr val="5B9BD5"/>
+      </a:accent5>
+      <a:accent6>
+        <a:srgbClr val="70AD47"/>
+      </a:accent6>
+      <a:hlink>
+        <a:srgbClr val="0563C1"/>
+      </a:hlink>
+      <a:folHlink>
+        <a:srgbClr val="954F72"/>
+      </a:folHlink>
+    </a:clrScheme>
+    <a:fontScheme name="Office">
+      <a:majorFont>
+        <a:latin typeface="Calibri Light" panose="020F0302020204030204"/>
+        <a:ea typeface=""/>
+        <a:cs typeface=""/>
+        <a:font script="Jpan" typeface="游ゴシック Light"/>
+        <a:font script="Hang" typeface="맑은 고딕"/>
+        <a:font script="Hans" typeface="等线 Light"/>
+        <a:font script="Hant" typeface="新細明體"/>
+        <a:font script="Arab" typeface="Times New Roman"/>
+        <a:font script="Hebr" typeface="Times New Roman"/>
+        <a:font script="Thai" typeface="Angsana New"/>
+        <a:font script="Ethi" typeface="Nyala"/>
+        <a:font script="Beng" typeface="Vrinda"/>
+        <a:font script="Gujr" typeface="Shruti"/>
+        <a:font script="Khmr" typeface="MoolBoran"/>
+        <a:font script="Knda" typeface="Tunga"/>
+        <a:font script="Guru" typeface="Raavi"/>
+        <a:font script="Cans" typeface="Euphemia"/>
+        <a:font script="Cher" typeface="Plantagenet Cherokee"/>
+        <a:font script="Yiii" typeface="Microsoft Yi Baiti"/>
+        <a:font script="Tibt" typeface="Microsoft Himalaya"/>
+        <a:font script="Thaa" typeface="MV Boli"/>
+        <a:font script="Deva" typeface="Mangal"/>
+        <a:font script="Telu" typeface="Gautami"/>
+        <a:font script="Taml" typeface="Latha"/>
+        <a:font script="Syrc" typeface="Estrangelo Edessa"/>
+        <a:font script="Orya" typeface="Kalinga"/>
+        <a:font script="Mlym" typeface="Kartika"/>
+        <a:font script="Laoo" typeface="DokChampa"/>
+        <a:font script="Sinh" typeface="Iskoola Pota"/>
+        <a:font script="Mong" typeface="Mongolian Baiti"/>
+        <a:font script="Viet" typeface="Times New Roman"/>
+        <a:font script="Uigh" typeface="Microsoft Uighur"/>
+        <a:font script="Geor" typeface="Sylfaen"/>
+        <a:font script="Armn" typeface="Arial"/>
+        <a:font script="Bugi" typeface="Leelawadee UI"/>
+        <a:font script="Bopo" typeface="Microsoft JhengHei"/>
+        <a:font script="Java" typeface="Javanese Text"/>
+        <a:font script="Lisu" typeface="Segoe UI"/>
+        <a:font script="Mymr" typeface="Myanmar Text"/>
+        <a:font script="Nkoo" typeface="Ebrima"/>
+        <a:font script="Olck" typeface="Nirmala UI"/>
+        <a:font script="Osma" typeface="Ebrima"/>
+        <a:font script="Phag" typeface="Phagspa"/>
+        <a:font script="Syrn" typeface="Estrangelo Edessa"/>
+        <a:font script="Syrj" typeface="Estrangelo Edessa"/>
+        <a:font script="Syre" typeface="Estrangelo Edessa"/>
+        <a:font script="Sora" typeface="Nirmala UI"/>
+        <a:font script="Tale" typeface="Microsoft Tai Le"/>
+        <a:font script="Talu" typeface="Microsoft New Tai Lue"/>
+        <a:font script="Tfng" typeface="Ebrima"/>
+      </a:majorFont>
+      <a:minorFont>
+        <a:latin typeface="Calibri" panose="020F0502020204030204"/>
+        <a:ea typeface=""/>
+        <a:cs typeface=""/>
+        <a:font script="Jpan" typeface="游ゴシック"/>
+        <a:font script="Hang" typeface="맑은 고딕"/>
+        <a:font script="Hans" typeface="等线"/>
+        <a:font script="Hant" typeface="新細明體"/>
+        <a:font script="Arab" typeface="Arial"/>
+        <a:font script="Hebr" typeface="Arial"/>
+        <a:font script="Thai" typeface="Cordia New"/>
+        <a:font script="Ethi" typeface="Nyala"/>
+        <a:font script="Beng" typeface="Vrinda"/>
+        <a:font script="Gujr" typeface="Shruti"/>
+        <a:font script="Khmr" typeface="DaunPenh"/>
+        <a:font script="Knda" typeface="Tunga"/>
+        <a:font script="Guru" typeface="Raavi"/>
+        <a:font script="Cans" typeface="Euphemia"/>
+        <a:font script="Cher" typeface="Plantagenet Cherokee"/>
+        <a:font script="Yiii" typeface="Microsoft Yi Baiti"/>
+        <a:font script="Tibt" typeface="Microsoft Himalaya"/>
+        <a:font script="Thaa" typeface="MV Boli"/>
+        <a:font script="Deva" typeface="Mangal"/>
+        <a:font script="Telu" typeface="Gautami"/>
+        <a:font script="Taml" typeface="Latha"/>
+        <a:font script="Syrc" typeface="Estrangelo Edessa"/>
+        <a:font script="Orya" typeface="Kalinga"/>
+        <a:font script="Mlym" typeface="Kartika"/>
+        <a:font script="Laoo" typeface="DokChampa"/>
+        <a:font script="Sinh" typeface="Iskoola Pota"/>
+        <a:font script="Mong" typeface="Mongolian Baiti"/>
+        <a:font script="Viet" typeface="Arial"/>
+        <a:font script="Uigh" typeface="Microsoft Uighur"/>
+        <a:font script="Geor" typeface="Sylfaen"/>
+        <a:font script="Armn" typeface="Arial"/>
+        <a:font script="Bugi" typeface="Leelawadee UI"/>
+        <a:font script="Bopo" typeface="Microsoft JhengHei"/>
+        <a:font script="Java" typeface="Javanese Text"/>
+        <a:font script="Lisu" typeface="Segoe UI"/>
+        <a:font script="Mymr" typeface="Myanmar Text"/>
+        <a:font script="Nkoo" typeface="Ebrima"/>
+        <a:font script="Olck" typeface="Nirmala UI"/>
+        <a:font script="Osma" typeface="Ebrima"/>
+        <a:font script="Phag" typeface="Phagspa"/>
+        <a:font script="Syrn" typeface="Estrangelo Edessa"/>
+        <a:font script="Syrj" typeface="Estrangelo Edessa"/>
+        <a:font script="Syre" typeface="Estrangelo Edessa"/>
+        <a:font script="Sora" typeface="Nirmala UI"/>
+        <a:font script="Tale" typeface="Microsoft Tai Le"/>
+        <a:font script="Talu" typeface="Microsoft New Tai Lue"/>
+        <a:font script="Tfng" typeface="Ebrima"/>
+      </a:minorFont>
+    </a:fontScheme>
+    <a:fmtScheme name="Office">
+      <a:fillStyleLst>
+        <a:solidFill>
+          <a:schemeClr val="phClr"/>
+        </a:solidFill>
+        <a:gradFill rotWithShape="1">
+          <a:gsLst>
+            <a:gs pos="0">
+              <a:schemeClr val="phClr">
+                <a:lumMod val="110000"/>
+                <a:satMod val="105000"/>
+                <a:tint val="67000"/>
+              </a:schemeClr>
+            </a:gs>
+            <a:gs pos="50000">
+              <a:schemeClr val="phClr">
+                <a:lumMod val="105000"/>
+                <a:satMod val="103000"/>
+                <a:tint val="73000"/>
+              </a:schemeClr>
+            </a:gs>
+            <a:gs pos="100000">
+              <a:schemeClr val="phClr">
+                <a:lumMod val="105000"/>
+                <a:satMod val="109000"/>
+                <a:tint val="81000"/>
+              </a:schemeClr>
+            </a:gs>
+          </a:gsLst>
+          <a:lin ang="5400000" scaled="0"/>
+        </a:gradFill>
+        <a:gradFill rotWithShape="1">
+          <a:gsLst>
+            <a:gs pos="0">
+              <a:schemeClr val="phClr">
+                <a:satMod val="103000"/>
+                <a:lumMod val="102000"/>
+                <a:tint val="94000"/>
+              </a:schemeClr>
+            </a:gs>
+            <a:gs pos="50000">
+              <a:schemeClr val="phClr">
+                <a:satMod val="110000"/>
+                <a:lumMod val="100000"/>
+                <a:shade val="100000"/>
+              </a:schemeClr>
+            </a:gs>
+            <a:gs pos="100000">
+              <a:schemeClr val="phClr">
+                <a:lumMod val="99000"/>
+                <a:satMod val="120000"/>
+                <a:shade val="78000"/>
+              </a:schemeClr>
+            </a:gs>
+          </a:gsLst>
+          <a:lin ang="5400000" scaled="0"/>
+        </a:gradFill>
+      </a:fillStyleLst>
+      <a:lnStyleLst>
+        <a:ln w="6350" cap="flat" cmpd="sng" algn="ctr">
+          <a:solidFill>
+            <a:schemeClr val="phClr"/>
+          </a:solidFill>
+          <a:prstDash val="solid"/>
+          <a:miter lim="800000"/>
+        </a:ln>
+        <a:ln w="12700" cap="flat" cmpd="sng" algn="ctr">
+          <a:solidFill>
+            <a:schemeClr val="phClr"/>
+          </a:solidFill>
+          <a:prstDash val="solid"/>
+          <a:miter lim="800000"/>
+        </a:ln>
+        <a:ln w="19050" cap="flat" cmpd="sng" algn="ctr">
+          <a:solidFill>
+            <a:schemeClr val="phClr"/>
+          </a:solidFill>
+          <a:prstDash val="solid"/>
+          <a:miter lim="800000"/>
+        </a:ln>
+      </a:lnStyleLst>
+      <a:effectStyleLst>
+        <a:effectStyle>
+          <a:effectLst/>
+        </a:effectStyle>
+        <a:effectStyle>
+          <a:effectLst/>
+        </a:effectStyle>
+        <a:effectStyle>
+          <a:effectLst>
+            <a:outerShdw blurRad="57150" dist="19050" dir="5400000" algn="ctr" rotWithShape="0">
+              <a:srgbClr val="000000">
+                <a:alpha val="63000"/>
+              </a:srgbClr>
+            </a:outerShdw>
+          </a:effectLst>
+        </a:effectStyle>
+      </a:effectStyleLst>
+      <a:bgFillStyleLst>
+        <a:solidFill>
+          <a:schemeClr val="phClr"/>
+        </a:solidFill>
+        <a:solidFill>
+          <a:schemeClr val="phClr">
+            <a:tint val="95000"/>
+            <a:satMod val="170000"/>
+          </a:schemeClr>
+        </a:solidFill>
+        <a:gradFill rotWithShape="1">
+          <a:gsLst>
+            <a:gs pos="0">
+              <a:schemeClr val="phClr">
+                <a:tint val="93000"/>
+                <a:satMod val="150000"/>
+                <a:shade val="98000"/>
+                <a:lumMod val="102000"/>
+              </a:schemeClr>
+            </a:gs>
+            <a:gs pos="50000">
+              <a:schemeClr val="phClr">
+                <a:tint val="98000"/>
+                <a:satMod val="130000"/>
+                <a:shade val="90000"/>
+                <a:lumMod val="103000"/>
+              </a:schemeClr>
+            </a:gs>
+            <a:gs pos="100000">
+              <a:schemeClr val="phClr">
+                <a:shade val="63000"/>
+                <a:satMod val="120000"/>
+              </a:schemeClr>
+            </a:gs>
+          </a:gsLst>
+          <a:lin ang="5400000" scaled="0"/>
+        </a:gradFill>
+      </a:bgFillStyleLst>
+    </a:fmtScheme>
+  </a:themeElements>
+  <a:objectDefaults/>
+  <a:extraClrSchemeLst/>
+  <a:extLst>
+    <a:ext uri="{05A4C25C-085E-4340-85A3-A5531E510DB2}">
+      <thm15:themeFamily xmlns:thm15="http://schemas.microsoft.com/office/thememl/2012/main" name="Office Theme" id="{62F939B6-93AF-4DB8-9C6B-D6C7DFDC589F}" vid="{4A3C46E8-61CC-4603-A589-7422A47A8E4A}"/>
+    </a:ext>
+  </a:extLst>
+</a:theme>
 </file>